--- a/lesson03.pptx
+++ b/lesson03.pptx
@@ -159,6 +159,7 @@
 <file path=ppt/revisionInfo.xml><?xml version="1.0" encoding="utf-8"?>
 <p1510:revInfo xmlns:a="http://schemas.openxmlformats.org/drawingml/2006/main" xmlns:r="http://schemas.openxmlformats.org/officeDocument/2006/relationships" xmlns:p1510="http://schemas.microsoft.com/office/powerpoint/2015/10/main">
   <p1510:revLst>
+    <p1510:client id="{5BF962B0-9EC3-4C1B-B156-F49CC0DFD81C}" v="3" dt="2023-05-17T19:26:02.402"/>
     <p1510:client id="{7A91C555-A7C1-4A8D-86B6-B660AC4426BD}" v="10" dt="2023-05-17T17:28:23.018"/>
   </p1510:revLst>
 </p1510:revInfo>
@@ -167,24 +168,1136 @@
 <file path=ppt/changesInfos/changesInfo1.xml><?xml version="1.0" encoding="utf-8"?>
 <pc:chgInfo xmlns:a="http://schemas.openxmlformats.org/drawingml/2006/main" xmlns:r="http://schemas.openxmlformats.org/officeDocument/2006/relationships" xmlns:ac="http://schemas.microsoft.com/office/drawing/2013/main/command" xmlns:pc="http://schemas.microsoft.com/office/powerpoint/2013/main/command">
   <pc:docChgLst>
-    <pc:chgData name="Anatoliy Kigel" userId="7432c6c4687b0a9c" providerId="LiveId" clId="{B4710394-BEAA-4A88-ACCA-5534825ABB48}"/>
-    <pc:docChg chg="modSld">
-      <pc:chgData name="Anatoliy Kigel" userId="7432c6c4687b0a9c" providerId="LiveId" clId="{B4710394-BEAA-4A88-ACCA-5534825ABB48}" dt="2021-03-01T20:43:22.754" v="6" actId="1036"/>
+    <pc:chgData name="Anatoliy Kigel" userId="7432c6c4687b0a9c" providerId="LiveId" clId="{D9F6D599-7765-4AB8-BF9D-2E745D075EEF}"/>
+    <pc:docChg chg="undo custSel addSld delSld modSld sldOrd">
+      <pc:chgData name="Anatoliy Kigel" userId="7432c6c4687b0a9c" providerId="LiveId" clId="{D9F6D599-7765-4AB8-BF9D-2E745D075EEF}" dt="2021-10-06T18:39:31.185" v="575" actId="47"/>
       <pc:docMkLst>
         <pc:docMk/>
       </pc:docMkLst>
+      <pc:sldChg chg="del">
+        <pc:chgData name="Anatoliy Kigel" userId="7432c6c4687b0a9c" providerId="LiveId" clId="{D9F6D599-7765-4AB8-BF9D-2E745D075EEF}" dt="2021-10-04T10:20:56.172" v="2" actId="47"/>
+        <pc:sldMkLst>
+          <pc:docMk/>
+          <pc:sldMk cId="0" sldId="337"/>
+        </pc:sldMkLst>
+      </pc:sldChg>
+      <pc:sldChg chg="add">
+        <pc:chgData name="Anatoliy Kigel" userId="7432c6c4687b0a9c" providerId="LiveId" clId="{D9F6D599-7765-4AB8-BF9D-2E745D075EEF}" dt="2021-10-04T10:50:51.439" v="105"/>
+        <pc:sldMkLst>
+          <pc:docMk/>
+          <pc:sldMk cId="2636876839" sldId="364"/>
+        </pc:sldMkLst>
+      </pc:sldChg>
+      <pc:sldChg chg="add del">
+        <pc:chgData name="Anatoliy Kigel" userId="7432c6c4687b0a9c" providerId="LiveId" clId="{D9F6D599-7765-4AB8-BF9D-2E745D075EEF}" dt="2021-10-04T10:50:40.382" v="104" actId="2696"/>
+        <pc:sldMkLst>
+          <pc:docMk/>
+          <pc:sldMk cId="2771553471" sldId="364"/>
+        </pc:sldMkLst>
+      </pc:sldChg>
+      <pc:sldChg chg="del">
+        <pc:chgData name="Anatoliy Kigel" userId="7432c6c4687b0a9c" providerId="LiveId" clId="{D9F6D599-7765-4AB8-BF9D-2E745D075EEF}" dt="2021-10-04T10:30:28.302" v="16" actId="47"/>
+        <pc:sldMkLst>
+          <pc:docMk/>
+          <pc:sldMk cId="153658790" sldId="380"/>
+        </pc:sldMkLst>
+      </pc:sldChg>
+      <pc:sldChg chg="add del">
+        <pc:chgData name="Anatoliy Kigel" userId="7432c6c4687b0a9c" providerId="LiveId" clId="{D9F6D599-7765-4AB8-BF9D-2E745D075EEF}" dt="2021-10-04T10:50:40.382" v="104" actId="2696"/>
+        <pc:sldMkLst>
+          <pc:docMk/>
+          <pc:sldMk cId="1274794983" sldId="385"/>
+        </pc:sldMkLst>
+      </pc:sldChg>
+      <pc:sldChg chg="add">
+        <pc:chgData name="Anatoliy Kigel" userId="7432c6c4687b0a9c" providerId="LiveId" clId="{D9F6D599-7765-4AB8-BF9D-2E745D075EEF}" dt="2021-10-04T10:50:51.439" v="105"/>
+        <pc:sldMkLst>
+          <pc:docMk/>
+          <pc:sldMk cId="3004122313" sldId="385"/>
+        </pc:sldMkLst>
+      </pc:sldChg>
+      <pc:sldChg chg="add">
+        <pc:chgData name="Anatoliy Kigel" userId="7432c6c4687b0a9c" providerId="LiveId" clId="{D9F6D599-7765-4AB8-BF9D-2E745D075EEF}" dt="2021-10-04T10:50:51.439" v="105"/>
+        <pc:sldMkLst>
+          <pc:docMk/>
+          <pc:sldMk cId="366965302" sldId="386"/>
+        </pc:sldMkLst>
+      </pc:sldChg>
+      <pc:sldChg chg="add del">
+        <pc:chgData name="Anatoliy Kigel" userId="7432c6c4687b0a9c" providerId="LiveId" clId="{D9F6D599-7765-4AB8-BF9D-2E745D075EEF}" dt="2021-10-04T10:50:40.382" v="104" actId="2696"/>
+        <pc:sldMkLst>
+          <pc:docMk/>
+          <pc:sldMk cId="3691103200" sldId="386"/>
+        </pc:sldMkLst>
+      </pc:sldChg>
+      <pc:sldChg chg="modSp del mod">
+        <pc:chgData name="Anatoliy Kigel" userId="7432c6c4687b0a9c" providerId="LiveId" clId="{D9F6D599-7765-4AB8-BF9D-2E745D075EEF}" dt="2021-10-05T06:28:21.708" v="180" actId="2696"/>
+        <pc:sldMkLst>
+          <pc:docMk/>
+          <pc:sldMk cId="1178291047" sldId="400"/>
+        </pc:sldMkLst>
+        <pc:spChg chg="mod">
+          <ac:chgData name="Anatoliy Kigel" userId="7432c6c4687b0a9c" providerId="LiveId" clId="{D9F6D599-7765-4AB8-BF9D-2E745D075EEF}" dt="2021-10-04T10:50:25.600" v="103" actId="20577"/>
+          <ac:spMkLst>
+            <pc:docMk/>
+            <pc:sldMk cId="1178291047" sldId="400"/>
+            <ac:spMk id="5" creationId="{00000000-0000-0000-0000-000000000000}"/>
+          </ac:spMkLst>
+        </pc:spChg>
+      </pc:sldChg>
+      <pc:sldChg chg="modSp add mod">
+        <pc:chgData name="Anatoliy Kigel" userId="7432c6c4687b0a9c" providerId="LiveId" clId="{D9F6D599-7765-4AB8-BF9D-2E745D075EEF}" dt="2021-10-05T06:28:26.574" v="182" actId="20577"/>
+        <pc:sldMkLst>
+          <pc:docMk/>
+          <pc:sldMk cId="3772191036" sldId="400"/>
+        </pc:sldMkLst>
+        <pc:spChg chg="mod">
+          <ac:chgData name="Anatoliy Kigel" userId="7432c6c4687b0a9c" providerId="LiveId" clId="{D9F6D599-7765-4AB8-BF9D-2E745D075EEF}" dt="2021-10-05T06:28:26.574" v="182" actId="20577"/>
+          <ac:spMkLst>
+            <pc:docMk/>
+            <pc:sldMk cId="3772191036" sldId="400"/>
+            <ac:spMk id="5" creationId="{00000000-0000-0000-0000-000000000000}"/>
+          </ac:spMkLst>
+        </pc:spChg>
+      </pc:sldChg>
+      <pc:sldChg chg="modSp add mod">
+        <pc:chgData name="Anatoliy Kigel" userId="7432c6c4687b0a9c" providerId="LiveId" clId="{D9F6D599-7765-4AB8-BF9D-2E745D075EEF}" dt="2021-10-04T10:50:54.573" v="106" actId="20577"/>
+        <pc:sldMkLst>
+          <pc:docMk/>
+          <pc:sldMk cId="1996300760" sldId="408"/>
+        </pc:sldMkLst>
+        <pc:spChg chg="mod">
+          <ac:chgData name="Anatoliy Kigel" userId="7432c6c4687b0a9c" providerId="LiveId" clId="{D9F6D599-7765-4AB8-BF9D-2E745D075EEF}" dt="2021-10-04T10:50:54.573" v="106" actId="20577"/>
+          <ac:spMkLst>
+            <pc:docMk/>
+            <pc:sldMk cId="1996300760" sldId="408"/>
+            <ac:spMk id="5" creationId="{00000000-0000-0000-0000-000000000000}"/>
+          </ac:spMkLst>
+        </pc:spChg>
+      </pc:sldChg>
+      <pc:sldChg chg="add del">
+        <pc:chgData name="Anatoliy Kigel" userId="7432c6c4687b0a9c" providerId="LiveId" clId="{D9F6D599-7765-4AB8-BF9D-2E745D075EEF}" dt="2021-10-04T10:50:40.382" v="104" actId="2696"/>
+        <pc:sldMkLst>
+          <pc:docMk/>
+          <pc:sldMk cId="3485247262" sldId="408"/>
+        </pc:sldMkLst>
+      </pc:sldChg>
+      <pc:sldChg chg="add del">
+        <pc:chgData name="Anatoliy Kigel" userId="7432c6c4687b0a9c" providerId="LiveId" clId="{D9F6D599-7765-4AB8-BF9D-2E745D075EEF}" dt="2021-10-04T10:51:36.463" v="111" actId="2696"/>
+        <pc:sldMkLst>
+          <pc:docMk/>
+          <pc:sldMk cId="1719666714" sldId="412"/>
+        </pc:sldMkLst>
+      </pc:sldChg>
+      <pc:sldChg chg="add del">
+        <pc:chgData name="Anatoliy Kigel" userId="7432c6c4687b0a9c" providerId="LiveId" clId="{D9F6D599-7765-4AB8-BF9D-2E745D075EEF}" dt="2021-10-05T06:28:46.803" v="184" actId="2696"/>
+        <pc:sldMkLst>
+          <pc:docMk/>
+          <pc:sldMk cId="2571726461" sldId="412"/>
+        </pc:sldMkLst>
+      </pc:sldChg>
+      <pc:sldChg chg="modSp add mod">
+        <pc:chgData name="Anatoliy Kigel" userId="7432c6c4687b0a9c" providerId="LiveId" clId="{D9F6D599-7765-4AB8-BF9D-2E745D075EEF}" dt="2021-10-05T06:28:56.090" v="186" actId="20577"/>
+        <pc:sldMkLst>
+          <pc:docMk/>
+          <pc:sldMk cId="3316522765" sldId="412"/>
+        </pc:sldMkLst>
+        <pc:spChg chg="mod">
+          <ac:chgData name="Anatoliy Kigel" userId="7432c6c4687b0a9c" providerId="LiveId" clId="{D9F6D599-7765-4AB8-BF9D-2E745D075EEF}" dt="2021-10-05T06:28:56.090" v="186" actId="20577"/>
+          <ac:spMkLst>
+            <pc:docMk/>
+            <pc:sldMk cId="3316522765" sldId="412"/>
+            <ac:spMk id="5" creationId="{00000000-0000-0000-0000-000000000000}"/>
+          </ac:spMkLst>
+        </pc:spChg>
+      </pc:sldChg>
+      <pc:sldChg chg="add">
+        <pc:chgData name="Anatoliy Kigel" userId="7432c6c4687b0a9c" providerId="LiveId" clId="{D9F6D599-7765-4AB8-BF9D-2E745D075EEF}" dt="2021-10-05T06:28:52.499" v="185"/>
+        <pc:sldMkLst>
+          <pc:docMk/>
+          <pc:sldMk cId="509433131" sldId="413"/>
+        </pc:sldMkLst>
+      </pc:sldChg>
+      <pc:sldChg chg="add del">
+        <pc:chgData name="Anatoliy Kigel" userId="7432c6c4687b0a9c" providerId="LiveId" clId="{D9F6D599-7765-4AB8-BF9D-2E745D075EEF}" dt="2021-10-04T10:51:36.463" v="111" actId="2696"/>
+        <pc:sldMkLst>
+          <pc:docMk/>
+          <pc:sldMk cId="1187402257" sldId="413"/>
+        </pc:sldMkLst>
+      </pc:sldChg>
+      <pc:sldChg chg="add del">
+        <pc:chgData name="Anatoliy Kigel" userId="7432c6c4687b0a9c" providerId="LiveId" clId="{D9F6D599-7765-4AB8-BF9D-2E745D075EEF}" dt="2021-10-05T06:28:46.803" v="184" actId="2696"/>
+        <pc:sldMkLst>
+          <pc:docMk/>
+          <pc:sldMk cId="1747817600" sldId="413"/>
+        </pc:sldMkLst>
+      </pc:sldChg>
+      <pc:sldChg chg="del">
+        <pc:chgData name="Anatoliy Kigel" userId="7432c6c4687b0a9c" providerId="LiveId" clId="{D9F6D599-7765-4AB8-BF9D-2E745D075EEF}" dt="2021-10-05T06:28:21.708" v="180" actId="2696"/>
+        <pc:sldMkLst>
+          <pc:docMk/>
+          <pc:sldMk cId="922893784" sldId="429"/>
+        </pc:sldMkLst>
+      </pc:sldChg>
+      <pc:sldChg chg="add">
+        <pc:chgData name="Anatoliy Kigel" userId="7432c6c4687b0a9c" providerId="LiveId" clId="{D9F6D599-7765-4AB8-BF9D-2E745D075EEF}" dt="2021-10-05T06:28:24.616" v="181"/>
+        <pc:sldMkLst>
+          <pc:docMk/>
+          <pc:sldMk cId="4127325237" sldId="429"/>
+        </pc:sldMkLst>
+      </pc:sldChg>
       <pc:sldChg chg="modSp mod">
-        <pc:chgData name="Anatoliy Kigel" userId="7432c6c4687b0a9c" providerId="LiveId" clId="{B4710394-BEAA-4A88-ACCA-5534825ABB48}" dt="2021-03-01T20:43:22.754" v="6" actId="1036"/>
+        <pc:chgData name="Anatoliy Kigel" userId="7432c6c4687b0a9c" providerId="LiveId" clId="{D9F6D599-7765-4AB8-BF9D-2E745D075EEF}" dt="2021-10-04T10:21:12.173" v="14" actId="207"/>
+        <pc:sldMkLst>
+          <pc:docMk/>
+          <pc:sldMk cId="2396747633" sldId="430"/>
+        </pc:sldMkLst>
+        <pc:spChg chg="mod">
+          <ac:chgData name="Anatoliy Kigel" userId="7432c6c4687b0a9c" providerId="LiveId" clId="{D9F6D599-7765-4AB8-BF9D-2E745D075EEF}" dt="2021-10-04T10:21:12.173" v="14" actId="207"/>
+          <ac:spMkLst>
+            <pc:docMk/>
+            <pc:sldMk cId="2396747633" sldId="430"/>
+            <ac:spMk id="16" creationId="{00000000-0000-0000-0000-000000000000}"/>
+          </ac:spMkLst>
+        </pc:spChg>
+      </pc:sldChg>
+      <pc:sldChg chg="modSp mod">
+        <pc:chgData name="Anatoliy Kigel" userId="7432c6c4687b0a9c" providerId="LiveId" clId="{D9F6D599-7765-4AB8-BF9D-2E745D075EEF}" dt="2021-10-05T06:19:17.888" v="151" actId="113"/>
+        <pc:sldMkLst>
+          <pc:docMk/>
+          <pc:sldMk cId="1102755832" sldId="431"/>
+        </pc:sldMkLst>
+        <pc:spChg chg="mod">
+          <ac:chgData name="Anatoliy Kigel" userId="7432c6c4687b0a9c" providerId="LiveId" clId="{D9F6D599-7765-4AB8-BF9D-2E745D075EEF}" dt="2021-10-05T06:19:17.888" v="151" actId="113"/>
+          <ac:spMkLst>
+            <pc:docMk/>
+            <pc:sldMk cId="1102755832" sldId="431"/>
+            <ac:spMk id="3" creationId="{00000000-0000-0000-0000-000000000000}"/>
+          </ac:spMkLst>
+        </pc:spChg>
+      </pc:sldChg>
+      <pc:sldChg chg="modSp mod">
+        <pc:chgData name="Anatoliy Kigel" userId="7432c6c4687b0a9c" providerId="LiveId" clId="{D9F6D599-7765-4AB8-BF9D-2E745D075EEF}" dt="2021-10-05T06:27:49.091" v="179" actId="20577"/>
+        <pc:sldMkLst>
+          <pc:docMk/>
+          <pc:sldMk cId="3904143844" sldId="433"/>
+        </pc:sldMkLst>
+        <pc:spChg chg="mod">
+          <ac:chgData name="Anatoliy Kigel" userId="7432c6c4687b0a9c" providerId="LiveId" clId="{D9F6D599-7765-4AB8-BF9D-2E745D075EEF}" dt="2021-10-05T06:19:56.800" v="170" actId="20577"/>
+          <ac:spMkLst>
+            <pc:docMk/>
+            <pc:sldMk cId="3904143844" sldId="433"/>
+            <ac:spMk id="6" creationId="{00000000-0000-0000-0000-000000000000}"/>
+          </ac:spMkLst>
+        </pc:spChg>
+        <pc:spChg chg="mod">
+          <ac:chgData name="Anatoliy Kigel" userId="7432c6c4687b0a9c" providerId="LiveId" clId="{D9F6D599-7765-4AB8-BF9D-2E745D075EEF}" dt="2021-10-05T06:27:49.091" v="179" actId="20577"/>
+          <ac:spMkLst>
+            <pc:docMk/>
+            <pc:sldMk cId="3904143844" sldId="433"/>
+            <ac:spMk id="10" creationId="{00000000-0000-0000-0000-000000000000}"/>
+          </ac:spMkLst>
+        </pc:spChg>
+      </pc:sldChg>
+      <pc:sldChg chg="add">
+        <pc:chgData name="Anatoliy Kigel" userId="7432c6c4687b0a9c" providerId="LiveId" clId="{D9F6D599-7765-4AB8-BF9D-2E745D075EEF}" dt="2021-10-05T06:40:14.340" v="228"/>
+        <pc:sldMkLst>
+          <pc:docMk/>
+          <pc:sldMk cId="1072141460" sldId="434"/>
+        </pc:sldMkLst>
+      </pc:sldChg>
+      <pc:sldChg chg="del">
+        <pc:chgData name="Anatoliy Kigel" userId="7432c6c4687b0a9c" providerId="LiveId" clId="{D9F6D599-7765-4AB8-BF9D-2E745D075EEF}" dt="2021-10-04T10:20:56.172" v="2" actId="47"/>
+        <pc:sldMkLst>
+          <pc:docMk/>
+          <pc:sldMk cId="3698798159" sldId="434"/>
+        </pc:sldMkLst>
+      </pc:sldChg>
+      <pc:sldChg chg="del">
+        <pc:chgData name="Anatoliy Kigel" userId="7432c6c4687b0a9c" providerId="LiveId" clId="{D9F6D599-7765-4AB8-BF9D-2E745D075EEF}" dt="2021-10-05T06:32:47.855" v="192" actId="47"/>
+        <pc:sldMkLst>
+          <pc:docMk/>
+          <pc:sldMk cId="1461126830" sldId="437"/>
+        </pc:sldMkLst>
+      </pc:sldChg>
+      <pc:sldChg chg="del">
+        <pc:chgData name="Anatoliy Kigel" userId="7432c6c4687b0a9c" providerId="LiveId" clId="{D9F6D599-7765-4AB8-BF9D-2E745D075EEF}" dt="2021-10-04T10:20:56.172" v="2" actId="47"/>
+        <pc:sldMkLst>
+          <pc:docMk/>
+          <pc:sldMk cId="4031666526" sldId="438"/>
+        </pc:sldMkLst>
+      </pc:sldChg>
+      <pc:sldChg chg="modSp mod">
+        <pc:chgData name="Anatoliy Kigel" userId="7432c6c4687b0a9c" providerId="LiveId" clId="{D9F6D599-7765-4AB8-BF9D-2E745D075EEF}" dt="2021-10-04T10:33:17.325" v="19" actId="20577"/>
+        <pc:sldMkLst>
+          <pc:docMk/>
+          <pc:sldMk cId="2918009972" sldId="439"/>
+        </pc:sldMkLst>
+        <pc:spChg chg="mod">
+          <ac:chgData name="Anatoliy Kigel" userId="7432c6c4687b0a9c" providerId="LiveId" clId="{D9F6D599-7765-4AB8-BF9D-2E745D075EEF}" dt="2021-10-04T10:33:17.325" v="19" actId="20577"/>
+          <ac:spMkLst>
+            <pc:docMk/>
+            <pc:sldMk cId="2918009972" sldId="439"/>
+            <ac:spMk id="5" creationId="{00000000-0000-0000-0000-000000000000}"/>
+          </ac:spMkLst>
+        </pc:spChg>
+      </pc:sldChg>
+      <pc:sldChg chg="del">
+        <pc:chgData name="Anatoliy Kigel" userId="7432c6c4687b0a9c" providerId="LiveId" clId="{D9F6D599-7765-4AB8-BF9D-2E745D075EEF}" dt="2021-10-05T06:41:33.912" v="229" actId="47"/>
+        <pc:sldMkLst>
+          <pc:docMk/>
+          <pc:sldMk cId="4056937736" sldId="440"/>
+        </pc:sldMkLst>
+      </pc:sldChg>
+      <pc:sldChg chg="modSp mod">
+        <pc:chgData name="Anatoliy Kigel" userId="7432c6c4687b0a9c" providerId="LiveId" clId="{D9F6D599-7765-4AB8-BF9D-2E745D075EEF}" dt="2021-10-05T06:34:34.354" v="225" actId="20577"/>
+        <pc:sldMkLst>
+          <pc:docMk/>
+          <pc:sldMk cId="1919575107" sldId="442"/>
+        </pc:sldMkLst>
+        <pc:spChg chg="mod">
+          <ac:chgData name="Anatoliy Kigel" userId="7432c6c4687b0a9c" providerId="LiveId" clId="{D9F6D599-7765-4AB8-BF9D-2E745D075EEF}" dt="2021-10-05T06:34:34.354" v="225" actId="20577"/>
+          <ac:spMkLst>
+            <pc:docMk/>
+            <pc:sldMk cId="1919575107" sldId="442"/>
+            <ac:spMk id="5" creationId="{00000000-0000-0000-0000-000000000000}"/>
+          </ac:spMkLst>
+        </pc:spChg>
+      </pc:sldChg>
+      <pc:sldChg chg="modSp mod">
+        <pc:chgData name="Anatoliy Kigel" userId="7432c6c4687b0a9c" providerId="LiveId" clId="{D9F6D599-7765-4AB8-BF9D-2E745D075EEF}" dt="2021-10-05T06:46:44.110" v="573" actId="207"/>
+        <pc:sldMkLst>
+          <pc:docMk/>
+          <pc:sldMk cId="1809769971" sldId="444"/>
+        </pc:sldMkLst>
+        <pc:spChg chg="mod">
+          <ac:chgData name="Anatoliy Kigel" userId="7432c6c4687b0a9c" providerId="LiveId" clId="{D9F6D599-7765-4AB8-BF9D-2E745D075EEF}" dt="2021-10-05T06:46:44.110" v="573" actId="207"/>
+          <ac:spMkLst>
+            <pc:docMk/>
+            <pc:sldMk cId="1809769971" sldId="444"/>
+            <ac:spMk id="7" creationId="{00000000-0000-0000-0000-000000000000}"/>
+          </ac:spMkLst>
+        </pc:spChg>
+        <pc:spChg chg="mod">
+          <ac:chgData name="Anatoliy Kigel" userId="7432c6c4687b0a9c" providerId="LiveId" clId="{D9F6D599-7765-4AB8-BF9D-2E745D075EEF}" dt="2021-10-05T06:44:23.723" v="445" actId="207"/>
+          <ac:spMkLst>
+            <pc:docMk/>
+            <pc:sldMk cId="1809769971" sldId="444"/>
+            <ac:spMk id="10" creationId="{00000000-0000-0000-0000-000000000000}"/>
+          </ac:spMkLst>
+        </pc:spChg>
+        <pc:picChg chg="mod">
+          <ac:chgData name="Anatoliy Kigel" userId="7432c6c4687b0a9c" providerId="LiveId" clId="{D9F6D599-7765-4AB8-BF9D-2E745D075EEF}" dt="2021-10-05T06:44:05.265" v="442" actId="1035"/>
+          <ac:picMkLst>
+            <pc:docMk/>
+            <pc:sldMk cId="1809769971" sldId="444"/>
+            <ac:picMk id="2" creationId="{00000000-0000-0000-0000-000000000000}"/>
+          </ac:picMkLst>
+        </pc:picChg>
+        <pc:picChg chg="mod">
+          <ac:chgData name="Anatoliy Kigel" userId="7432c6c4687b0a9c" providerId="LiveId" clId="{D9F6D599-7765-4AB8-BF9D-2E745D075EEF}" dt="2021-10-05T06:44:04.348" v="440" actId="1036"/>
+          <ac:picMkLst>
+            <pc:docMk/>
+            <pc:sldMk cId="1809769971" sldId="444"/>
+            <ac:picMk id="1026" creationId="{00000000-0000-0000-0000-000000000000}"/>
+          </ac:picMkLst>
+        </pc:picChg>
+      </pc:sldChg>
+      <pc:sldChg chg="modSp mod">
+        <pc:chgData name="Anatoliy Kigel" userId="7432c6c4687b0a9c" providerId="LiveId" clId="{D9F6D599-7765-4AB8-BF9D-2E745D075EEF}" dt="2021-10-05T06:44:53.542" v="492" actId="1076"/>
+        <pc:sldMkLst>
+          <pc:docMk/>
+          <pc:sldMk cId="1245348439" sldId="445"/>
+        </pc:sldMkLst>
+        <pc:spChg chg="mod">
+          <ac:chgData name="Anatoliy Kigel" userId="7432c6c4687b0a9c" providerId="LiveId" clId="{D9F6D599-7765-4AB8-BF9D-2E745D075EEF}" dt="2021-10-05T06:44:32.116" v="456" actId="20577"/>
+          <ac:spMkLst>
+            <pc:docMk/>
+            <pc:sldMk cId="1245348439" sldId="445"/>
+            <ac:spMk id="3" creationId="{00000000-0000-0000-0000-000000000000}"/>
+          </ac:spMkLst>
+        </pc:spChg>
+        <pc:spChg chg="mod">
+          <ac:chgData name="Anatoliy Kigel" userId="7432c6c4687b0a9c" providerId="LiveId" clId="{D9F6D599-7765-4AB8-BF9D-2E745D075EEF}" dt="2021-10-05T06:44:53.542" v="492" actId="1076"/>
+          <ac:spMkLst>
+            <pc:docMk/>
+            <pc:sldMk cId="1245348439" sldId="445"/>
+            <ac:spMk id="11" creationId="{00000000-0000-0000-0000-000000000000}"/>
+          </ac:spMkLst>
+        </pc:spChg>
+      </pc:sldChg>
+      <pc:sldChg chg="modSp mod">
+        <pc:chgData name="Anatoliy Kigel" userId="7432c6c4687b0a9c" providerId="LiveId" clId="{D9F6D599-7765-4AB8-BF9D-2E745D075EEF}" dt="2021-10-05T06:34:16.101" v="224" actId="113"/>
         <pc:sldMkLst>
           <pc:docMk/>
           <pc:sldMk cId="3747052252" sldId="447"/>
         </pc:sldMkLst>
         <pc:spChg chg="mod">
-          <ac:chgData name="Anatoliy Kigel" userId="7432c6c4687b0a9c" providerId="LiveId" clId="{B4710394-BEAA-4A88-ACCA-5534825ABB48}" dt="2021-03-01T20:43:22.754" v="6" actId="1036"/>
+          <ac:chgData name="Anatoliy Kigel" userId="7432c6c4687b0a9c" providerId="LiveId" clId="{D9F6D599-7765-4AB8-BF9D-2E745D075EEF}" dt="2021-10-05T06:34:16.101" v="224" actId="113"/>
           <ac:spMkLst>
             <pc:docMk/>
             <pc:sldMk cId="3747052252" sldId="447"/>
             <ac:spMk id="3" creationId="{00000000-0000-0000-0000-000000000000}"/>
+          </ac:spMkLst>
+        </pc:spChg>
+        <pc:spChg chg="mod">
+          <ac:chgData name="Anatoliy Kigel" userId="7432c6c4687b0a9c" providerId="LiveId" clId="{D9F6D599-7765-4AB8-BF9D-2E745D075EEF}" dt="2021-10-05T06:33:54.157" v="215" actId="1035"/>
+          <ac:spMkLst>
+            <pc:docMk/>
+            <pc:sldMk cId="3747052252" sldId="447"/>
+            <ac:spMk id="5" creationId="{00000000-0000-0000-0000-000000000000}"/>
+          </ac:spMkLst>
+        </pc:spChg>
+      </pc:sldChg>
+      <pc:sldChg chg="del">
+        <pc:chgData name="Anatoliy Kigel" userId="7432c6c4687b0a9c" providerId="LiveId" clId="{D9F6D599-7765-4AB8-BF9D-2E745D075EEF}" dt="2021-10-05T06:32:47.855" v="192" actId="47"/>
+        <pc:sldMkLst>
+          <pc:docMk/>
+          <pc:sldMk cId="970843441" sldId="454"/>
+        </pc:sldMkLst>
+      </pc:sldChg>
+      <pc:sldChg chg="del">
+        <pc:chgData name="Anatoliy Kigel" userId="7432c6c4687b0a9c" providerId="LiveId" clId="{D9F6D599-7765-4AB8-BF9D-2E745D075EEF}" dt="2021-10-04T10:51:23.952" v="110" actId="47"/>
+        <pc:sldMkLst>
+          <pc:docMk/>
+          <pc:sldMk cId="1778332233" sldId="455"/>
+        </pc:sldMkLst>
+      </pc:sldChg>
+      <pc:sldChg chg="del">
+        <pc:chgData name="Anatoliy Kigel" userId="7432c6c4687b0a9c" providerId="LiveId" clId="{D9F6D599-7765-4AB8-BF9D-2E745D075EEF}" dt="2021-10-04T10:51:23.952" v="110" actId="47"/>
+        <pc:sldMkLst>
+          <pc:docMk/>
+          <pc:sldMk cId="888236685" sldId="456"/>
+        </pc:sldMkLst>
+      </pc:sldChg>
+      <pc:sldChg chg="del">
+        <pc:chgData name="Anatoliy Kigel" userId="7432c6c4687b0a9c" providerId="LiveId" clId="{D9F6D599-7765-4AB8-BF9D-2E745D075EEF}" dt="2021-10-04T10:51:23.952" v="110" actId="47"/>
+        <pc:sldMkLst>
+          <pc:docMk/>
+          <pc:sldMk cId="2725182325" sldId="457"/>
+        </pc:sldMkLst>
+      </pc:sldChg>
+      <pc:sldChg chg="del">
+        <pc:chgData name="Anatoliy Kigel" userId="7432c6c4687b0a9c" providerId="LiveId" clId="{D9F6D599-7765-4AB8-BF9D-2E745D075EEF}" dt="2021-10-04T10:51:23.952" v="110" actId="47"/>
+        <pc:sldMkLst>
+          <pc:docMk/>
+          <pc:sldMk cId="1094591459" sldId="458"/>
+        </pc:sldMkLst>
+      </pc:sldChg>
+      <pc:sldChg chg="del">
+        <pc:chgData name="Anatoliy Kigel" userId="7432c6c4687b0a9c" providerId="LiveId" clId="{D9F6D599-7765-4AB8-BF9D-2E745D075EEF}" dt="2021-10-05T06:32:47.855" v="192" actId="47"/>
+        <pc:sldMkLst>
+          <pc:docMk/>
+          <pc:sldMk cId="841362131" sldId="459"/>
+        </pc:sldMkLst>
+      </pc:sldChg>
+      <pc:sldChg chg="del">
+        <pc:chgData name="Anatoliy Kigel" userId="7432c6c4687b0a9c" providerId="LiveId" clId="{D9F6D599-7765-4AB8-BF9D-2E745D075EEF}" dt="2021-10-05T06:32:47.855" v="192" actId="47"/>
+        <pc:sldMkLst>
+          <pc:docMk/>
+          <pc:sldMk cId="3261584014" sldId="461"/>
+        </pc:sldMkLst>
+      </pc:sldChg>
+      <pc:sldChg chg="add del">
+        <pc:chgData name="Anatoliy Kigel" userId="7432c6c4687b0a9c" providerId="LiveId" clId="{D9F6D599-7765-4AB8-BF9D-2E745D075EEF}" dt="2021-10-04T10:50:40.382" v="104" actId="2696"/>
+        <pc:sldMkLst>
+          <pc:docMk/>
+          <pc:sldMk cId="552387830" sldId="467"/>
+        </pc:sldMkLst>
+      </pc:sldChg>
+      <pc:sldChg chg="add">
+        <pc:chgData name="Anatoliy Kigel" userId="7432c6c4687b0a9c" providerId="LiveId" clId="{D9F6D599-7765-4AB8-BF9D-2E745D075EEF}" dt="2021-10-04T10:50:51.439" v="105"/>
+        <pc:sldMkLst>
+          <pc:docMk/>
+          <pc:sldMk cId="3371418139" sldId="467"/>
+        </pc:sldMkLst>
+      </pc:sldChg>
+      <pc:sldChg chg="modSp add del mod">
+        <pc:chgData name="Anatoliy Kigel" userId="7432c6c4687b0a9c" providerId="LiveId" clId="{D9F6D599-7765-4AB8-BF9D-2E745D075EEF}" dt="2021-10-06T18:39:31.185" v="575" actId="47"/>
+        <pc:sldMkLst>
+          <pc:docMk/>
+          <pc:sldMk cId="899785685" sldId="474"/>
+        </pc:sldMkLst>
+        <pc:spChg chg="mod">
+          <ac:chgData name="Anatoliy Kigel" userId="7432c6c4687b0a9c" providerId="LiveId" clId="{D9F6D599-7765-4AB8-BF9D-2E745D075EEF}" dt="2021-10-05T06:34:37.091" v="227" actId="20577"/>
+          <ac:spMkLst>
+            <pc:docMk/>
+            <pc:sldMk cId="899785685" sldId="474"/>
+            <ac:spMk id="5" creationId="{00000000-0000-0000-0000-000000000000}"/>
+          </ac:spMkLst>
+        </pc:spChg>
+      </pc:sldChg>
+      <pc:sldChg chg="add del">
+        <pc:chgData name="Anatoliy Kigel" userId="7432c6c4687b0a9c" providerId="LiveId" clId="{D9F6D599-7765-4AB8-BF9D-2E745D075EEF}" dt="2021-10-06T18:39:31.185" v="575" actId="47"/>
+        <pc:sldMkLst>
+          <pc:docMk/>
+          <pc:sldMk cId="2765944910" sldId="475"/>
+        </pc:sldMkLst>
+      </pc:sldChg>
+      <pc:sldChg chg="add del">
+        <pc:chgData name="Anatoliy Kigel" userId="7432c6c4687b0a9c" providerId="LiveId" clId="{D9F6D599-7765-4AB8-BF9D-2E745D075EEF}" dt="2021-10-06T18:39:31.185" v="575" actId="47"/>
+        <pc:sldMkLst>
+          <pc:docMk/>
+          <pc:sldMk cId="316371881" sldId="476"/>
+        </pc:sldMkLst>
+      </pc:sldChg>
+      <pc:sldChg chg="add del">
+        <pc:chgData name="Anatoliy Kigel" userId="7432c6c4687b0a9c" providerId="LiveId" clId="{D9F6D599-7765-4AB8-BF9D-2E745D075EEF}" dt="2021-10-05T06:33:12.046" v="196" actId="47"/>
+        <pc:sldMkLst>
+          <pc:docMk/>
+          <pc:sldMk cId="586957727" sldId="478"/>
+        </pc:sldMkLst>
+      </pc:sldChg>
+      <pc:sldChg chg="add del">
+        <pc:chgData name="Anatoliy Kigel" userId="7432c6c4687b0a9c" providerId="LiveId" clId="{D9F6D599-7765-4AB8-BF9D-2E745D075EEF}" dt="2021-10-05T06:33:12.046" v="196" actId="47"/>
+        <pc:sldMkLst>
+          <pc:docMk/>
+          <pc:sldMk cId="1585797329" sldId="479"/>
+        </pc:sldMkLst>
+      </pc:sldChg>
+      <pc:sldChg chg="add del">
+        <pc:chgData name="Anatoliy Kigel" userId="7432c6c4687b0a9c" providerId="LiveId" clId="{D9F6D599-7765-4AB8-BF9D-2E745D075EEF}" dt="2021-10-04T10:50:40.382" v="104" actId="2696"/>
+        <pc:sldMkLst>
+          <pc:docMk/>
+          <pc:sldMk cId="2649097701" sldId="532"/>
+        </pc:sldMkLst>
+      </pc:sldChg>
+      <pc:sldChg chg="modSp add mod">
+        <pc:chgData name="Anatoliy Kigel" userId="7432c6c4687b0a9c" providerId="LiveId" clId="{D9F6D599-7765-4AB8-BF9D-2E745D075EEF}" dt="2021-10-04T10:50:58.173" v="107" actId="20577"/>
+        <pc:sldMkLst>
+          <pc:docMk/>
+          <pc:sldMk cId="3833071631" sldId="532"/>
+        </pc:sldMkLst>
+        <pc:spChg chg="mod">
+          <ac:chgData name="Anatoliy Kigel" userId="7432c6c4687b0a9c" providerId="LiveId" clId="{D9F6D599-7765-4AB8-BF9D-2E745D075EEF}" dt="2021-10-04T10:50:58.173" v="107" actId="20577"/>
+          <ac:spMkLst>
+            <pc:docMk/>
+            <pc:sldMk cId="3833071631" sldId="532"/>
+            <ac:spMk id="5" creationId="{00000000-0000-0000-0000-000000000000}"/>
+          </ac:spMkLst>
+        </pc:spChg>
+      </pc:sldChg>
+      <pc:sldChg chg="add del">
+        <pc:chgData name="Anatoliy Kigel" userId="7432c6c4687b0a9c" providerId="LiveId" clId="{D9F6D599-7765-4AB8-BF9D-2E745D075EEF}" dt="2021-10-05T06:31:49.556" v="189" actId="47"/>
+        <pc:sldMkLst>
+          <pc:docMk/>
+          <pc:sldMk cId="1423033833" sldId="536"/>
+        </pc:sldMkLst>
+      </pc:sldChg>
+      <pc:sldChg chg="add del">
+        <pc:chgData name="Anatoliy Kigel" userId="7432c6c4687b0a9c" providerId="LiveId" clId="{D9F6D599-7765-4AB8-BF9D-2E745D075EEF}" dt="2021-10-04T10:51:36.463" v="111" actId="2696"/>
+        <pc:sldMkLst>
+          <pc:docMk/>
+          <pc:sldMk cId="1773794365" sldId="536"/>
+        </pc:sldMkLst>
+      </pc:sldChg>
+      <pc:sldChg chg="add del">
+        <pc:chgData name="Anatoliy Kigel" userId="7432c6c4687b0a9c" providerId="LiveId" clId="{D9F6D599-7765-4AB8-BF9D-2E745D075EEF}" dt="2021-10-05T06:29:11.024" v="187" actId="2696"/>
+        <pc:sldMkLst>
+          <pc:docMk/>
+          <pc:sldMk cId="3847868038" sldId="536"/>
+        </pc:sldMkLst>
+      </pc:sldChg>
+      <pc:sldChg chg="add del">
+        <pc:chgData name="Anatoliy Kigel" userId="7432c6c4687b0a9c" providerId="LiveId" clId="{D9F6D599-7765-4AB8-BF9D-2E745D075EEF}" dt="2021-10-05T06:31:49.556" v="189" actId="47"/>
+        <pc:sldMkLst>
+          <pc:docMk/>
+          <pc:sldMk cId="585866156" sldId="537"/>
+        </pc:sldMkLst>
+      </pc:sldChg>
+      <pc:sldChg chg="delSp modSp add del mod">
+        <pc:chgData name="Anatoliy Kigel" userId="7432c6c4687b0a9c" providerId="LiveId" clId="{D9F6D599-7765-4AB8-BF9D-2E745D075EEF}" dt="2021-10-05T06:29:11.024" v="187" actId="2696"/>
+        <pc:sldMkLst>
+          <pc:docMk/>
+          <pc:sldMk cId="1127815740" sldId="537"/>
+        </pc:sldMkLst>
+        <pc:spChg chg="del">
+          <ac:chgData name="Anatoliy Kigel" userId="7432c6c4687b0a9c" providerId="LiveId" clId="{D9F6D599-7765-4AB8-BF9D-2E745D075EEF}" dt="2021-10-04T10:52:21.438" v="115" actId="478"/>
+          <ac:spMkLst>
+            <pc:docMk/>
+            <pc:sldMk cId="1127815740" sldId="537"/>
+            <ac:spMk id="3" creationId="{00000000-0000-0000-0000-000000000000}"/>
+          </ac:spMkLst>
+        </pc:spChg>
+        <pc:spChg chg="mod">
+          <ac:chgData name="Anatoliy Kigel" userId="7432c6c4687b0a9c" providerId="LiveId" clId="{D9F6D599-7765-4AB8-BF9D-2E745D075EEF}" dt="2021-10-04T10:52:26.458" v="150" actId="1036"/>
+          <ac:spMkLst>
+            <pc:docMk/>
+            <pc:sldMk cId="1127815740" sldId="537"/>
+            <ac:spMk id="4" creationId="{00000000-0000-0000-0000-000000000000}"/>
+          </ac:spMkLst>
+        </pc:spChg>
+        <pc:spChg chg="del">
+          <ac:chgData name="Anatoliy Kigel" userId="7432c6c4687b0a9c" providerId="LiveId" clId="{D9F6D599-7765-4AB8-BF9D-2E745D075EEF}" dt="2021-10-04T10:52:20.228" v="114" actId="478"/>
+          <ac:spMkLst>
+            <pc:docMk/>
+            <pc:sldMk cId="1127815740" sldId="537"/>
+            <ac:spMk id="5" creationId="{00000000-0000-0000-0000-000000000000}"/>
+          </ac:spMkLst>
+        </pc:spChg>
+        <pc:spChg chg="mod">
+          <ac:chgData name="Anatoliy Kigel" userId="7432c6c4687b0a9c" providerId="LiveId" clId="{D9F6D599-7765-4AB8-BF9D-2E745D075EEF}" dt="2021-10-04T10:52:23.155" v="126" actId="1036"/>
+          <ac:spMkLst>
+            <pc:docMk/>
+            <pc:sldMk cId="1127815740" sldId="537"/>
+            <ac:spMk id="7" creationId="{00000000-0000-0000-0000-000000000000}"/>
+          </ac:spMkLst>
+        </pc:spChg>
+        <pc:picChg chg="mod">
+          <ac:chgData name="Anatoliy Kigel" userId="7432c6c4687b0a9c" providerId="LiveId" clId="{D9F6D599-7765-4AB8-BF9D-2E745D075EEF}" dt="2021-10-04T10:52:24.937" v="142" actId="1035"/>
+          <ac:picMkLst>
+            <pc:docMk/>
+            <pc:sldMk cId="1127815740" sldId="537"/>
+            <ac:picMk id="2" creationId="{00000000-0000-0000-0000-000000000000}"/>
+          </ac:picMkLst>
+        </pc:picChg>
+      </pc:sldChg>
+      <pc:sldChg chg="add del">
+        <pc:chgData name="Anatoliy Kigel" userId="7432c6c4687b0a9c" providerId="LiveId" clId="{D9F6D599-7765-4AB8-BF9D-2E745D075EEF}" dt="2021-10-04T10:51:36.463" v="111" actId="2696"/>
+        <pc:sldMkLst>
+          <pc:docMk/>
+          <pc:sldMk cId="4002966659" sldId="537"/>
+        </pc:sldMkLst>
+      </pc:sldChg>
+      <pc:sldChg chg="add del">
+        <pc:chgData name="Anatoliy Kigel" userId="7432c6c4687b0a9c" providerId="LiveId" clId="{D9F6D599-7765-4AB8-BF9D-2E745D075EEF}" dt="2021-10-04T10:51:36.463" v="111" actId="2696"/>
+        <pc:sldMkLst>
+          <pc:docMk/>
+          <pc:sldMk cId="876966440" sldId="538"/>
+        </pc:sldMkLst>
+      </pc:sldChg>
+      <pc:sldChg chg="add del">
+        <pc:chgData name="Anatoliy Kigel" userId="7432c6c4687b0a9c" providerId="LiveId" clId="{D9F6D599-7765-4AB8-BF9D-2E745D075EEF}" dt="2021-10-05T06:29:11.024" v="187" actId="2696"/>
+        <pc:sldMkLst>
+          <pc:docMk/>
+          <pc:sldMk cId="1450090998" sldId="538"/>
+        </pc:sldMkLst>
+      </pc:sldChg>
+      <pc:sldChg chg="add del">
+        <pc:chgData name="Anatoliy Kigel" userId="7432c6c4687b0a9c" providerId="LiveId" clId="{D9F6D599-7765-4AB8-BF9D-2E745D075EEF}" dt="2021-10-05T06:31:49.556" v="189" actId="47"/>
+        <pc:sldMkLst>
+          <pc:docMk/>
+          <pc:sldMk cId="1711511255" sldId="538"/>
+        </pc:sldMkLst>
+      </pc:sldChg>
+      <pc:sldChg chg="add del">
+        <pc:chgData name="Anatoliy Kigel" userId="7432c6c4687b0a9c" providerId="LiveId" clId="{D9F6D599-7765-4AB8-BF9D-2E745D075EEF}" dt="2021-10-05T06:31:59.605" v="190" actId="47"/>
+        <pc:sldMkLst>
+          <pc:docMk/>
+          <pc:sldMk cId="771856657" sldId="539"/>
+        </pc:sldMkLst>
+      </pc:sldChg>
+      <pc:sldChg chg="add del">
+        <pc:chgData name="Anatoliy Kigel" userId="7432c6c4687b0a9c" providerId="LiveId" clId="{D9F6D599-7765-4AB8-BF9D-2E745D075EEF}" dt="2021-10-05T06:29:11.024" v="187" actId="2696"/>
+        <pc:sldMkLst>
+          <pc:docMk/>
+          <pc:sldMk cId="2719446090" sldId="539"/>
+        </pc:sldMkLst>
+      </pc:sldChg>
+      <pc:sldChg chg="add del">
+        <pc:chgData name="Anatoliy Kigel" userId="7432c6c4687b0a9c" providerId="LiveId" clId="{D9F6D599-7765-4AB8-BF9D-2E745D075EEF}" dt="2021-10-04T10:51:36.463" v="111" actId="2696"/>
+        <pc:sldMkLst>
+          <pc:docMk/>
+          <pc:sldMk cId="3660807912" sldId="539"/>
+        </pc:sldMkLst>
+      </pc:sldChg>
+      <pc:sldChg chg="add del">
+        <pc:chgData name="Anatoliy Kigel" userId="7432c6c4687b0a9c" providerId="LiveId" clId="{D9F6D599-7765-4AB8-BF9D-2E745D075EEF}" dt="2021-10-04T10:51:36.463" v="111" actId="2696"/>
+        <pc:sldMkLst>
+          <pc:docMk/>
+          <pc:sldMk cId="375144151" sldId="540"/>
+        </pc:sldMkLst>
+      </pc:sldChg>
+      <pc:sldChg chg="add del">
+        <pc:chgData name="Anatoliy Kigel" userId="7432c6c4687b0a9c" providerId="LiveId" clId="{D9F6D599-7765-4AB8-BF9D-2E745D075EEF}" dt="2021-10-05T06:29:11.024" v="187" actId="2696"/>
+        <pc:sldMkLst>
+          <pc:docMk/>
+          <pc:sldMk cId="3256975443" sldId="540"/>
+        </pc:sldMkLst>
+      </pc:sldChg>
+      <pc:sldChg chg="add del">
+        <pc:chgData name="Anatoliy Kigel" userId="7432c6c4687b0a9c" providerId="LiveId" clId="{D9F6D599-7765-4AB8-BF9D-2E745D075EEF}" dt="2021-10-05T06:31:59.605" v="190" actId="47"/>
+        <pc:sldMkLst>
+          <pc:docMk/>
+          <pc:sldMk cId="3702945354" sldId="540"/>
+        </pc:sldMkLst>
+      </pc:sldChg>
+      <pc:sldChg chg="add del">
+        <pc:chgData name="Anatoliy Kigel" userId="7432c6c4687b0a9c" providerId="LiveId" clId="{D9F6D599-7765-4AB8-BF9D-2E745D075EEF}" dt="2021-10-05T06:33:12.046" v="196" actId="47"/>
+        <pc:sldMkLst>
+          <pc:docMk/>
+          <pc:sldMk cId="3339096667" sldId="541"/>
+        </pc:sldMkLst>
+      </pc:sldChg>
+      <pc:sldChg chg="add del">
+        <pc:chgData name="Anatoliy Kigel" userId="7432c6c4687b0a9c" providerId="LiveId" clId="{D9F6D599-7765-4AB8-BF9D-2E745D075EEF}" dt="2021-10-05T06:33:12.046" v="196" actId="47"/>
+        <pc:sldMkLst>
+          <pc:docMk/>
+          <pc:sldMk cId="595667550" sldId="543"/>
+        </pc:sldMkLst>
+      </pc:sldChg>
+      <pc:sldChg chg="add del">
+        <pc:chgData name="Anatoliy Kigel" userId="7432c6c4687b0a9c" providerId="LiveId" clId="{D9F6D599-7765-4AB8-BF9D-2E745D075EEF}" dt="2021-10-05T06:33:12.046" v="196" actId="47"/>
+        <pc:sldMkLst>
+          <pc:docMk/>
+          <pc:sldMk cId="936054178" sldId="544"/>
+        </pc:sldMkLst>
+      </pc:sldChg>
+      <pc:sldChg chg="add del">
+        <pc:chgData name="Anatoliy Kigel" userId="7432c6c4687b0a9c" providerId="LiveId" clId="{D9F6D599-7765-4AB8-BF9D-2E745D075EEF}" dt="2021-10-05T06:33:00.612" v="193" actId="47"/>
+        <pc:sldMkLst>
+          <pc:docMk/>
+          <pc:sldMk cId="3129038092" sldId="549"/>
+        </pc:sldMkLst>
+      </pc:sldChg>
+      <pc:sldChg chg="add del">
+        <pc:chgData name="Anatoliy Kigel" userId="7432c6c4687b0a9c" providerId="LiveId" clId="{D9F6D599-7765-4AB8-BF9D-2E745D075EEF}" dt="2021-10-05T06:33:02.216" v="194" actId="47"/>
+        <pc:sldMkLst>
+          <pc:docMk/>
+          <pc:sldMk cId="437550807" sldId="550"/>
+        </pc:sldMkLst>
+      </pc:sldChg>
+      <pc:sldChg chg="add del">
+        <pc:chgData name="Anatoliy Kigel" userId="7432c6c4687b0a9c" providerId="LiveId" clId="{D9F6D599-7765-4AB8-BF9D-2E745D075EEF}" dt="2021-10-05T06:33:05.094" v="195" actId="47"/>
+        <pc:sldMkLst>
+          <pc:docMk/>
+          <pc:sldMk cId="23627595" sldId="551"/>
+        </pc:sldMkLst>
+      </pc:sldChg>
+      <pc:sldChg chg="add del">
+        <pc:chgData name="Anatoliy Kigel" userId="7432c6c4687b0a9c" providerId="LiveId" clId="{D9F6D599-7765-4AB8-BF9D-2E745D075EEF}" dt="2021-10-05T06:33:12.046" v="196" actId="47"/>
+        <pc:sldMkLst>
+          <pc:docMk/>
+          <pc:sldMk cId="655616547" sldId="553"/>
+        </pc:sldMkLst>
+      </pc:sldChg>
+      <pc:sldChg chg="add del">
+        <pc:chgData name="Anatoliy Kigel" userId="7432c6c4687b0a9c" providerId="LiveId" clId="{D9F6D599-7765-4AB8-BF9D-2E745D075EEF}" dt="2021-10-05T06:33:12.046" v="196" actId="47"/>
+        <pc:sldMkLst>
+          <pc:docMk/>
+          <pc:sldMk cId="1830443527" sldId="566"/>
+        </pc:sldMkLst>
+      </pc:sldChg>
+      <pc:sldChg chg="add del">
+        <pc:chgData name="Anatoliy Kigel" userId="7432c6c4687b0a9c" providerId="LiveId" clId="{D9F6D599-7765-4AB8-BF9D-2E745D075EEF}" dt="2021-10-05T06:33:12.046" v="196" actId="47"/>
+        <pc:sldMkLst>
+          <pc:docMk/>
+          <pc:sldMk cId="610726438" sldId="567"/>
+        </pc:sldMkLst>
+      </pc:sldChg>
+      <pc:sldChg chg="add del">
+        <pc:chgData name="Anatoliy Kigel" userId="7432c6c4687b0a9c" providerId="LiveId" clId="{D9F6D599-7765-4AB8-BF9D-2E745D075EEF}" dt="2021-10-05T06:33:12.046" v="196" actId="47"/>
+        <pc:sldMkLst>
+          <pc:docMk/>
+          <pc:sldMk cId="3246218092" sldId="568"/>
+        </pc:sldMkLst>
+      </pc:sldChg>
+      <pc:sldChg chg="add del">
+        <pc:chgData name="Anatoliy Kigel" userId="7432c6c4687b0a9c" providerId="LiveId" clId="{D9F6D599-7765-4AB8-BF9D-2E745D075EEF}" dt="2021-10-05T06:33:12.046" v="196" actId="47"/>
+        <pc:sldMkLst>
+          <pc:docMk/>
+          <pc:sldMk cId="758987009" sldId="569"/>
+        </pc:sldMkLst>
+      </pc:sldChg>
+      <pc:sldChg chg="modSp add mod ord">
+        <pc:chgData name="Anatoliy Kigel" userId="7432c6c4687b0a9c" providerId="LiveId" clId="{D9F6D599-7765-4AB8-BF9D-2E745D075EEF}" dt="2021-10-04T10:39:11.124" v="53" actId="20577"/>
+        <pc:sldMkLst>
+          <pc:docMk/>
+          <pc:sldMk cId="929853218" sldId="570"/>
+        </pc:sldMkLst>
+        <pc:spChg chg="mod">
+          <ac:chgData name="Anatoliy Kigel" userId="7432c6c4687b0a9c" providerId="LiveId" clId="{D9F6D599-7765-4AB8-BF9D-2E745D075EEF}" dt="2021-10-04T10:39:11.124" v="53" actId="20577"/>
+          <ac:spMkLst>
+            <pc:docMk/>
+            <pc:sldMk cId="929853218" sldId="570"/>
+            <ac:spMk id="5" creationId="{00000000-0000-0000-0000-000000000000}"/>
+          </ac:spMkLst>
+        </pc:spChg>
+      </pc:sldChg>
+      <pc:sldChg chg="add">
+        <pc:chgData name="Anatoliy Kigel" userId="7432c6c4687b0a9c" providerId="LiveId" clId="{D9F6D599-7765-4AB8-BF9D-2E745D075EEF}" dt="2021-10-04T10:29:09.161" v="15"/>
+        <pc:sldMkLst>
+          <pc:docMk/>
+          <pc:sldMk cId="3367502789" sldId="571"/>
+        </pc:sldMkLst>
+      </pc:sldChg>
+      <pc:sldChg chg="modSp add mod">
+        <pc:chgData name="Anatoliy Kigel" userId="7432c6c4687b0a9c" providerId="LiveId" clId="{D9F6D599-7765-4AB8-BF9D-2E745D075EEF}" dt="2021-10-05T06:23:05.495" v="175" actId="14100"/>
+        <pc:sldMkLst>
+          <pc:docMk/>
+          <pc:sldMk cId="1829108304" sldId="572"/>
+        </pc:sldMkLst>
+        <pc:spChg chg="mod">
+          <ac:chgData name="Anatoliy Kigel" userId="7432c6c4687b0a9c" providerId="LiveId" clId="{D9F6D599-7765-4AB8-BF9D-2E745D075EEF}" dt="2021-10-05T06:23:05.495" v="175" actId="14100"/>
+          <ac:spMkLst>
+            <pc:docMk/>
+            <pc:sldMk cId="1829108304" sldId="572"/>
+            <ac:spMk id="3" creationId="{00000000-0000-0000-0000-000000000000}"/>
+          </ac:spMkLst>
+        </pc:spChg>
+        <pc:spChg chg="mod">
+          <ac:chgData name="Anatoliy Kigel" userId="7432c6c4687b0a9c" providerId="LiveId" clId="{D9F6D599-7765-4AB8-BF9D-2E745D075EEF}" dt="2021-10-04T10:39:57.878" v="100" actId="14100"/>
+          <ac:spMkLst>
+            <pc:docMk/>
+            <pc:sldMk cId="1829108304" sldId="572"/>
+            <ac:spMk id="7" creationId="{00000000-0000-0000-0000-000000000000}"/>
+          </ac:spMkLst>
+        </pc:spChg>
+      </pc:sldChg>
+      <pc:sldChg chg="modSp add mod">
+        <pc:chgData name="Anatoliy Kigel" userId="7432c6c4687b0a9c" providerId="LiveId" clId="{D9F6D599-7765-4AB8-BF9D-2E745D075EEF}" dt="2021-10-04T10:40:31.933" v="102" actId="1035"/>
+        <pc:sldMkLst>
+          <pc:docMk/>
+          <pc:sldMk cId="1948064184" sldId="573"/>
+        </pc:sldMkLst>
+        <pc:spChg chg="mod">
+          <ac:chgData name="Anatoliy Kigel" userId="7432c6c4687b0a9c" providerId="LiveId" clId="{D9F6D599-7765-4AB8-BF9D-2E745D075EEF}" dt="2021-10-04T10:40:31.933" v="102" actId="1035"/>
+          <ac:spMkLst>
+            <pc:docMk/>
+            <pc:sldMk cId="1948064184" sldId="573"/>
+            <ac:spMk id="8" creationId="{00000000-0000-0000-0000-000000000000}"/>
+          </ac:spMkLst>
+        </pc:spChg>
+      </pc:sldChg>
+      <pc:sldChg chg="modSp add mod">
+        <pc:chgData name="Anatoliy Kigel" userId="7432c6c4687b0a9c" providerId="LiveId" clId="{D9F6D599-7765-4AB8-BF9D-2E745D075EEF}" dt="2021-10-05T06:28:29.567" v="183" actId="20577"/>
+        <pc:sldMkLst>
+          <pc:docMk/>
+          <pc:sldMk cId="4249968979" sldId="574"/>
+        </pc:sldMkLst>
+        <pc:spChg chg="mod">
+          <ac:chgData name="Anatoliy Kigel" userId="7432c6c4687b0a9c" providerId="LiveId" clId="{D9F6D599-7765-4AB8-BF9D-2E745D075EEF}" dt="2021-10-05T06:28:29.567" v="183" actId="20577"/>
+          <ac:spMkLst>
+            <pc:docMk/>
+            <pc:sldMk cId="4249968979" sldId="574"/>
+            <ac:spMk id="5" creationId="{00000000-0000-0000-0000-000000000000}"/>
+          </ac:spMkLst>
+        </pc:spChg>
+      </pc:sldChg>
+      <pc:sldChg chg="add">
+        <pc:chgData name="Anatoliy Kigel" userId="7432c6c4687b0a9c" providerId="LiveId" clId="{D9F6D599-7765-4AB8-BF9D-2E745D075EEF}" dt="2021-10-04T10:51:14.788" v="108"/>
+        <pc:sldMkLst>
+          <pc:docMk/>
+          <pc:sldMk cId="3045335102" sldId="575"/>
+        </pc:sldMkLst>
+      </pc:sldChg>
+      <pc:sldChg chg="add">
+        <pc:chgData name="Anatoliy Kigel" userId="7432c6c4687b0a9c" providerId="LiveId" clId="{D9F6D599-7765-4AB8-BF9D-2E745D075EEF}" dt="2021-10-04T10:51:14.788" v="108"/>
+        <pc:sldMkLst>
+          <pc:docMk/>
+          <pc:sldMk cId="1451308632" sldId="576"/>
+        </pc:sldMkLst>
+      </pc:sldChg>
+      <pc:sldChg chg="add">
+        <pc:chgData name="Anatoliy Kigel" userId="7432c6c4687b0a9c" providerId="LiveId" clId="{D9F6D599-7765-4AB8-BF9D-2E745D075EEF}" dt="2021-10-04T10:51:14.788" v="108"/>
+        <pc:sldMkLst>
+          <pc:docMk/>
+          <pc:sldMk cId="2071329461" sldId="577"/>
+        </pc:sldMkLst>
+      </pc:sldChg>
+      <pc:sldChg chg="add">
+        <pc:chgData name="Anatoliy Kigel" userId="7432c6c4687b0a9c" providerId="LiveId" clId="{D9F6D599-7765-4AB8-BF9D-2E745D075EEF}" dt="2021-10-05T06:28:52.499" v="185"/>
+        <pc:sldMkLst>
+          <pc:docMk/>
+          <pc:sldMk cId="2827328487" sldId="578"/>
+        </pc:sldMkLst>
+      </pc:sldChg>
+      <pc:sldChg chg="add del">
+        <pc:chgData name="Anatoliy Kigel" userId="7432c6c4687b0a9c" providerId="LiveId" clId="{D9F6D599-7765-4AB8-BF9D-2E745D075EEF}" dt="2021-10-05T06:28:46.803" v="184" actId="2696"/>
+        <pc:sldMkLst>
+          <pc:docMk/>
+          <pc:sldMk cId="4011968575" sldId="578"/>
+        </pc:sldMkLst>
+      </pc:sldChg>
+      <pc:sldChg chg="add">
+        <pc:chgData name="Anatoliy Kigel" userId="7432c6c4687b0a9c" providerId="LiveId" clId="{D9F6D599-7765-4AB8-BF9D-2E745D075EEF}" dt="2021-10-05T06:32:38.313" v="191"/>
+        <pc:sldMkLst>
+          <pc:docMk/>
+          <pc:sldMk cId="2255056638" sldId="583"/>
+        </pc:sldMkLst>
+      </pc:sldChg>
+      <pc:sldChg chg="modSp add mod">
+        <pc:chgData name="Anatoliy Kigel" userId="7432c6c4687b0a9c" providerId="LiveId" clId="{D9F6D599-7765-4AB8-BF9D-2E745D075EEF}" dt="2021-10-05T06:47:33.900" v="574" actId="113"/>
+        <pc:sldMkLst>
+          <pc:docMk/>
+          <pc:sldMk cId="452571319" sldId="584"/>
+        </pc:sldMkLst>
+        <pc:spChg chg="mod">
+          <ac:chgData name="Anatoliy Kigel" userId="7432c6c4687b0a9c" providerId="LiveId" clId="{D9F6D599-7765-4AB8-BF9D-2E745D075EEF}" dt="2021-10-05T06:47:33.900" v="574" actId="113"/>
+          <ac:spMkLst>
+            <pc:docMk/>
+            <pc:sldMk cId="452571319" sldId="584"/>
+            <ac:spMk id="7" creationId="{00000000-0000-0000-0000-000000000000}"/>
+          </ac:spMkLst>
+        </pc:spChg>
+      </pc:sldChg>
+    </pc:docChg>
+  </pc:docChgLst>
+  <pc:docChgLst>
+    <pc:chgData name="Anatoliy Kigel" userId="7432c6c4687b0a9c" providerId="LiveId" clId="{7A91C555-A7C1-4A8D-86B6-B660AC4426BD}"/>
+    <pc:docChg chg="custSel delSld modSld">
+      <pc:chgData name="Anatoliy Kigel" userId="7432c6c4687b0a9c" providerId="LiveId" clId="{7A91C555-A7C1-4A8D-86B6-B660AC4426BD}" dt="2023-05-17T17:29:26.411" v="139" actId="1036"/>
+      <pc:docMkLst>
+        <pc:docMk/>
+      </pc:docMkLst>
+      <pc:sldChg chg="del">
+        <pc:chgData name="Anatoliy Kigel" userId="7432c6c4687b0a9c" providerId="LiveId" clId="{7A91C555-A7C1-4A8D-86B6-B660AC4426BD}" dt="2023-05-17T17:22:31.938" v="76" actId="47"/>
+        <pc:sldMkLst>
+          <pc:docMk/>
+          <pc:sldMk cId="2636876839" sldId="364"/>
+        </pc:sldMkLst>
+      </pc:sldChg>
+      <pc:sldChg chg="del">
+        <pc:chgData name="Anatoliy Kigel" userId="7432c6c4687b0a9c" providerId="LiveId" clId="{7A91C555-A7C1-4A8D-86B6-B660AC4426BD}" dt="2023-05-17T17:21:27.406" v="75" actId="47"/>
+        <pc:sldMkLst>
+          <pc:docMk/>
+          <pc:sldMk cId="2214832522" sldId="400"/>
+        </pc:sldMkLst>
+      </pc:sldChg>
+      <pc:sldChg chg="modSp mod">
+        <pc:chgData name="Anatoliy Kigel" userId="7432c6c4687b0a9c" providerId="LiveId" clId="{7A91C555-A7C1-4A8D-86B6-B660AC4426BD}" dt="2023-05-17T17:26:10.289" v="115" actId="1076"/>
+        <pc:sldMkLst>
+          <pc:docMk/>
+          <pc:sldMk cId="1547769373" sldId="411"/>
+        </pc:sldMkLst>
+        <pc:spChg chg="mod">
+          <ac:chgData name="Anatoliy Kigel" userId="7432c6c4687b0a9c" providerId="LiveId" clId="{7A91C555-A7C1-4A8D-86B6-B660AC4426BD}" dt="2023-05-17T17:26:10.289" v="115" actId="1076"/>
+          <ac:spMkLst>
+            <pc:docMk/>
+            <pc:sldMk cId="1547769373" sldId="411"/>
+            <ac:spMk id="5" creationId="{00000000-0000-0000-0000-000000000000}"/>
+          </ac:spMkLst>
+        </pc:spChg>
+      </pc:sldChg>
+      <pc:sldChg chg="del">
+        <pc:chgData name="Anatoliy Kigel" userId="7432c6c4687b0a9c" providerId="LiveId" clId="{7A91C555-A7C1-4A8D-86B6-B660AC4426BD}" dt="2023-05-17T17:22:31.938" v="76" actId="47"/>
+        <pc:sldMkLst>
+          <pc:docMk/>
+          <pc:sldMk cId="555069178" sldId="412"/>
+        </pc:sldMkLst>
+      </pc:sldChg>
+      <pc:sldChg chg="del">
+        <pc:chgData name="Anatoliy Kigel" userId="7432c6c4687b0a9c" providerId="LiveId" clId="{7A91C555-A7C1-4A8D-86B6-B660AC4426BD}" dt="2023-05-17T17:22:31.938" v="76" actId="47"/>
+        <pc:sldMkLst>
+          <pc:docMk/>
+          <pc:sldMk cId="130869874" sldId="422"/>
+        </pc:sldMkLst>
+      </pc:sldChg>
+      <pc:sldChg chg="modSp mod">
+        <pc:chgData name="Anatoliy Kigel" userId="7432c6c4687b0a9c" providerId="LiveId" clId="{7A91C555-A7C1-4A8D-86B6-B660AC4426BD}" dt="2023-05-17T17:29:26.411" v="139" actId="1036"/>
+        <pc:sldMkLst>
+          <pc:docMk/>
+          <pc:sldMk cId="2597500872" sldId="424"/>
+        </pc:sldMkLst>
+        <pc:spChg chg="mod">
+          <ac:chgData name="Anatoliy Kigel" userId="7432c6c4687b0a9c" providerId="LiveId" clId="{7A91C555-A7C1-4A8D-86B6-B660AC4426BD}" dt="2023-05-17T17:29:26.411" v="139" actId="1036"/>
+          <ac:spMkLst>
+            <pc:docMk/>
+            <pc:sldMk cId="2597500872" sldId="424"/>
+            <ac:spMk id="16" creationId="{00000000-0000-0000-0000-000000000000}"/>
+          </ac:spMkLst>
+        </pc:spChg>
+        <pc:picChg chg="mod">
+          <ac:chgData name="Anatoliy Kigel" userId="7432c6c4687b0a9c" providerId="LiveId" clId="{7A91C555-A7C1-4A8D-86B6-B660AC4426BD}" dt="2023-05-17T17:29:25.221" v="138" actId="14100"/>
+          <ac:picMkLst>
+            <pc:docMk/>
+            <pc:sldMk cId="2597500872" sldId="424"/>
+            <ac:picMk id="4" creationId="{00000000-0000-0000-0000-000000000000}"/>
+          </ac:picMkLst>
+        </pc:picChg>
+      </pc:sldChg>
+      <pc:sldChg chg="del">
+        <pc:chgData name="Anatoliy Kigel" userId="7432c6c4687b0a9c" providerId="LiveId" clId="{7A91C555-A7C1-4A8D-86B6-B660AC4426BD}" dt="2023-05-17T17:21:27.406" v="75" actId="47"/>
+        <pc:sldMkLst>
+          <pc:docMk/>
+          <pc:sldMk cId="3227964026" sldId="429"/>
+        </pc:sldMkLst>
+      </pc:sldChg>
+      <pc:sldChg chg="del">
+        <pc:chgData name="Anatoliy Kigel" userId="7432c6c4687b0a9c" providerId="LiveId" clId="{7A91C555-A7C1-4A8D-86B6-B660AC4426BD}" dt="2023-05-17T17:22:31.938" v="76" actId="47"/>
+        <pc:sldMkLst>
+          <pc:docMk/>
+          <pc:sldMk cId="1761389608" sldId="432"/>
+        </pc:sldMkLst>
+      </pc:sldChg>
+      <pc:sldChg chg="modSp mod">
+        <pc:chgData name="Anatoliy Kigel" userId="7432c6c4687b0a9c" providerId="LiveId" clId="{7A91C555-A7C1-4A8D-86B6-B660AC4426BD}" dt="2023-05-17T17:28:23.018" v="136" actId="1036"/>
+        <pc:sldMkLst>
+          <pc:docMk/>
+          <pc:sldMk cId="1072141460" sldId="434"/>
+        </pc:sldMkLst>
+        <pc:spChg chg="mod">
+          <ac:chgData name="Anatoliy Kigel" userId="7432c6c4687b0a9c" providerId="LiveId" clId="{7A91C555-A7C1-4A8D-86B6-B660AC4426BD}" dt="2023-05-17T17:28:22.394" v="135" actId="1036"/>
+          <ac:spMkLst>
+            <pc:docMk/>
+            <pc:sldMk cId="1072141460" sldId="434"/>
+            <ac:spMk id="2" creationId="{00000000-0000-0000-0000-000000000000}"/>
+          </ac:spMkLst>
+        </pc:spChg>
+        <pc:spChg chg="mod">
+          <ac:chgData name="Anatoliy Kigel" userId="7432c6c4687b0a9c" providerId="LiveId" clId="{7A91C555-A7C1-4A8D-86B6-B660AC4426BD}" dt="2023-05-17T17:28:17.867" v="131" actId="20577"/>
+          <ac:spMkLst>
+            <pc:docMk/>
+            <pc:sldMk cId="1072141460" sldId="434"/>
+            <ac:spMk id="5" creationId="{00000000-0000-0000-0000-000000000000}"/>
+          </ac:spMkLst>
+        </pc:spChg>
+        <pc:picChg chg="mod">
+          <ac:chgData name="Anatoliy Kigel" userId="7432c6c4687b0a9c" providerId="LiveId" clId="{7A91C555-A7C1-4A8D-86B6-B660AC4426BD}" dt="2023-05-17T17:28:23.018" v="136" actId="1036"/>
+          <ac:picMkLst>
+            <pc:docMk/>
+            <pc:sldMk cId="1072141460" sldId="434"/>
+            <ac:picMk id="3076" creationId="{00000000-0000-0000-0000-000000000000}"/>
+          </ac:picMkLst>
+        </pc:picChg>
+      </pc:sldChg>
+      <pc:sldChg chg="delSp modSp mod">
+        <pc:chgData name="Anatoliy Kigel" userId="7432c6c4687b0a9c" providerId="LiveId" clId="{7A91C555-A7C1-4A8D-86B6-B660AC4426BD}" dt="2023-05-17T17:24:28.221" v="102" actId="1036"/>
+        <pc:sldMkLst>
+          <pc:docMk/>
+          <pc:sldMk cId="3392204688" sldId="435"/>
+        </pc:sldMkLst>
+        <pc:spChg chg="mod">
+          <ac:chgData name="Anatoliy Kigel" userId="7432c6c4687b0a9c" providerId="LiveId" clId="{7A91C555-A7C1-4A8D-86B6-B660AC4426BD}" dt="2023-05-17T17:24:28.221" v="102" actId="1036"/>
+          <ac:spMkLst>
+            <pc:docMk/>
+            <pc:sldMk cId="3392204688" sldId="435"/>
+            <ac:spMk id="3" creationId="{00000000-0000-0000-0000-000000000000}"/>
+          </ac:spMkLst>
+        </pc:spChg>
+        <pc:spChg chg="mod">
+          <ac:chgData name="Anatoliy Kigel" userId="7432c6c4687b0a9c" providerId="LiveId" clId="{7A91C555-A7C1-4A8D-86B6-B660AC4426BD}" dt="2023-05-17T17:24:25.051" v="99" actId="1036"/>
+          <ac:spMkLst>
+            <pc:docMk/>
+            <pc:sldMk cId="3392204688" sldId="435"/>
+            <ac:spMk id="5" creationId="{00000000-0000-0000-0000-000000000000}"/>
+          </ac:spMkLst>
+        </pc:spChg>
+        <pc:spChg chg="mod">
+          <ac:chgData name="Anatoliy Kigel" userId="7432c6c4687b0a9c" providerId="LiveId" clId="{7A91C555-A7C1-4A8D-86B6-B660AC4426BD}" dt="2023-05-17T17:24:25.051" v="99" actId="1036"/>
+          <ac:spMkLst>
+            <pc:docMk/>
+            <pc:sldMk cId="3392204688" sldId="435"/>
+            <ac:spMk id="7" creationId="{00000000-0000-0000-0000-000000000000}"/>
+          </ac:spMkLst>
+        </pc:spChg>
+        <pc:spChg chg="del">
+          <ac:chgData name="Anatoliy Kigel" userId="7432c6c4687b0a9c" providerId="LiveId" clId="{7A91C555-A7C1-4A8D-86B6-B660AC4426BD}" dt="2023-05-17T17:24:21.930" v="93" actId="478"/>
+          <ac:spMkLst>
+            <pc:docMk/>
+            <pc:sldMk cId="3392204688" sldId="435"/>
+            <ac:spMk id="9" creationId="{00000000-0000-0000-0000-000000000000}"/>
+          </ac:spMkLst>
+        </pc:spChg>
+        <pc:spChg chg="mod">
+          <ac:chgData name="Anatoliy Kigel" userId="7432c6c4687b0a9c" providerId="LiveId" clId="{7A91C555-A7C1-4A8D-86B6-B660AC4426BD}" dt="2023-05-17T17:24:25.051" v="99" actId="1036"/>
+          <ac:spMkLst>
+            <pc:docMk/>
+            <pc:sldMk cId="3392204688" sldId="435"/>
+            <ac:spMk id="10" creationId="{00000000-0000-0000-0000-000000000000}"/>
+          </ac:spMkLst>
+        </pc:spChg>
+        <pc:spChg chg="del">
+          <ac:chgData name="Anatoliy Kigel" userId="7432c6c4687b0a9c" providerId="LiveId" clId="{7A91C555-A7C1-4A8D-86B6-B660AC4426BD}" dt="2023-05-17T17:24:05.939" v="82" actId="478"/>
+          <ac:spMkLst>
+            <pc:docMk/>
+            <pc:sldMk cId="3392204688" sldId="435"/>
+            <ac:spMk id="12" creationId="{00000000-0000-0000-0000-000000000000}"/>
+          </ac:spMkLst>
+        </pc:spChg>
+      </pc:sldChg>
+      <pc:sldChg chg="modSp mod">
+        <pc:chgData name="Anatoliy Kigel" userId="7432c6c4687b0a9c" providerId="LiveId" clId="{7A91C555-A7C1-4A8D-86B6-B660AC4426BD}" dt="2023-05-17T17:19:13.433" v="74" actId="20577"/>
+        <pc:sldMkLst>
+          <pc:docMk/>
+          <pc:sldMk cId="4102588272" sldId="441"/>
+        </pc:sldMkLst>
+        <pc:spChg chg="mod">
+          <ac:chgData name="Anatoliy Kigel" userId="7432c6c4687b0a9c" providerId="LiveId" clId="{7A91C555-A7C1-4A8D-86B6-B660AC4426BD}" dt="2023-05-17T17:19:13.433" v="74" actId="20577"/>
+          <ac:spMkLst>
+            <pc:docMk/>
+            <pc:sldMk cId="4102588272" sldId="441"/>
+            <ac:spMk id="9" creationId="{00000000-0000-0000-0000-000000000000}"/>
+          </ac:spMkLst>
+        </pc:spChg>
+      </pc:sldChg>
+      <pc:sldChg chg="addSp delSp modSp mod">
+        <pc:chgData name="Anatoliy Kigel" userId="7432c6c4687b0a9c" providerId="LiveId" clId="{7A91C555-A7C1-4A8D-86B6-B660AC4426BD}" dt="2023-05-17T17:28:06.023" v="126" actId="1076"/>
+        <pc:sldMkLst>
+          <pc:docMk/>
+          <pc:sldMk cId="3747052252" sldId="447"/>
+        </pc:sldMkLst>
+        <pc:spChg chg="del mod">
+          <ac:chgData name="Anatoliy Kigel" userId="7432c6c4687b0a9c" providerId="LiveId" clId="{7A91C555-A7C1-4A8D-86B6-B660AC4426BD}" dt="2023-05-17T17:26:50.514" v="120" actId="478"/>
+          <ac:spMkLst>
+            <pc:docMk/>
+            <pc:sldMk cId="3747052252" sldId="447"/>
+            <ac:spMk id="3" creationId="{00000000-0000-0000-0000-000000000000}"/>
+          </ac:spMkLst>
+        </pc:spChg>
+        <pc:picChg chg="add mod">
+          <ac:chgData name="Anatoliy Kigel" userId="7432c6c4687b0a9c" providerId="LiveId" clId="{7A91C555-A7C1-4A8D-86B6-B660AC4426BD}" dt="2023-05-17T17:28:06.023" v="126" actId="1076"/>
+          <ac:picMkLst>
+            <pc:docMk/>
+            <pc:sldMk cId="3747052252" sldId="447"/>
+            <ac:picMk id="1026" creationId="{F1148C48-EC4E-91BF-EDFF-AD4D16119484}"/>
+          </ac:picMkLst>
+        </pc:picChg>
+      </pc:sldChg>
+      <pc:sldChg chg="del">
+        <pc:chgData name="Anatoliy Kigel" userId="7432c6c4687b0a9c" providerId="LiveId" clId="{7A91C555-A7C1-4A8D-86B6-B660AC4426BD}" dt="2023-05-17T17:22:31.938" v="76" actId="47"/>
+        <pc:sldMkLst>
+          <pc:docMk/>
+          <pc:sldMk cId="3045335102" sldId="575"/>
+        </pc:sldMkLst>
+      </pc:sldChg>
+      <pc:sldChg chg="del">
+        <pc:chgData name="Anatoliy Kigel" userId="7432c6c4687b0a9c" providerId="LiveId" clId="{7A91C555-A7C1-4A8D-86B6-B660AC4426BD}" dt="2023-05-17T17:22:31.938" v="76" actId="47"/>
+        <pc:sldMkLst>
+          <pc:docMk/>
+          <pc:sldMk cId="1451308632" sldId="576"/>
+        </pc:sldMkLst>
+      </pc:sldChg>
+      <pc:sldChg chg="del">
+        <pc:chgData name="Anatoliy Kigel" userId="7432c6c4687b0a9c" providerId="LiveId" clId="{7A91C555-A7C1-4A8D-86B6-B660AC4426BD}" dt="2023-05-17T17:22:31.938" v="76" actId="47"/>
+        <pc:sldMkLst>
+          <pc:docMk/>
+          <pc:sldMk cId="2827328487" sldId="578"/>
+        </pc:sldMkLst>
+      </pc:sldChg>
+      <pc:sldChg chg="del">
+        <pc:chgData name="Anatoliy Kigel" userId="7432c6c4687b0a9c" providerId="LiveId" clId="{7A91C555-A7C1-4A8D-86B6-B660AC4426BD}" dt="2023-05-17T17:22:31.938" v="76" actId="47"/>
+        <pc:sldMkLst>
+          <pc:docMk/>
+          <pc:sldMk cId="755735449" sldId="583"/>
+        </pc:sldMkLst>
+      </pc:sldChg>
+      <pc:sldChg chg="del">
+        <pc:chgData name="Anatoliy Kigel" userId="7432c6c4687b0a9c" providerId="LiveId" clId="{7A91C555-A7C1-4A8D-86B6-B660AC4426BD}" dt="2023-05-17T17:28:14.135" v="127" actId="47"/>
+        <pc:sldMkLst>
+          <pc:docMk/>
+          <pc:sldMk cId="452571319" sldId="584"/>
+        </pc:sldMkLst>
+      </pc:sldChg>
+      <pc:sldChg chg="del">
+        <pc:chgData name="Anatoliy Kigel" userId="7432c6c4687b0a9c" providerId="LiveId" clId="{7A91C555-A7C1-4A8D-86B6-B660AC4426BD}" dt="2023-05-17T17:22:31.938" v="76" actId="47"/>
+        <pc:sldMkLst>
+          <pc:docMk/>
+          <pc:sldMk cId="3989686462" sldId="585"/>
+        </pc:sldMkLst>
+      </pc:sldChg>
+      <pc:sldChg chg="modSp mod">
+        <pc:chgData name="Anatoliy Kigel" userId="7432c6c4687b0a9c" providerId="LiveId" clId="{7A91C555-A7C1-4A8D-86B6-B660AC4426BD}" dt="2023-05-17T17:23:17.504" v="77" actId="20577"/>
+        <pc:sldMkLst>
+          <pc:docMk/>
+          <pc:sldMk cId="4281525929" sldId="586"/>
+        </pc:sldMkLst>
+        <pc:spChg chg="mod">
+          <ac:chgData name="Anatoliy Kigel" userId="7432c6c4687b0a9c" providerId="LiveId" clId="{7A91C555-A7C1-4A8D-86B6-B660AC4426BD}" dt="2023-05-17T17:23:17.504" v="77" actId="20577"/>
+          <ac:spMkLst>
+            <pc:docMk/>
+            <pc:sldMk cId="4281525929" sldId="586"/>
+            <ac:spMk id="5" creationId="{00000000-0000-0000-0000-000000000000}"/>
           </ac:spMkLst>
         </pc:spChg>
       </pc:sldChg>
@@ -231,1142 +1344,6 @@
     </pc:docChg>
   </pc:docChgLst>
   <pc:docChgLst>
-    <pc:chgData name="Anatoliy Kigel" userId="7432c6c4687b0a9c" providerId="LiveId" clId="{D9F6D599-7765-4AB8-BF9D-2E745D075EEF}"/>
-    <pc:docChg chg="undo custSel addSld delSld modSld sldOrd">
-      <pc:chgData name="Anatoliy Kigel" userId="7432c6c4687b0a9c" providerId="LiveId" clId="{D9F6D599-7765-4AB8-BF9D-2E745D075EEF}" dt="2021-10-06T18:39:31.185" v="575" actId="47"/>
-      <pc:docMkLst>
-        <pc:docMk/>
-      </pc:docMkLst>
-      <pc:sldChg chg="del">
-        <pc:chgData name="Anatoliy Kigel" userId="7432c6c4687b0a9c" providerId="LiveId" clId="{D9F6D599-7765-4AB8-BF9D-2E745D075EEF}" dt="2021-10-04T10:20:56.172" v="2" actId="47"/>
-        <pc:sldMkLst>
-          <pc:docMk/>
-          <pc:sldMk cId="0" sldId="337"/>
-        </pc:sldMkLst>
-      </pc:sldChg>
-      <pc:sldChg chg="add">
-        <pc:chgData name="Anatoliy Kigel" userId="7432c6c4687b0a9c" providerId="LiveId" clId="{D9F6D599-7765-4AB8-BF9D-2E745D075EEF}" dt="2021-10-04T10:50:51.439" v="105"/>
-        <pc:sldMkLst>
-          <pc:docMk/>
-          <pc:sldMk cId="2636876839" sldId="364"/>
-        </pc:sldMkLst>
-      </pc:sldChg>
-      <pc:sldChg chg="add del">
-        <pc:chgData name="Anatoliy Kigel" userId="7432c6c4687b0a9c" providerId="LiveId" clId="{D9F6D599-7765-4AB8-BF9D-2E745D075EEF}" dt="2021-10-04T10:50:40.382" v="104" actId="2696"/>
-        <pc:sldMkLst>
-          <pc:docMk/>
-          <pc:sldMk cId="2771553471" sldId="364"/>
-        </pc:sldMkLst>
-      </pc:sldChg>
-      <pc:sldChg chg="del">
-        <pc:chgData name="Anatoliy Kigel" userId="7432c6c4687b0a9c" providerId="LiveId" clId="{D9F6D599-7765-4AB8-BF9D-2E745D075EEF}" dt="2021-10-04T10:30:28.302" v="16" actId="47"/>
-        <pc:sldMkLst>
-          <pc:docMk/>
-          <pc:sldMk cId="153658790" sldId="380"/>
-        </pc:sldMkLst>
-      </pc:sldChg>
-      <pc:sldChg chg="add del">
-        <pc:chgData name="Anatoliy Kigel" userId="7432c6c4687b0a9c" providerId="LiveId" clId="{D9F6D599-7765-4AB8-BF9D-2E745D075EEF}" dt="2021-10-04T10:50:40.382" v="104" actId="2696"/>
-        <pc:sldMkLst>
-          <pc:docMk/>
-          <pc:sldMk cId="1274794983" sldId="385"/>
-        </pc:sldMkLst>
-      </pc:sldChg>
-      <pc:sldChg chg="add">
-        <pc:chgData name="Anatoliy Kigel" userId="7432c6c4687b0a9c" providerId="LiveId" clId="{D9F6D599-7765-4AB8-BF9D-2E745D075EEF}" dt="2021-10-04T10:50:51.439" v="105"/>
-        <pc:sldMkLst>
-          <pc:docMk/>
-          <pc:sldMk cId="3004122313" sldId="385"/>
-        </pc:sldMkLst>
-      </pc:sldChg>
-      <pc:sldChg chg="add">
-        <pc:chgData name="Anatoliy Kigel" userId="7432c6c4687b0a9c" providerId="LiveId" clId="{D9F6D599-7765-4AB8-BF9D-2E745D075EEF}" dt="2021-10-04T10:50:51.439" v="105"/>
-        <pc:sldMkLst>
-          <pc:docMk/>
-          <pc:sldMk cId="366965302" sldId="386"/>
-        </pc:sldMkLst>
-      </pc:sldChg>
-      <pc:sldChg chg="add del">
-        <pc:chgData name="Anatoliy Kigel" userId="7432c6c4687b0a9c" providerId="LiveId" clId="{D9F6D599-7765-4AB8-BF9D-2E745D075EEF}" dt="2021-10-04T10:50:40.382" v="104" actId="2696"/>
-        <pc:sldMkLst>
-          <pc:docMk/>
-          <pc:sldMk cId="3691103200" sldId="386"/>
-        </pc:sldMkLst>
-      </pc:sldChg>
-      <pc:sldChg chg="modSp del mod">
-        <pc:chgData name="Anatoliy Kigel" userId="7432c6c4687b0a9c" providerId="LiveId" clId="{D9F6D599-7765-4AB8-BF9D-2E745D075EEF}" dt="2021-10-05T06:28:21.708" v="180" actId="2696"/>
-        <pc:sldMkLst>
-          <pc:docMk/>
-          <pc:sldMk cId="1178291047" sldId="400"/>
-        </pc:sldMkLst>
-        <pc:spChg chg="mod">
-          <ac:chgData name="Anatoliy Kigel" userId="7432c6c4687b0a9c" providerId="LiveId" clId="{D9F6D599-7765-4AB8-BF9D-2E745D075EEF}" dt="2021-10-04T10:50:25.600" v="103" actId="20577"/>
-          <ac:spMkLst>
-            <pc:docMk/>
-            <pc:sldMk cId="1178291047" sldId="400"/>
-            <ac:spMk id="5" creationId="{00000000-0000-0000-0000-000000000000}"/>
-          </ac:spMkLst>
-        </pc:spChg>
-      </pc:sldChg>
-      <pc:sldChg chg="modSp add mod">
-        <pc:chgData name="Anatoliy Kigel" userId="7432c6c4687b0a9c" providerId="LiveId" clId="{D9F6D599-7765-4AB8-BF9D-2E745D075EEF}" dt="2021-10-05T06:28:26.574" v="182" actId="20577"/>
-        <pc:sldMkLst>
-          <pc:docMk/>
-          <pc:sldMk cId="3772191036" sldId="400"/>
-        </pc:sldMkLst>
-        <pc:spChg chg="mod">
-          <ac:chgData name="Anatoliy Kigel" userId="7432c6c4687b0a9c" providerId="LiveId" clId="{D9F6D599-7765-4AB8-BF9D-2E745D075EEF}" dt="2021-10-05T06:28:26.574" v="182" actId="20577"/>
-          <ac:spMkLst>
-            <pc:docMk/>
-            <pc:sldMk cId="3772191036" sldId="400"/>
-            <ac:spMk id="5" creationId="{00000000-0000-0000-0000-000000000000}"/>
-          </ac:spMkLst>
-        </pc:spChg>
-      </pc:sldChg>
-      <pc:sldChg chg="modSp add mod">
-        <pc:chgData name="Anatoliy Kigel" userId="7432c6c4687b0a9c" providerId="LiveId" clId="{D9F6D599-7765-4AB8-BF9D-2E745D075EEF}" dt="2021-10-04T10:50:54.573" v="106" actId="20577"/>
-        <pc:sldMkLst>
-          <pc:docMk/>
-          <pc:sldMk cId="1996300760" sldId="408"/>
-        </pc:sldMkLst>
-        <pc:spChg chg="mod">
-          <ac:chgData name="Anatoliy Kigel" userId="7432c6c4687b0a9c" providerId="LiveId" clId="{D9F6D599-7765-4AB8-BF9D-2E745D075EEF}" dt="2021-10-04T10:50:54.573" v="106" actId="20577"/>
-          <ac:spMkLst>
-            <pc:docMk/>
-            <pc:sldMk cId="1996300760" sldId="408"/>
-            <ac:spMk id="5" creationId="{00000000-0000-0000-0000-000000000000}"/>
-          </ac:spMkLst>
-        </pc:spChg>
-      </pc:sldChg>
-      <pc:sldChg chg="add del">
-        <pc:chgData name="Anatoliy Kigel" userId="7432c6c4687b0a9c" providerId="LiveId" clId="{D9F6D599-7765-4AB8-BF9D-2E745D075EEF}" dt="2021-10-04T10:50:40.382" v="104" actId="2696"/>
-        <pc:sldMkLst>
-          <pc:docMk/>
-          <pc:sldMk cId="3485247262" sldId="408"/>
-        </pc:sldMkLst>
-      </pc:sldChg>
-      <pc:sldChg chg="add del">
-        <pc:chgData name="Anatoliy Kigel" userId="7432c6c4687b0a9c" providerId="LiveId" clId="{D9F6D599-7765-4AB8-BF9D-2E745D075EEF}" dt="2021-10-04T10:51:36.463" v="111" actId="2696"/>
-        <pc:sldMkLst>
-          <pc:docMk/>
-          <pc:sldMk cId="1719666714" sldId="412"/>
-        </pc:sldMkLst>
-      </pc:sldChg>
-      <pc:sldChg chg="add del">
-        <pc:chgData name="Anatoliy Kigel" userId="7432c6c4687b0a9c" providerId="LiveId" clId="{D9F6D599-7765-4AB8-BF9D-2E745D075EEF}" dt="2021-10-05T06:28:46.803" v="184" actId="2696"/>
-        <pc:sldMkLst>
-          <pc:docMk/>
-          <pc:sldMk cId="2571726461" sldId="412"/>
-        </pc:sldMkLst>
-      </pc:sldChg>
-      <pc:sldChg chg="modSp add mod">
-        <pc:chgData name="Anatoliy Kigel" userId="7432c6c4687b0a9c" providerId="LiveId" clId="{D9F6D599-7765-4AB8-BF9D-2E745D075EEF}" dt="2021-10-05T06:28:56.090" v="186" actId="20577"/>
-        <pc:sldMkLst>
-          <pc:docMk/>
-          <pc:sldMk cId="3316522765" sldId="412"/>
-        </pc:sldMkLst>
-        <pc:spChg chg="mod">
-          <ac:chgData name="Anatoliy Kigel" userId="7432c6c4687b0a9c" providerId="LiveId" clId="{D9F6D599-7765-4AB8-BF9D-2E745D075EEF}" dt="2021-10-05T06:28:56.090" v="186" actId="20577"/>
-          <ac:spMkLst>
-            <pc:docMk/>
-            <pc:sldMk cId="3316522765" sldId="412"/>
-            <ac:spMk id="5" creationId="{00000000-0000-0000-0000-000000000000}"/>
-          </ac:spMkLst>
-        </pc:spChg>
-      </pc:sldChg>
-      <pc:sldChg chg="add">
-        <pc:chgData name="Anatoliy Kigel" userId="7432c6c4687b0a9c" providerId="LiveId" clId="{D9F6D599-7765-4AB8-BF9D-2E745D075EEF}" dt="2021-10-05T06:28:52.499" v="185"/>
-        <pc:sldMkLst>
-          <pc:docMk/>
-          <pc:sldMk cId="509433131" sldId="413"/>
-        </pc:sldMkLst>
-      </pc:sldChg>
-      <pc:sldChg chg="add del">
-        <pc:chgData name="Anatoliy Kigel" userId="7432c6c4687b0a9c" providerId="LiveId" clId="{D9F6D599-7765-4AB8-BF9D-2E745D075EEF}" dt="2021-10-04T10:51:36.463" v="111" actId="2696"/>
-        <pc:sldMkLst>
-          <pc:docMk/>
-          <pc:sldMk cId="1187402257" sldId="413"/>
-        </pc:sldMkLst>
-      </pc:sldChg>
-      <pc:sldChg chg="add del">
-        <pc:chgData name="Anatoliy Kigel" userId="7432c6c4687b0a9c" providerId="LiveId" clId="{D9F6D599-7765-4AB8-BF9D-2E745D075EEF}" dt="2021-10-05T06:28:46.803" v="184" actId="2696"/>
-        <pc:sldMkLst>
-          <pc:docMk/>
-          <pc:sldMk cId="1747817600" sldId="413"/>
-        </pc:sldMkLst>
-      </pc:sldChg>
-      <pc:sldChg chg="del">
-        <pc:chgData name="Anatoliy Kigel" userId="7432c6c4687b0a9c" providerId="LiveId" clId="{D9F6D599-7765-4AB8-BF9D-2E745D075EEF}" dt="2021-10-05T06:28:21.708" v="180" actId="2696"/>
-        <pc:sldMkLst>
-          <pc:docMk/>
-          <pc:sldMk cId="922893784" sldId="429"/>
-        </pc:sldMkLst>
-      </pc:sldChg>
-      <pc:sldChg chg="add">
-        <pc:chgData name="Anatoliy Kigel" userId="7432c6c4687b0a9c" providerId="LiveId" clId="{D9F6D599-7765-4AB8-BF9D-2E745D075EEF}" dt="2021-10-05T06:28:24.616" v="181"/>
-        <pc:sldMkLst>
-          <pc:docMk/>
-          <pc:sldMk cId="4127325237" sldId="429"/>
-        </pc:sldMkLst>
-      </pc:sldChg>
-      <pc:sldChg chg="modSp mod">
-        <pc:chgData name="Anatoliy Kigel" userId="7432c6c4687b0a9c" providerId="LiveId" clId="{D9F6D599-7765-4AB8-BF9D-2E745D075EEF}" dt="2021-10-04T10:21:12.173" v="14" actId="207"/>
-        <pc:sldMkLst>
-          <pc:docMk/>
-          <pc:sldMk cId="2396747633" sldId="430"/>
-        </pc:sldMkLst>
-        <pc:spChg chg="mod">
-          <ac:chgData name="Anatoliy Kigel" userId="7432c6c4687b0a9c" providerId="LiveId" clId="{D9F6D599-7765-4AB8-BF9D-2E745D075EEF}" dt="2021-10-04T10:21:12.173" v="14" actId="207"/>
-          <ac:spMkLst>
-            <pc:docMk/>
-            <pc:sldMk cId="2396747633" sldId="430"/>
-            <ac:spMk id="16" creationId="{00000000-0000-0000-0000-000000000000}"/>
-          </ac:spMkLst>
-        </pc:spChg>
-      </pc:sldChg>
-      <pc:sldChg chg="modSp mod">
-        <pc:chgData name="Anatoliy Kigel" userId="7432c6c4687b0a9c" providerId="LiveId" clId="{D9F6D599-7765-4AB8-BF9D-2E745D075EEF}" dt="2021-10-05T06:19:17.888" v="151" actId="113"/>
-        <pc:sldMkLst>
-          <pc:docMk/>
-          <pc:sldMk cId="1102755832" sldId="431"/>
-        </pc:sldMkLst>
-        <pc:spChg chg="mod">
-          <ac:chgData name="Anatoliy Kigel" userId="7432c6c4687b0a9c" providerId="LiveId" clId="{D9F6D599-7765-4AB8-BF9D-2E745D075EEF}" dt="2021-10-05T06:19:17.888" v="151" actId="113"/>
-          <ac:spMkLst>
-            <pc:docMk/>
-            <pc:sldMk cId="1102755832" sldId="431"/>
-            <ac:spMk id="3" creationId="{00000000-0000-0000-0000-000000000000}"/>
-          </ac:spMkLst>
-        </pc:spChg>
-      </pc:sldChg>
-      <pc:sldChg chg="modSp mod">
-        <pc:chgData name="Anatoliy Kigel" userId="7432c6c4687b0a9c" providerId="LiveId" clId="{D9F6D599-7765-4AB8-BF9D-2E745D075EEF}" dt="2021-10-05T06:27:49.091" v="179" actId="20577"/>
-        <pc:sldMkLst>
-          <pc:docMk/>
-          <pc:sldMk cId="3904143844" sldId="433"/>
-        </pc:sldMkLst>
-        <pc:spChg chg="mod">
-          <ac:chgData name="Anatoliy Kigel" userId="7432c6c4687b0a9c" providerId="LiveId" clId="{D9F6D599-7765-4AB8-BF9D-2E745D075EEF}" dt="2021-10-05T06:19:56.800" v="170" actId="20577"/>
-          <ac:spMkLst>
-            <pc:docMk/>
-            <pc:sldMk cId="3904143844" sldId="433"/>
-            <ac:spMk id="6" creationId="{00000000-0000-0000-0000-000000000000}"/>
-          </ac:spMkLst>
-        </pc:spChg>
-        <pc:spChg chg="mod">
-          <ac:chgData name="Anatoliy Kigel" userId="7432c6c4687b0a9c" providerId="LiveId" clId="{D9F6D599-7765-4AB8-BF9D-2E745D075EEF}" dt="2021-10-05T06:27:49.091" v="179" actId="20577"/>
-          <ac:spMkLst>
-            <pc:docMk/>
-            <pc:sldMk cId="3904143844" sldId="433"/>
-            <ac:spMk id="10" creationId="{00000000-0000-0000-0000-000000000000}"/>
-          </ac:spMkLst>
-        </pc:spChg>
-      </pc:sldChg>
-      <pc:sldChg chg="add">
-        <pc:chgData name="Anatoliy Kigel" userId="7432c6c4687b0a9c" providerId="LiveId" clId="{D9F6D599-7765-4AB8-BF9D-2E745D075EEF}" dt="2021-10-05T06:40:14.340" v="228"/>
-        <pc:sldMkLst>
-          <pc:docMk/>
-          <pc:sldMk cId="1072141460" sldId="434"/>
-        </pc:sldMkLst>
-      </pc:sldChg>
-      <pc:sldChg chg="del">
-        <pc:chgData name="Anatoliy Kigel" userId="7432c6c4687b0a9c" providerId="LiveId" clId="{D9F6D599-7765-4AB8-BF9D-2E745D075EEF}" dt="2021-10-04T10:20:56.172" v="2" actId="47"/>
-        <pc:sldMkLst>
-          <pc:docMk/>
-          <pc:sldMk cId="3698798159" sldId="434"/>
-        </pc:sldMkLst>
-      </pc:sldChg>
-      <pc:sldChg chg="del">
-        <pc:chgData name="Anatoliy Kigel" userId="7432c6c4687b0a9c" providerId="LiveId" clId="{D9F6D599-7765-4AB8-BF9D-2E745D075EEF}" dt="2021-10-05T06:32:47.855" v="192" actId="47"/>
-        <pc:sldMkLst>
-          <pc:docMk/>
-          <pc:sldMk cId="1461126830" sldId="437"/>
-        </pc:sldMkLst>
-      </pc:sldChg>
-      <pc:sldChg chg="del">
-        <pc:chgData name="Anatoliy Kigel" userId="7432c6c4687b0a9c" providerId="LiveId" clId="{D9F6D599-7765-4AB8-BF9D-2E745D075EEF}" dt="2021-10-04T10:20:56.172" v="2" actId="47"/>
-        <pc:sldMkLst>
-          <pc:docMk/>
-          <pc:sldMk cId="4031666526" sldId="438"/>
-        </pc:sldMkLst>
-      </pc:sldChg>
-      <pc:sldChg chg="modSp mod">
-        <pc:chgData name="Anatoliy Kigel" userId="7432c6c4687b0a9c" providerId="LiveId" clId="{D9F6D599-7765-4AB8-BF9D-2E745D075EEF}" dt="2021-10-04T10:33:17.325" v="19" actId="20577"/>
-        <pc:sldMkLst>
-          <pc:docMk/>
-          <pc:sldMk cId="2918009972" sldId="439"/>
-        </pc:sldMkLst>
-        <pc:spChg chg="mod">
-          <ac:chgData name="Anatoliy Kigel" userId="7432c6c4687b0a9c" providerId="LiveId" clId="{D9F6D599-7765-4AB8-BF9D-2E745D075EEF}" dt="2021-10-04T10:33:17.325" v="19" actId="20577"/>
-          <ac:spMkLst>
-            <pc:docMk/>
-            <pc:sldMk cId="2918009972" sldId="439"/>
-            <ac:spMk id="5" creationId="{00000000-0000-0000-0000-000000000000}"/>
-          </ac:spMkLst>
-        </pc:spChg>
-      </pc:sldChg>
-      <pc:sldChg chg="del">
-        <pc:chgData name="Anatoliy Kigel" userId="7432c6c4687b0a9c" providerId="LiveId" clId="{D9F6D599-7765-4AB8-BF9D-2E745D075EEF}" dt="2021-10-05T06:41:33.912" v="229" actId="47"/>
-        <pc:sldMkLst>
-          <pc:docMk/>
-          <pc:sldMk cId="4056937736" sldId="440"/>
-        </pc:sldMkLst>
-      </pc:sldChg>
-      <pc:sldChg chg="modSp mod">
-        <pc:chgData name="Anatoliy Kigel" userId="7432c6c4687b0a9c" providerId="LiveId" clId="{D9F6D599-7765-4AB8-BF9D-2E745D075EEF}" dt="2021-10-05T06:34:34.354" v="225" actId="20577"/>
-        <pc:sldMkLst>
-          <pc:docMk/>
-          <pc:sldMk cId="1919575107" sldId="442"/>
-        </pc:sldMkLst>
-        <pc:spChg chg="mod">
-          <ac:chgData name="Anatoliy Kigel" userId="7432c6c4687b0a9c" providerId="LiveId" clId="{D9F6D599-7765-4AB8-BF9D-2E745D075EEF}" dt="2021-10-05T06:34:34.354" v="225" actId="20577"/>
-          <ac:spMkLst>
-            <pc:docMk/>
-            <pc:sldMk cId="1919575107" sldId="442"/>
-            <ac:spMk id="5" creationId="{00000000-0000-0000-0000-000000000000}"/>
-          </ac:spMkLst>
-        </pc:spChg>
-      </pc:sldChg>
-      <pc:sldChg chg="modSp mod">
-        <pc:chgData name="Anatoliy Kigel" userId="7432c6c4687b0a9c" providerId="LiveId" clId="{D9F6D599-7765-4AB8-BF9D-2E745D075EEF}" dt="2021-10-05T06:46:44.110" v="573" actId="207"/>
-        <pc:sldMkLst>
-          <pc:docMk/>
-          <pc:sldMk cId="1809769971" sldId="444"/>
-        </pc:sldMkLst>
-        <pc:spChg chg="mod">
-          <ac:chgData name="Anatoliy Kigel" userId="7432c6c4687b0a9c" providerId="LiveId" clId="{D9F6D599-7765-4AB8-BF9D-2E745D075EEF}" dt="2021-10-05T06:46:44.110" v="573" actId="207"/>
-          <ac:spMkLst>
-            <pc:docMk/>
-            <pc:sldMk cId="1809769971" sldId="444"/>
-            <ac:spMk id="7" creationId="{00000000-0000-0000-0000-000000000000}"/>
-          </ac:spMkLst>
-        </pc:spChg>
-        <pc:spChg chg="mod">
-          <ac:chgData name="Anatoliy Kigel" userId="7432c6c4687b0a9c" providerId="LiveId" clId="{D9F6D599-7765-4AB8-BF9D-2E745D075EEF}" dt="2021-10-05T06:44:23.723" v="445" actId="207"/>
-          <ac:spMkLst>
-            <pc:docMk/>
-            <pc:sldMk cId="1809769971" sldId="444"/>
-            <ac:spMk id="10" creationId="{00000000-0000-0000-0000-000000000000}"/>
-          </ac:spMkLst>
-        </pc:spChg>
-        <pc:picChg chg="mod">
-          <ac:chgData name="Anatoliy Kigel" userId="7432c6c4687b0a9c" providerId="LiveId" clId="{D9F6D599-7765-4AB8-BF9D-2E745D075EEF}" dt="2021-10-05T06:44:05.265" v="442" actId="1035"/>
-          <ac:picMkLst>
-            <pc:docMk/>
-            <pc:sldMk cId="1809769971" sldId="444"/>
-            <ac:picMk id="2" creationId="{00000000-0000-0000-0000-000000000000}"/>
-          </ac:picMkLst>
-        </pc:picChg>
-        <pc:picChg chg="mod">
-          <ac:chgData name="Anatoliy Kigel" userId="7432c6c4687b0a9c" providerId="LiveId" clId="{D9F6D599-7765-4AB8-BF9D-2E745D075EEF}" dt="2021-10-05T06:44:04.348" v="440" actId="1036"/>
-          <ac:picMkLst>
-            <pc:docMk/>
-            <pc:sldMk cId="1809769971" sldId="444"/>
-            <ac:picMk id="1026" creationId="{00000000-0000-0000-0000-000000000000}"/>
-          </ac:picMkLst>
-        </pc:picChg>
-      </pc:sldChg>
-      <pc:sldChg chg="modSp mod">
-        <pc:chgData name="Anatoliy Kigel" userId="7432c6c4687b0a9c" providerId="LiveId" clId="{D9F6D599-7765-4AB8-BF9D-2E745D075EEF}" dt="2021-10-05T06:44:53.542" v="492" actId="1076"/>
-        <pc:sldMkLst>
-          <pc:docMk/>
-          <pc:sldMk cId="1245348439" sldId="445"/>
-        </pc:sldMkLst>
-        <pc:spChg chg="mod">
-          <ac:chgData name="Anatoliy Kigel" userId="7432c6c4687b0a9c" providerId="LiveId" clId="{D9F6D599-7765-4AB8-BF9D-2E745D075EEF}" dt="2021-10-05T06:44:32.116" v="456" actId="20577"/>
-          <ac:spMkLst>
-            <pc:docMk/>
-            <pc:sldMk cId="1245348439" sldId="445"/>
-            <ac:spMk id="3" creationId="{00000000-0000-0000-0000-000000000000}"/>
-          </ac:spMkLst>
-        </pc:spChg>
-        <pc:spChg chg="mod">
-          <ac:chgData name="Anatoliy Kigel" userId="7432c6c4687b0a9c" providerId="LiveId" clId="{D9F6D599-7765-4AB8-BF9D-2E745D075EEF}" dt="2021-10-05T06:44:53.542" v="492" actId="1076"/>
-          <ac:spMkLst>
-            <pc:docMk/>
-            <pc:sldMk cId="1245348439" sldId="445"/>
-            <ac:spMk id="11" creationId="{00000000-0000-0000-0000-000000000000}"/>
-          </ac:spMkLst>
-        </pc:spChg>
-      </pc:sldChg>
-      <pc:sldChg chg="modSp mod">
-        <pc:chgData name="Anatoliy Kigel" userId="7432c6c4687b0a9c" providerId="LiveId" clId="{D9F6D599-7765-4AB8-BF9D-2E745D075EEF}" dt="2021-10-05T06:34:16.101" v="224" actId="113"/>
-        <pc:sldMkLst>
-          <pc:docMk/>
-          <pc:sldMk cId="3747052252" sldId="447"/>
-        </pc:sldMkLst>
-        <pc:spChg chg="mod">
-          <ac:chgData name="Anatoliy Kigel" userId="7432c6c4687b0a9c" providerId="LiveId" clId="{D9F6D599-7765-4AB8-BF9D-2E745D075EEF}" dt="2021-10-05T06:34:16.101" v="224" actId="113"/>
-          <ac:spMkLst>
-            <pc:docMk/>
-            <pc:sldMk cId="3747052252" sldId="447"/>
-            <ac:spMk id="3" creationId="{00000000-0000-0000-0000-000000000000}"/>
-          </ac:spMkLst>
-        </pc:spChg>
-        <pc:spChg chg="mod">
-          <ac:chgData name="Anatoliy Kigel" userId="7432c6c4687b0a9c" providerId="LiveId" clId="{D9F6D599-7765-4AB8-BF9D-2E745D075EEF}" dt="2021-10-05T06:33:54.157" v="215" actId="1035"/>
-          <ac:spMkLst>
-            <pc:docMk/>
-            <pc:sldMk cId="3747052252" sldId="447"/>
-            <ac:spMk id="5" creationId="{00000000-0000-0000-0000-000000000000}"/>
-          </ac:spMkLst>
-        </pc:spChg>
-      </pc:sldChg>
-      <pc:sldChg chg="del">
-        <pc:chgData name="Anatoliy Kigel" userId="7432c6c4687b0a9c" providerId="LiveId" clId="{D9F6D599-7765-4AB8-BF9D-2E745D075EEF}" dt="2021-10-05T06:32:47.855" v="192" actId="47"/>
-        <pc:sldMkLst>
-          <pc:docMk/>
-          <pc:sldMk cId="970843441" sldId="454"/>
-        </pc:sldMkLst>
-      </pc:sldChg>
-      <pc:sldChg chg="del">
-        <pc:chgData name="Anatoliy Kigel" userId="7432c6c4687b0a9c" providerId="LiveId" clId="{D9F6D599-7765-4AB8-BF9D-2E745D075EEF}" dt="2021-10-04T10:51:23.952" v="110" actId="47"/>
-        <pc:sldMkLst>
-          <pc:docMk/>
-          <pc:sldMk cId="1778332233" sldId="455"/>
-        </pc:sldMkLst>
-      </pc:sldChg>
-      <pc:sldChg chg="del">
-        <pc:chgData name="Anatoliy Kigel" userId="7432c6c4687b0a9c" providerId="LiveId" clId="{D9F6D599-7765-4AB8-BF9D-2E745D075EEF}" dt="2021-10-04T10:51:23.952" v="110" actId="47"/>
-        <pc:sldMkLst>
-          <pc:docMk/>
-          <pc:sldMk cId="888236685" sldId="456"/>
-        </pc:sldMkLst>
-      </pc:sldChg>
-      <pc:sldChg chg="del">
-        <pc:chgData name="Anatoliy Kigel" userId="7432c6c4687b0a9c" providerId="LiveId" clId="{D9F6D599-7765-4AB8-BF9D-2E745D075EEF}" dt="2021-10-04T10:51:23.952" v="110" actId="47"/>
-        <pc:sldMkLst>
-          <pc:docMk/>
-          <pc:sldMk cId="2725182325" sldId="457"/>
-        </pc:sldMkLst>
-      </pc:sldChg>
-      <pc:sldChg chg="del">
-        <pc:chgData name="Anatoliy Kigel" userId="7432c6c4687b0a9c" providerId="LiveId" clId="{D9F6D599-7765-4AB8-BF9D-2E745D075EEF}" dt="2021-10-04T10:51:23.952" v="110" actId="47"/>
-        <pc:sldMkLst>
-          <pc:docMk/>
-          <pc:sldMk cId="1094591459" sldId="458"/>
-        </pc:sldMkLst>
-      </pc:sldChg>
-      <pc:sldChg chg="del">
-        <pc:chgData name="Anatoliy Kigel" userId="7432c6c4687b0a9c" providerId="LiveId" clId="{D9F6D599-7765-4AB8-BF9D-2E745D075EEF}" dt="2021-10-05T06:32:47.855" v="192" actId="47"/>
-        <pc:sldMkLst>
-          <pc:docMk/>
-          <pc:sldMk cId="841362131" sldId="459"/>
-        </pc:sldMkLst>
-      </pc:sldChg>
-      <pc:sldChg chg="del">
-        <pc:chgData name="Anatoliy Kigel" userId="7432c6c4687b0a9c" providerId="LiveId" clId="{D9F6D599-7765-4AB8-BF9D-2E745D075EEF}" dt="2021-10-05T06:32:47.855" v="192" actId="47"/>
-        <pc:sldMkLst>
-          <pc:docMk/>
-          <pc:sldMk cId="3261584014" sldId="461"/>
-        </pc:sldMkLst>
-      </pc:sldChg>
-      <pc:sldChg chg="add del">
-        <pc:chgData name="Anatoliy Kigel" userId="7432c6c4687b0a9c" providerId="LiveId" clId="{D9F6D599-7765-4AB8-BF9D-2E745D075EEF}" dt="2021-10-04T10:50:40.382" v="104" actId="2696"/>
-        <pc:sldMkLst>
-          <pc:docMk/>
-          <pc:sldMk cId="552387830" sldId="467"/>
-        </pc:sldMkLst>
-      </pc:sldChg>
-      <pc:sldChg chg="add">
-        <pc:chgData name="Anatoliy Kigel" userId="7432c6c4687b0a9c" providerId="LiveId" clId="{D9F6D599-7765-4AB8-BF9D-2E745D075EEF}" dt="2021-10-04T10:50:51.439" v="105"/>
-        <pc:sldMkLst>
-          <pc:docMk/>
-          <pc:sldMk cId="3371418139" sldId="467"/>
-        </pc:sldMkLst>
-      </pc:sldChg>
-      <pc:sldChg chg="modSp add del mod">
-        <pc:chgData name="Anatoliy Kigel" userId="7432c6c4687b0a9c" providerId="LiveId" clId="{D9F6D599-7765-4AB8-BF9D-2E745D075EEF}" dt="2021-10-06T18:39:31.185" v="575" actId="47"/>
-        <pc:sldMkLst>
-          <pc:docMk/>
-          <pc:sldMk cId="899785685" sldId="474"/>
-        </pc:sldMkLst>
-        <pc:spChg chg="mod">
-          <ac:chgData name="Anatoliy Kigel" userId="7432c6c4687b0a9c" providerId="LiveId" clId="{D9F6D599-7765-4AB8-BF9D-2E745D075EEF}" dt="2021-10-05T06:34:37.091" v="227" actId="20577"/>
-          <ac:spMkLst>
-            <pc:docMk/>
-            <pc:sldMk cId="899785685" sldId="474"/>
-            <ac:spMk id="5" creationId="{00000000-0000-0000-0000-000000000000}"/>
-          </ac:spMkLst>
-        </pc:spChg>
-      </pc:sldChg>
-      <pc:sldChg chg="add del">
-        <pc:chgData name="Anatoliy Kigel" userId="7432c6c4687b0a9c" providerId="LiveId" clId="{D9F6D599-7765-4AB8-BF9D-2E745D075EEF}" dt="2021-10-06T18:39:31.185" v="575" actId="47"/>
-        <pc:sldMkLst>
-          <pc:docMk/>
-          <pc:sldMk cId="2765944910" sldId="475"/>
-        </pc:sldMkLst>
-      </pc:sldChg>
-      <pc:sldChg chg="add del">
-        <pc:chgData name="Anatoliy Kigel" userId="7432c6c4687b0a9c" providerId="LiveId" clId="{D9F6D599-7765-4AB8-BF9D-2E745D075EEF}" dt="2021-10-06T18:39:31.185" v="575" actId="47"/>
-        <pc:sldMkLst>
-          <pc:docMk/>
-          <pc:sldMk cId="316371881" sldId="476"/>
-        </pc:sldMkLst>
-      </pc:sldChg>
-      <pc:sldChg chg="add del">
-        <pc:chgData name="Anatoliy Kigel" userId="7432c6c4687b0a9c" providerId="LiveId" clId="{D9F6D599-7765-4AB8-BF9D-2E745D075EEF}" dt="2021-10-05T06:33:12.046" v="196" actId="47"/>
-        <pc:sldMkLst>
-          <pc:docMk/>
-          <pc:sldMk cId="586957727" sldId="478"/>
-        </pc:sldMkLst>
-      </pc:sldChg>
-      <pc:sldChg chg="add del">
-        <pc:chgData name="Anatoliy Kigel" userId="7432c6c4687b0a9c" providerId="LiveId" clId="{D9F6D599-7765-4AB8-BF9D-2E745D075EEF}" dt="2021-10-05T06:33:12.046" v="196" actId="47"/>
-        <pc:sldMkLst>
-          <pc:docMk/>
-          <pc:sldMk cId="1585797329" sldId="479"/>
-        </pc:sldMkLst>
-      </pc:sldChg>
-      <pc:sldChg chg="add del">
-        <pc:chgData name="Anatoliy Kigel" userId="7432c6c4687b0a9c" providerId="LiveId" clId="{D9F6D599-7765-4AB8-BF9D-2E745D075EEF}" dt="2021-10-04T10:50:40.382" v="104" actId="2696"/>
-        <pc:sldMkLst>
-          <pc:docMk/>
-          <pc:sldMk cId="2649097701" sldId="532"/>
-        </pc:sldMkLst>
-      </pc:sldChg>
-      <pc:sldChg chg="modSp add mod">
-        <pc:chgData name="Anatoliy Kigel" userId="7432c6c4687b0a9c" providerId="LiveId" clId="{D9F6D599-7765-4AB8-BF9D-2E745D075EEF}" dt="2021-10-04T10:50:58.173" v="107" actId="20577"/>
-        <pc:sldMkLst>
-          <pc:docMk/>
-          <pc:sldMk cId="3833071631" sldId="532"/>
-        </pc:sldMkLst>
-        <pc:spChg chg="mod">
-          <ac:chgData name="Anatoliy Kigel" userId="7432c6c4687b0a9c" providerId="LiveId" clId="{D9F6D599-7765-4AB8-BF9D-2E745D075EEF}" dt="2021-10-04T10:50:58.173" v="107" actId="20577"/>
-          <ac:spMkLst>
-            <pc:docMk/>
-            <pc:sldMk cId="3833071631" sldId="532"/>
-            <ac:spMk id="5" creationId="{00000000-0000-0000-0000-000000000000}"/>
-          </ac:spMkLst>
-        </pc:spChg>
-      </pc:sldChg>
-      <pc:sldChg chg="add del">
-        <pc:chgData name="Anatoliy Kigel" userId="7432c6c4687b0a9c" providerId="LiveId" clId="{D9F6D599-7765-4AB8-BF9D-2E745D075EEF}" dt="2021-10-05T06:31:49.556" v="189" actId="47"/>
-        <pc:sldMkLst>
-          <pc:docMk/>
-          <pc:sldMk cId="1423033833" sldId="536"/>
-        </pc:sldMkLst>
-      </pc:sldChg>
-      <pc:sldChg chg="add del">
-        <pc:chgData name="Anatoliy Kigel" userId="7432c6c4687b0a9c" providerId="LiveId" clId="{D9F6D599-7765-4AB8-BF9D-2E745D075EEF}" dt="2021-10-04T10:51:36.463" v="111" actId="2696"/>
-        <pc:sldMkLst>
-          <pc:docMk/>
-          <pc:sldMk cId="1773794365" sldId="536"/>
-        </pc:sldMkLst>
-      </pc:sldChg>
-      <pc:sldChg chg="add del">
-        <pc:chgData name="Anatoliy Kigel" userId="7432c6c4687b0a9c" providerId="LiveId" clId="{D9F6D599-7765-4AB8-BF9D-2E745D075EEF}" dt="2021-10-05T06:29:11.024" v="187" actId="2696"/>
-        <pc:sldMkLst>
-          <pc:docMk/>
-          <pc:sldMk cId="3847868038" sldId="536"/>
-        </pc:sldMkLst>
-      </pc:sldChg>
-      <pc:sldChg chg="add del">
-        <pc:chgData name="Anatoliy Kigel" userId="7432c6c4687b0a9c" providerId="LiveId" clId="{D9F6D599-7765-4AB8-BF9D-2E745D075EEF}" dt="2021-10-05T06:31:49.556" v="189" actId="47"/>
-        <pc:sldMkLst>
-          <pc:docMk/>
-          <pc:sldMk cId="585866156" sldId="537"/>
-        </pc:sldMkLst>
-      </pc:sldChg>
-      <pc:sldChg chg="delSp modSp add del mod">
-        <pc:chgData name="Anatoliy Kigel" userId="7432c6c4687b0a9c" providerId="LiveId" clId="{D9F6D599-7765-4AB8-BF9D-2E745D075EEF}" dt="2021-10-05T06:29:11.024" v="187" actId="2696"/>
-        <pc:sldMkLst>
-          <pc:docMk/>
-          <pc:sldMk cId="1127815740" sldId="537"/>
-        </pc:sldMkLst>
-        <pc:spChg chg="del">
-          <ac:chgData name="Anatoliy Kigel" userId="7432c6c4687b0a9c" providerId="LiveId" clId="{D9F6D599-7765-4AB8-BF9D-2E745D075EEF}" dt="2021-10-04T10:52:21.438" v="115" actId="478"/>
-          <ac:spMkLst>
-            <pc:docMk/>
-            <pc:sldMk cId="1127815740" sldId="537"/>
-            <ac:spMk id="3" creationId="{00000000-0000-0000-0000-000000000000}"/>
-          </ac:spMkLst>
-        </pc:spChg>
-        <pc:spChg chg="mod">
-          <ac:chgData name="Anatoliy Kigel" userId="7432c6c4687b0a9c" providerId="LiveId" clId="{D9F6D599-7765-4AB8-BF9D-2E745D075EEF}" dt="2021-10-04T10:52:26.458" v="150" actId="1036"/>
-          <ac:spMkLst>
-            <pc:docMk/>
-            <pc:sldMk cId="1127815740" sldId="537"/>
-            <ac:spMk id="4" creationId="{00000000-0000-0000-0000-000000000000}"/>
-          </ac:spMkLst>
-        </pc:spChg>
-        <pc:spChg chg="del">
-          <ac:chgData name="Anatoliy Kigel" userId="7432c6c4687b0a9c" providerId="LiveId" clId="{D9F6D599-7765-4AB8-BF9D-2E745D075EEF}" dt="2021-10-04T10:52:20.228" v="114" actId="478"/>
-          <ac:spMkLst>
-            <pc:docMk/>
-            <pc:sldMk cId="1127815740" sldId="537"/>
-            <ac:spMk id="5" creationId="{00000000-0000-0000-0000-000000000000}"/>
-          </ac:spMkLst>
-        </pc:spChg>
-        <pc:spChg chg="mod">
-          <ac:chgData name="Anatoliy Kigel" userId="7432c6c4687b0a9c" providerId="LiveId" clId="{D9F6D599-7765-4AB8-BF9D-2E745D075EEF}" dt="2021-10-04T10:52:23.155" v="126" actId="1036"/>
-          <ac:spMkLst>
-            <pc:docMk/>
-            <pc:sldMk cId="1127815740" sldId="537"/>
-            <ac:spMk id="7" creationId="{00000000-0000-0000-0000-000000000000}"/>
-          </ac:spMkLst>
-        </pc:spChg>
-        <pc:picChg chg="mod">
-          <ac:chgData name="Anatoliy Kigel" userId="7432c6c4687b0a9c" providerId="LiveId" clId="{D9F6D599-7765-4AB8-BF9D-2E745D075EEF}" dt="2021-10-04T10:52:24.937" v="142" actId="1035"/>
-          <ac:picMkLst>
-            <pc:docMk/>
-            <pc:sldMk cId="1127815740" sldId="537"/>
-            <ac:picMk id="2" creationId="{00000000-0000-0000-0000-000000000000}"/>
-          </ac:picMkLst>
-        </pc:picChg>
-      </pc:sldChg>
-      <pc:sldChg chg="add del">
-        <pc:chgData name="Anatoliy Kigel" userId="7432c6c4687b0a9c" providerId="LiveId" clId="{D9F6D599-7765-4AB8-BF9D-2E745D075EEF}" dt="2021-10-04T10:51:36.463" v="111" actId="2696"/>
-        <pc:sldMkLst>
-          <pc:docMk/>
-          <pc:sldMk cId="4002966659" sldId="537"/>
-        </pc:sldMkLst>
-      </pc:sldChg>
-      <pc:sldChg chg="add del">
-        <pc:chgData name="Anatoliy Kigel" userId="7432c6c4687b0a9c" providerId="LiveId" clId="{D9F6D599-7765-4AB8-BF9D-2E745D075EEF}" dt="2021-10-04T10:51:36.463" v="111" actId="2696"/>
-        <pc:sldMkLst>
-          <pc:docMk/>
-          <pc:sldMk cId="876966440" sldId="538"/>
-        </pc:sldMkLst>
-      </pc:sldChg>
-      <pc:sldChg chg="add del">
-        <pc:chgData name="Anatoliy Kigel" userId="7432c6c4687b0a9c" providerId="LiveId" clId="{D9F6D599-7765-4AB8-BF9D-2E745D075EEF}" dt="2021-10-05T06:29:11.024" v="187" actId="2696"/>
-        <pc:sldMkLst>
-          <pc:docMk/>
-          <pc:sldMk cId="1450090998" sldId="538"/>
-        </pc:sldMkLst>
-      </pc:sldChg>
-      <pc:sldChg chg="add del">
-        <pc:chgData name="Anatoliy Kigel" userId="7432c6c4687b0a9c" providerId="LiveId" clId="{D9F6D599-7765-4AB8-BF9D-2E745D075EEF}" dt="2021-10-05T06:31:49.556" v="189" actId="47"/>
-        <pc:sldMkLst>
-          <pc:docMk/>
-          <pc:sldMk cId="1711511255" sldId="538"/>
-        </pc:sldMkLst>
-      </pc:sldChg>
-      <pc:sldChg chg="add del">
-        <pc:chgData name="Anatoliy Kigel" userId="7432c6c4687b0a9c" providerId="LiveId" clId="{D9F6D599-7765-4AB8-BF9D-2E745D075EEF}" dt="2021-10-05T06:31:59.605" v="190" actId="47"/>
-        <pc:sldMkLst>
-          <pc:docMk/>
-          <pc:sldMk cId="771856657" sldId="539"/>
-        </pc:sldMkLst>
-      </pc:sldChg>
-      <pc:sldChg chg="add del">
-        <pc:chgData name="Anatoliy Kigel" userId="7432c6c4687b0a9c" providerId="LiveId" clId="{D9F6D599-7765-4AB8-BF9D-2E745D075EEF}" dt="2021-10-05T06:29:11.024" v="187" actId="2696"/>
-        <pc:sldMkLst>
-          <pc:docMk/>
-          <pc:sldMk cId="2719446090" sldId="539"/>
-        </pc:sldMkLst>
-      </pc:sldChg>
-      <pc:sldChg chg="add del">
-        <pc:chgData name="Anatoliy Kigel" userId="7432c6c4687b0a9c" providerId="LiveId" clId="{D9F6D599-7765-4AB8-BF9D-2E745D075EEF}" dt="2021-10-04T10:51:36.463" v="111" actId="2696"/>
-        <pc:sldMkLst>
-          <pc:docMk/>
-          <pc:sldMk cId="3660807912" sldId="539"/>
-        </pc:sldMkLst>
-      </pc:sldChg>
-      <pc:sldChg chg="add del">
-        <pc:chgData name="Anatoliy Kigel" userId="7432c6c4687b0a9c" providerId="LiveId" clId="{D9F6D599-7765-4AB8-BF9D-2E745D075EEF}" dt="2021-10-04T10:51:36.463" v="111" actId="2696"/>
-        <pc:sldMkLst>
-          <pc:docMk/>
-          <pc:sldMk cId="375144151" sldId="540"/>
-        </pc:sldMkLst>
-      </pc:sldChg>
-      <pc:sldChg chg="add del">
-        <pc:chgData name="Anatoliy Kigel" userId="7432c6c4687b0a9c" providerId="LiveId" clId="{D9F6D599-7765-4AB8-BF9D-2E745D075EEF}" dt="2021-10-05T06:29:11.024" v="187" actId="2696"/>
-        <pc:sldMkLst>
-          <pc:docMk/>
-          <pc:sldMk cId="3256975443" sldId="540"/>
-        </pc:sldMkLst>
-      </pc:sldChg>
-      <pc:sldChg chg="add del">
-        <pc:chgData name="Anatoliy Kigel" userId="7432c6c4687b0a9c" providerId="LiveId" clId="{D9F6D599-7765-4AB8-BF9D-2E745D075EEF}" dt="2021-10-05T06:31:59.605" v="190" actId="47"/>
-        <pc:sldMkLst>
-          <pc:docMk/>
-          <pc:sldMk cId="3702945354" sldId="540"/>
-        </pc:sldMkLst>
-      </pc:sldChg>
-      <pc:sldChg chg="add del">
-        <pc:chgData name="Anatoliy Kigel" userId="7432c6c4687b0a9c" providerId="LiveId" clId="{D9F6D599-7765-4AB8-BF9D-2E745D075EEF}" dt="2021-10-05T06:33:12.046" v="196" actId="47"/>
-        <pc:sldMkLst>
-          <pc:docMk/>
-          <pc:sldMk cId="3339096667" sldId="541"/>
-        </pc:sldMkLst>
-      </pc:sldChg>
-      <pc:sldChg chg="add del">
-        <pc:chgData name="Anatoliy Kigel" userId="7432c6c4687b0a9c" providerId="LiveId" clId="{D9F6D599-7765-4AB8-BF9D-2E745D075EEF}" dt="2021-10-05T06:33:12.046" v="196" actId="47"/>
-        <pc:sldMkLst>
-          <pc:docMk/>
-          <pc:sldMk cId="595667550" sldId="543"/>
-        </pc:sldMkLst>
-      </pc:sldChg>
-      <pc:sldChg chg="add del">
-        <pc:chgData name="Anatoliy Kigel" userId="7432c6c4687b0a9c" providerId="LiveId" clId="{D9F6D599-7765-4AB8-BF9D-2E745D075EEF}" dt="2021-10-05T06:33:12.046" v="196" actId="47"/>
-        <pc:sldMkLst>
-          <pc:docMk/>
-          <pc:sldMk cId="936054178" sldId="544"/>
-        </pc:sldMkLst>
-      </pc:sldChg>
-      <pc:sldChg chg="add del">
-        <pc:chgData name="Anatoliy Kigel" userId="7432c6c4687b0a9c" providerId="LiveId" clId="{D9F6D599-7765-4AB8-BF9D-2E745D075EEF}" dt="2021-10-05T06:33:00.612" v="193" actId="47"/>
-        <pc:sldMkLst>
-          <pc:docMk/>
-          <pc:sldMk cId="3129038092" sldId="549"/>
-        </pc:sldMkLst>
-      </pc:sldChg>
-      <pc:sldChg chg="add del">
-        <pc:chgData name="Anatoliy Kigel" userId="7432c6c4687b0a9c" providerId="LiveId" clId="{D9F6D599-7765-4AB8-BF9D-2E745D075EEF}" dt="2021-10-05T06:33:02.216" v="194" actId="47"/>
-        <pc:sldMkLst>
-          <pc:docMk/>
-          <pc:sldMk cId="437550807" sldId="550"/>
-        </pc:sldMkLst>
-      </pc:sldChg>
-      <pc:sldChg chg="add del">
-        <pc:chgData name="Anatoliy Kigel" userId="7432c6c4687b0a9c" providerId="LiveId" clId="{D9F6D599-7765-4AB8-BF9D-2E745D075EEF}" dt="2021-10-05T06:33:05.094" v="195" actId="47"/>
-        <pc:sldMkLst>
-          <pc:docMk/>
-          <pc:sldMk cId="23627595" sldId="551"/>
-        </pc:sldMkLst>
-      </pc:sldChg>
-      <pc:sldChg chg="add del">
-        <pc:chgData name="Anatoliy Kigel" userId="7432c6c4687b0a9c" providerId="LiveId" clId="{D9F6D599-7765-4AB8-BF9D-2E745D075EEF}" dt="2021-10-05T06:33:12.046" v="196" actId="47"/>
-        <pc:sldMkLst>
-          <pc:docMk/>
-          <pc:sldMk cId="655616547" sldId="553"/>
-        </pc:sldMkLst>
-      </pc:sldChg>
-      <pc:sldChg chg="add del">
-        <pc:chgData name="Anatoliy Kigel" userId="7432c6c4687b0a9c" providerId="LiveId" clId="{D9F6D599-7765-4AB8-BF9D-2E745D075EEF}" dt="2021-10-05T06:33:12.046" v="196" actId="47"/>
-        <pc:sldMkLst>
-          <pc:docMk/>
-          <pc:sldMk cId="1830443527" sldId="566"/>
-        </pc:sldMkLst>
-      </pc:sldChg>
-      <pc:sldChg chg="add del">
-        <pc:chgData name="Anatoliy Kigel" userId="7432c6c4687b0a9c" providerId="LiveId" clId="{D9F6D599-7765-4AB8-BF9D-2E745D075EEF}" dt="2021-10-05T06:33:12.046" v="196" actId="47"/>
-        <pc:sldMkLst>
-          <pc:docMk/>
-          <pc:sldMk cId="610726438" sldId="567"/>
-        </pc:sldMkLst>
-      </pc:sldChg>
-      <pc:sldChg chg="add del">
-        <pc:chgData name="Anatoliy Kigel" userId="7432c6c4687b0a9c" providerId="LiveId" clId="{D9F6D599-7765-4AB8-BF9D-2E745D075EEF}" dt="2021-10-05T06:33:12.046" v="196" actId="47"/>
-        <pc:sldMkLst>
-          <pc:docMk/>
-          <pc:sldMk cId="3246218092" sldId="568"/>
-        </pc:sldMkLst>
-      </pc:sldChg>
-      <pc:sldChg chg="add del">
-        <pc:chgData name="Anatoliy Kigel" userId="7432c6c4687b0a9c" providerId="LiveId" clId="{D9F6D599-7765-4AB8-BF9D-2E745D075EEF}" dt="2021-10-05T06:33:12.046" v="196" actId="47"/>
-        <pc:sldMkLst>
-          <pc:docMk/>
-          <pc:sldMk cId="758987009" sldId="569"/>
-        </pc:sldMkLst>
-      </pc:sldChg>
-      <pc:sldChg chg="modSp add mod ord">
-        <pc:chgData name="Anatoliy Kigel" userId="7432c6c4687b0a9c" providerId="LiveId" clId="{D9F6D599-7765-4AB8-BF9D-2E745D075EEF}" dt="2021-10-04T10:39:11.124" v="53" actId="20577"/>
-        <pc:sldMkLst>
-          <pc:docMk/>
-          <pc:sldMk cId="929853218" sldId="570"/>
-        </pc:sldMkLst>
-        <pc:spChg chg="mod">
-          <ac:chgData name="Anatoliy Kigel" userId="7432c6c4687b0a9c" providerId="LiveId" clId="{D9F6D599-7765-4AB8-BF9D-2E745D075EEF}" dt="2021-10-04T10:39:11.124" v="53" actId="20577"/>
-          <ac:spMkLst>
-            <pc:docMk/>
-            <pc:sldMk cId="929853218" sldId="570"/>
-            <ac:spMk id="5" creationId="{00000000-0000-0000-0000-000000000000}"/>
-          </ac:spMkLst>
-        </pc:spChg>
-      </pc:sldChg>
-      <pc:sldChg chg="add">
-        <pc:chgData name="Anatoliy Kigel" userId="7432c6c4687b0a9c" providerId="LiveId" clId="{D9F6D599-7765-4AB8-BF9D-2E745D075EEF}" dt="2021-10-04T10:29:09.161" v="15"/>
-        <pc:sldMkLst>
-          <pc:docMk/>
-          <pc:sldMk cId="3367502789" sldId="571"/>
-        </pc:sldMkLst>
-      </pc:sldChg>
-      <pc:sldChg chg="modSp add mod">
-        <pc:chgData name="Anatoliy Kigel" userId="7432c6c4687b0a9c" providerId="LiveId" clId="{D9F6D599-7765-4AB8-BF9D-2E745D075EEF}" dt="2021-10-05T06:23:05.495" v="175" actId="14100"/>
-        <pc:sldMkLst>
-          <pc:docMk/>
-          <pc:sldMk cId="1829108304" sldId="572"/>
-        </pc:sldMkLst>
-        <pc:spChg chg="mod">
-          <ac:chgData name="Anatoliy Kigel" userId="7432c6c4687b0a9c" providerId="LiveId" clId="{D9F6D599-7765-4AB8-BF9D-2E745D075EEF}" dt="2021-10-05T06:23:05.495" v="175" actId="14100"/>
-          <ac:spMkLst>
-            <pc:docMk/>
-            <pc:sldMk cId="1829108304" sldId="572"/>
-            <ac:spMk id="3" creationId="{00000000-0000-0000-0000-000000000000}"/>
-          </ac:spMkLst>
-        </pc:spChg>
-        <pc:spChg chg="mod">
-          <ac:chgData name="Anatoliy Kigel" userId="7432c6c4687b0a9c" providerId="LiveId" clId="{D9F6D599-7765-4AB8-BF9D-2E745D075EEF}" dt="2021-10-04T10:39:57.878" v="100" actId="14100"/>
-          <ac:spMkLst>
-            <pc:docMk/>
-            <pc:sldMk cId="1829108304" sldId="572"/>
-            <ac:spMk id="7" creationId="{00000000-0000-0000-0000-000000000000}"/>
-          </ac:spMkLst>
-        </pc:spChg>
-      </pc:sldChg>
-      <pc:sldChg chg="modSp add mod">
-        <pc:chgData name="Anatoliy Kigel" userId="7432c6c4687b0a9c" providerId="LiveId" clId="{D9F6D599-7765-4AB8-BF9D-2E745D075EEF}" dt="2021-10-04T10:40:31.933" v="102" actId="1035"/>
-        <pc:sldMkLst>
-          <pc:docMk/>
-          <pc:sldMk cId="1948064184" sldId="573"/>
-        </pc:sldMkLst>
-        <pc:spChg chg="mod">
-          <ac:chgData name="Anatoliy Kigel" userId="7432c6c4687b0a9c" providerId="LiveId" clId="{D9F6D599-7765-4AB8-BF9D-2E745D075EEF}" dt="2021-10-04T10:40:31.933" v="102" actId="1035"/>
-          <ac:spMkLst>
-            <pc:docMk/>
-            <pc:sldMk cId="1948064184" sldId="573"/>
-            <ac:spMk id="8" creationId="{00000000-0000-0000-0000-000000000000}"/>
-          </ac:spMkLst>
-        </pc:spChg>
-      </pc:sldChg>
-      <pc:sldChg chg="modSp add mod">
-        <pc:chgData name="Anatoliy Kigel" userId="7432c6c4687b0a9c" providerId="LiveId" clId="{D9F6D599-7765-4AB8-BF9D-2E745D075EEF}" dt="2021-10-05T06:28:29.567" v="183" actId="20577"/>
-        <pc:sldMkLst>
-          <pc:docMk/>
-          <pc:sldMk cId="4249968979" sldId="574"/>
-        </pc:sldMkLst>
-        <pc:spChg chg="mod">
-          <ac:chgData name="Anatoliy Kigel" userId="7432c6c4687b0a9c" providerId="LiveId" clId="{D9F6D599-7765-4AB8-BF9D-2E745D075EEF}" dt="2021-10-05T06:28:29.567" v="183" actId="20577"/>
-          <ac:spMkLst>
-            <pc:docMk/>
-            <pc:sldMk cId="4249968979" sldId="574"/>
-            <ac:spMk id="5" creationId="{00000000-0000-0000-0000-000000000000}"/>
-          </ac:spMkLst>
-        </pc:spChg>
-      </pc:sldChg>
-      <pc:sldChg chg="add">
-        <pc:chgData name="Anatoliy Kigel" userId="7432c6c4687b0a9c" providerId="LiveId" clId="{D9F6D599-7765-4AB8-BF9D-2E745D075EEF}" dt="2021-10-04T10:51:14.788" v="108"/>
-        <pc:sldMkLst>
-          <pc:docMk/>
-          <pc:sldMk cId="3045335102" sldId="575"/>
-        </pc:sldMkLst>
-      </pc:sldChg>
-      <pc:sldChg chg="add">
-        <pc:chgData name="Anatoliy Kigel" userId="7432c6c4687b0a9c" providerId="LiveId" clId="{D9F6D599-7765-4AB8-BF9D-2E745D075EEF}" dt="2021-10-04T10:51:14.788" v="108"/>
-        <pc:sldMkLst>
-          <pc:docMk/>
-          <pc:sldMk cId="1451308632" sldId="576"/>
-        </pc:sldMkLst>
-      </pc:sldChg>
-      <pc:sldChg chg="add">
-        <pc:chgData name="Anatoliy Kigel" userId="7432c6c4687b0a9c" providerId="LiveId" clId="{D9F6D599-7765-4AB8-BF9D-2E745D075EEF}" dt="2021-10-04T10:51:14.788" v="108"/>
-        <pc:sldMkLst>
-          <pc:docMk/>
-          <pc:sldMk cId="2071329461" sldId="577"/>
-        </pc:sldMkLst>
-      </pc:sldChg>
-      <pc:sldChg chg="add">
-        <pc:chgData name="Anatoliy Kigel" userId="7432c6c4687b0a9c" providerId="LiveId" clId="{D9F6D599-7765-4AB8-BF9D-2E745D075EEF}" dt="2021-10-05T06:28:52.499" v="185"/>
-        <pc:sldMkLst>
-          <pc:docMk/>
-          <pc:sldMk cId="2827328487" sldId="578"/>
-        </pc:sldMkLst>
-      </pc:sldChg>
-      <pc:sldChg chg="add del">
-        <pc:chgData name="Anatoliy Kigel" userId="7432c6c4687b0a9c" providerId="LiveId" clId="{D9F6D599-7765-4AB8-BF9D-2E745D075EEF}" dt="2021-10-05T06:28:46.803" v="184" actId="2696"/>
-        <pc:sldMkLst>
-          <pc:docMk/>
-          <pc:sldMk cId="4011968575" sldId="578"/>
-        </pc:sldMkLst>
-      </pc:sldChg>
-      <pc:sldChg chg="add">
-        <pc:chgData name="Anatoliy Kigel" userId="7432c6c4687b0a9c" providerId="LiveId" clId="{D9F6D599-7765-4AB8-BF9D-2E745D075EEF}" dt="2021-10-05T06:32:38.313" v="191"/>
-        <pc:sldMkLst>
-          <pc:docMk/>
-          <pc:sldMk cId="2255056638" sldId="583"/>
-        </pc:sldMkLst>
-      </pc:sldChg>
-      <pc:sldChg chg="modSp add mod">
-        <pc:chgData name="Anatoliy Kigel" userId="7432c6c4687b0a9c" providerId="LiveId" clId="{D9F6D599-7765-4AB8-BF9D-2E745D075EEF}" dt="2021-10-05T06:47:33.900" v="574" actId="113"/>
-        <pc:sldMkLst>
-          <pc:docMk/>
-          <pc:sldMk cId="452571319" sldId="584"/>
-        </pc:sldMkLst>
-        <pc:spChg chg="mod">
-          <ac:chgData name="Anatoliy Kigel" userId="7432c6c4687b0a9c" providerId="LiveId" clId="{D9F6D599-7765-4AB8-BF9D-2E745D075EEF}" dt="2021-10-05T06:47:33.900" v="574" actId="113"/>
-          <ac:spMkLst>
-            <pc:docMk/>
-            <pc:sldMk cId="452571319" sldId="584"/>
-            <ac:spMk id="7" creationId="{00000000-0000-0000-0000-000000000000}"/>
-          </ac:spMkLst>
-        </pc:spChg>
-      </pc:sldChg>
-    </pc:docChg>
-  </pc:docChgLst>
-  <pc:docChgLst>
-    <pc:chgData name="Anatoliy Kigel" userId="7432c6c4687b0a9c" providerId="LiveId" clId="{7A91C555-A7C1-4A8D-86B6-B660AC4426BD}"/>
-    <pc:docChg chg="custSel delSld modSld">
-      <pc:chgData name="Anatoliy Kigel" userId="7432c6c4687b0a9c" providerId="LiveId" clId="{7A91C555-A7C1-4A8D-86B6-B660AC4426BD}" dt="2023-05-17T17:29:26.411" v="139" actId="1036"/>
-      <pc:docMkLst>
-        <pc:docMk/>
-      </pc:docMkLst>
-      <pc:sldChg chg="del">
-        <pc:chgData name="Anatoliy Kigel" userId="7432c6c4687b0a9c" providerId="LiveId" clId="{7A91C555-A7C1-4A8D-86B6-B660AC4426BD}" dt="2023-05-17T17:22:31.938" v="76" actId="47"/>
-        <pc:sldMkLst>
-          <pc:docMk/>
-          <pc:sldMk cId="2636876839" sldId="364"/>
-        </pc:sldMkLst>
-      </pc:sldChg>
-      <pc:sldChg chg="del">
-        <pc:chgData name="Anatoliy Kigel" userId="7432c6c4687b0a9c" providerId="LiveId" clId="{7A91C555-A7C1-4A8D-86B6-B660AC4426BD}" dt="2023-05-17T17:21:27.406" v="75" actId="47"/>
-        <pc:sldMkLst>
-          <pc:docMk/>
-          <pc:sldMk cId="2214832522" sldId="400"/>
-        </pc:sldMkLst>
-      </pc:sldChg>
-      <pc:sldChg chg="modSp mod">
-        <pc:chgData name="Anatoliy Kigel" userId="7432c6c4687b0a9c" providerId="LiveId" clId="{7A91C555-A7C1-4A8D-86B6-B660AC4426BD}" dt="2023-05-17T17:26:10.289" v="115" actId="1076"/>
-        <pc:sldMkLst>
-          <pc:docMk/>
-          <pc:sldMk cId="1547769373" sldId="411"/>
-        </pc:sldMkLst>
-        <pc:spChg chg="mod">
-          <ac:chgData name="Anatoliy Kigel" userId="7432c6c4687b0a9c" providerId="LiveId" clId="{7A91C555-A7C1-4A8D-86B6-B660AC4426BD}" dt="2023-05-17T17:26:10.289" v="115" actId="1076"/>
-          <ac:spMkLst>
-            <pc:docMk/>
-            <pc:sldMk cId="1547769373" sldId="411"/>
-            <ac:spMk id="5" creationId="{00000000-0000-0000-0000-000000000000}"/>
-          </ac:spMkLst>
-        </pc:spChg>
-      </pc:sldChg>
-      <pc:sldChg chg="del">
-        <pc:chgData name="Anatoliy Kigel" userId="7432c6c4687b0a9c" providerId="LiveId" clId="{7A91C555-A7C1-4A8D-86B6-B660AC4426BD}" dt="2023-05-17T17:22:31.938" v="76" actId="47"/>
-        <pc:sldMkLst>
-          <pc:docMk/>
-          <pc:sldMk cId="555069178" sldId="412"/>
-        </pc:sldMkLst>
-      </pc:sldChg>
-      <pc:sldChg chg="del">
-        <pc:chgData name="Anatoliy Kigel" userId="7432c6c4687b0a9c" providerId="LiveId" clId="{7A91C555-A7C1-4A8D-86B6-B660AC4426BD}" dt="2023-05-17T17:22:31.938" v="76" actId="47"/>
-        <pc:sldMkLst>
-          <pc:docMk/>
-          <pc:sldMk cId="130869874" sldId="422"/>
-        </pc:sldMkLst>
-      </pc:sldChg>
-      <pc:sldChg chg="modSp mod">
-        <pc:chgData name="Anatoliy Kigel" userId="7432c6c4687b0a9c" providerId="LiveId" clId="{7A91C555-A7C1-4A8D-86B6-B660AC4426BD}" dt="2023-05-17T17:29:26.411" v="139" actId="1036"/>
-        <pc:sldMkLst>
-          <pc:docMk/>
-          <pc:sldMk cId="2597500872" sldId="424"/>
-        </pc:sldMkLst>
-        <pc:spChg chg="mod">
-          <ac:chgData name="Anatoliy Kigel" userId="7432c6c4687b0a9c" providerId="LiveId" clId="{7A91C555-A7C1-4A8D-86B6-B660AC4426BD}" dt="2023-05-17T17:29:26.411" v="139" actId="1036"/>
-          <ac:spMkLst>
-            <pc:docMk/>
-            <pc:sldMk cId="2597500872" sldId="424"/>
-            <ac:spMk id="16" creationId="{00000000-0000-0000-0000-000000000000}"/>
-          </ac:spMkLst>
-        </pc:spChg>
-        <pc:picChg chg="mod">
-          <ac:chgData name="Anatoliy Kigel" userId="7432c6c4687b0a9c" providerId="LiveId" clId="{7A91C555-A7C1-4A8D-86B6-B660AC4426BD}" dt="2023-05-17T17:29:25.221" v="138" actId="14100"/>
-          <ac:picMkLst>
-            <pc:docMk/>
-            <pc:sldMk cId="2597500872" sldId="424"/>
-            <ac:picMk id="4" creationId="{00000000-0000-0000-0000-000000000000}"/>
-          </ac:picMkLst>
-        </pc:picChg>
-      </pc:sldChg>
-      <pc:sldChg chg="del">
-        <pc:chgData name="Anatoliy Kigel" userId="7432c6c4687b0a9c" providerId="LiveId" clId="{7A91C555-A7C1-4A8D-86B6-B660AC4426BD}" dt="2023-05-17T17:21:27.406" v="75" actId="47"/>
-        <pc:sldMkLst>
-          <pc:docMk/>
-          <pc:sldMk cId="3227964026" sldId="429"/>
-        </pc:sldMkLst>
-      </pc:sldChg>
-      <pc:sldChg chg="del">
-        <pc:chgData name="Anatoliy Kigel" userId="7432c6c4687b0a9c" providerId="LiveId" clId="{7A91C555-A7C1-4A8D-86B6-B660AC4426BD}" dt="2023-05-17T17:22:31.938" v="76" actId="47"/>
-        <pc:sldMkLst>
-          <pc:docMk/>
-          <pc:sldMk cId="1761389608" sldId="432"/>
-        </pc:sldMkLst>
-      </pc:sldChg>
-      <pc:sldChg chg="modSp mod">
-        <pc:chgData name="Anatoliy Kigel" userId="7432c6c4687b0a9c" providerId="LiveId" clId="{7A91C555-A7C1-4A8D-86B6-B660AC4426BD}" dt="2023-05-17T17:28:23.018" v="136" actId="1036"/>
-        <pc:sldMkLst>
-          <pc:docMk/>
-          <pc:sldMk cId="1072141460" sldId="434"/>
-        </pc:sldMkLst>
-        <pc:spChg chg="mod">
-          <ac:chgData name="Anatoliy Kigel" userId="7432c6c4687b0a9c" providerId="LiveId" clId="{7A91C555-A7C1-4A8D-86B6-B660AC4426BD}" dt="2023-05-17T17:28:22.394" v="135" actId="1036"/>
-          <ac:spMkLst>
-            <pc:docMk/>
-            <pc:sldMk cId="1072141460" sldId="434"/>
-            <ac:spMk id="2" creationId="{00000000-0000-0000-0000-000000000000}"/>
-          </ac:spMkLst>
-        </pc:spChg>
-        <pc:spChg chg="mod">
-          <ac:chgData name="Anatoliy Kigel" userId="7432c6c4687b0a9c" providerId="LiveId" clId="{7A91C555-A7C1-4A8D-86B6-B660AC4426BD}" dt="2023-05-17T17:28:17.867" v="131" actId="20577"/>
-          <ac:spMkLst>
-            <pc:docMk/>
-            <pc:sldMk cId="1072141460" sldId="434"/>
-            <ac:spMk id="5" creationId="{00000000-0000-0000-0000-000000000000}"/>
-          </ac:spMkLst>
-        </pc:spChg>
-        <pc:picChg chg="mod">
-          <ac:chgData name="Anatoliy Kigel" userId="7432c6c4687b0a9c" providerId="LiveId" clId="{7A91C555-A7C1-4A8D-86B6-B660AC4426BD}" dt="2023-05-17T17:28:23.018" v="136" actId="1036"/>
-          <ac:picMkLst>
-            <pc:docMk/>
-            <pc:sldMk cId="1072141460" sldId="434"/>
-            <ac:picMk id="3076" creationId="{00000000-0000-0000-0000-000000000000}"/>
-          </ac:picMkLst>
-        </pc:picChg>
-      </pc:sldChg>
-      <pc:sldChg chg="delSp modSp mod">
-        <pc:chgData name="Anatoliy Kigel" userId="7432c6c4687b0a9c" providerId="LiveId" clId="{7A91C555-A7C1-4A8D-86B6-B660AC4426BD}" dt="2023-05-17T17:24:28.221" v="102" actId="1036"/>
-        <pc:sldMkLst>
-          <pc:docMk/>
-          <pc:sldMk cId="3392204688" sldId="435"/>
-        </pc:sldMkLst>
-        <pc:spChg chg="mod">
-          <ac:chgData name="Anatoliy Kigel" userId="7432c6c4687b0a9c" providerId="LiveId" clId="{7A91C555-A7C1-4A8D-86B6-B660AC4426BD}" dt="2023-05-17T17:24:28.221" v="102" actId="1036"/>
-          <ac:spMkLst>
-            <pc:docMk/>
-            <pc:sldMk cId="3392204688" sldId="435"/>
-            <ac:spMk id="3" creationId="{00000000-0000-0000-0000-000000000000}"/>
-          </ac:spMkLst>
-        </pc:spChg>
-        <pc:spChg chg="mod">
-          <ac:chgData name="Anatoliy Kigel" userId="7432c6c4687b0a9c" providerId="LiveId" clId="{7A91C555-A7C1-4A8D-86B6-B660AC4426BD}" dt="2023-05-17T17:24:25.051" v="99" actId="1036"/>
-          <ac:spMkLst>
-            <pc:docMk/>
-            <pc:sldMk cId="3392204688" sldId="435"/>
-            <ac:spMk id="5" creationId="{00000000-0000-0000-0000-000000000000}"/>
-          </ac:spMkLst>
-        </pc:spChg>
-        <pc:spChg chg="mod">
-          <ac:chgData name="Anatoliy Kigel" userId="7432c6c4687b0a9c" providerId="LiveId" clId="{7A91C555-A7C1-4A8D-86B6-B660AC4426BD}" dt="2023-05-17T17:24:25.051" v="99" actId="1036"/>
-          <ac:spMkLst>
-            <pc:docMk/>
-            <pc:sldMk cId="3392204688" sldId="435"/>
-            <ac:spMk id="7" creationId="{00000000-0000-0000-0000-000000000000}"/>
-          </ac:spMkLst>
-        </pc:spChg>
-        <pc:spChg chg="del">
-          <ac:chgData name="Anatoliy Kigel" userId="7432c6c4687b0a9c" providerId="LiveId" clId="{7A91C555-A7C1-4A8D-86B6-B660AC4426BD}" dt="2023-05-17T17:24:21.930" v="93" actId="478"/>
-          <ac:spMkLst>
-            <pc:docMk/>
-            <pc:sldMk cId="3392204688" sldId="435"/>
-            <ac:spMk id="9" creationId="{00000000-0000-0000-0000-000000000000}"/>
-          </ac:spMkLst>
-        </pc:spChg>
-        <pc:spChg chg="mod">
-          <ac:chgData name="Anatoliy Kigel" userId="7432c6c4687b0a9c" providerId="LiveId" clId="{7A91C555-A7C1-4A8D-86B6-B660AC4426BD}" dt="2023-05-17T17:24:25.051" v="99" actId="1036"/>
-          <ac:spMkLst>
-            <pc:docMk/>
-            <pc:sldMk cId="3392204688" sldId="435"/>
-            <ac:spMk id="10" creationId="{00000000-0000-0000-0000-000000000000}"/>
-          </ac:spMkLst>
-        </pc:spChg>
-        <pc:spChg chg="del">
-          <ac:chgData name="Anatoliy Kigel" userId="7432c6c4687b0a9c" providerId="LiveId" clId="{7A91C555-A7C1-4A8D-86B6-B660AC4426BD}" dt="2023-05-17T17:24:05.939" v="82" actId="478"/>
-          <ac:spMkLst>
-            <pc:docMk/>
-            <pc:sldMk cId="3392204688" sldId="435"/>
-            <ac:spMk id="12" creationId="{00000000-0000-0000-0000-000000000000}"/>
-          </ac:spMkLst>
-        </pc:spChg>
-      </pc:sldChg>
-      <pc:sldChg chg="modSp mod">
-        <pc:chgData name="Anatoliy Kigel" userId="7432c6c4687b0a9c" providerId="LiveId" clId="{7A91C555-A7C1-4A8D-86B6-B660AC4426BD}" dt="2023-05-17T17:19:13.433" v="74" actId="20577"/>
-        <pc:sldMkLst>
-          <pc:docMk/>
-          <pc:sldMk cId="4102588272" sldId="441"/>
-        </pc:sldMkLst>
-        <pc:spChg chg="mod">
-          <ac:chgData name="Anatoliy Kigel" userId="7432c6c4687b0a9c" providerId="LiveId" clId="{7A91C555-A7C1-4A8D-86B6-B660AC4426BD}" dt="2023-05-17T17:19:13.433" v="74" actId="20577"/>
-          <ac:spMkLst>
-            <pc:docMk/>
-            <pc:sldMk cId="4102588272" sldId="441"/>
-            <ac:spMk id="9" creationId="{00000000-0000-0000-0000-000000000000}"/>
-          </ac:spMkLst>
-        </pc:spChg>
-      </pc:sldChg>
-      <pc:sldChg chg="addSp delSp modSp mod">
-        <pc:chgData name="Anatoliy Kigel" userId="7432c6c4687b0a9c" providerId="LiveId" clId="{7A91C555-A7C1-4A8D-86B6-B660AC4426BD}" dt="2023-05-17T17:28:06.023" v="126" actId="1076"/>
-        <pc:sldMkLst>
-          <pc:docMk/>
-          <pc:sldMk cId="3747052252" sldId="447"/>
-        </pc:sldMkLst>
-        <pc:spChg chg="del mod">
-          <ac:chgData name="Anatoliy Kigel" userId="7432c6c4687b0a9c" providerId="LiveId" clId="{7A91C555-A7C1-4A8D-86B6-B660AC4426BD}" dt="2023-05-17T17:26:50.514" v="120" actId="478"/>
-          <ac:spMkLst>
-            <pc:docMk/>
-            <pc:sldMk cId="3747052252" sldId="447"/>
-            <ac:spMk id="3" creationId="{00000000-0000-0000-0000-000000000000}"/>
-          </ac:spMkLst>
-        </pc:spChg>
-        <pc:picChg chg="add mod">
-          <ac:chgData name="Anatoliy Kigel" userId="7432c6c4687b0a9c" providerId="LiveId" clId="{7A91C555-A7C1-4A8D-86B6-B660AC4426BD}" dt="2023-05-17T17:28:06.023" v="126" actId="1076"/>
-          <ac:picMkLst>
-            <pc:docMk/>
-            <pc:sldMk cId="3747052252" sldId="447"/>
-            <ac:picMk id="1026" creationId="{F1148C48-EC4E-91BF-EDFF-AD4D16119484}"/>
-          </ac:picMkLst>
-        </pc:picChg>
-      </pc:sldChg>
-      <pc:sldChg chg="del">
-        <pc:chgData name="Anatoliy Kigel" userId="7432c6c4687b0a9c" providerId="LiveId" clId="{7A91C555-A7C1-4A8D-86B6-B660AC4426BD}" dt="2023-05-17T17:22:31.938" v="76" actId="47"/>
-        <pc:sldMkLst>
-          <pc:docMk/>
-          <pc:sldMk cId="3045335102" sldId="575"/>
-        </pc:sldMkLst>
-      </pc:sldChg>
-      <pc:sldChg chg="del">
-        <pc:chgData name="Anatoliy Kigel" userId="7432c6c4687b0a9c" providerId="LiveId" clId="{7A91C555-A7C1-4A8D-86B6-B660AC4426BD}" dt="2023-05-17T17:22:31.938" v="76" actId="47"/>
-        <pc:sldMkLst>
-          <pc:docMk/>
-          <pc:sldMk cId="1451308632" sldId="576"/>
-        </pc:sldMkLst>
-      </pc:sldChg>
-      <pc:sldChg chg="del">
-        <pc:chgData name="Anatoliy Kigel" userId="7432c6c4687b0a9c" providerId="LiveId" clId="{7A91C555-A7C1-4A8D-86B6-B660AC4426BD}" dt="2023-05-17T17:22:31.938" v="76" actId="47"/>
-        <pc:sldMkLst>
-          <pc:docMk/>
-          <pc:sldMk cId="2827328487" sldId="578"/>
-        </pc:sldMkLst>
-      </pc:sldChg>
-      <pc:sldChg chg="del">
-        <pc:chgData name="Anatoliy Kigel" userId="7432c6c4687b0a9c" providerId="LiveId" clId="{7A91C555-A7C1-4A8D-86B6-B660AC4426BD}" dt="2023-05-17T17:22:31.938" v="76" actId="47"/>
-        <pc:sldMkLst>
-          <pc:docMk/>
-          <pc:sldMk cId="755735449" sldId="583"/>
-        </pc:sldMkLst>
-      </pc:sldChg>
-      <pc:sldChg chg="del">
-        <pc:chgData name="Anatoliy Kigel" userId="7432c6c4687b0a9c" providerId="LiveId" clId="{7A91C555-A7C1-4A8D-86B6-B660AC4426BD}" dt="2023-05-17T17:28:14.135" v="127" actId="47"/>
-        <pc:sldMkLst>
-          <pc:docMk/>
-          <pc:sldMk cId="452571319" sldId="584"/>
-        </pc:sldMkLst>
-      </pc:sldChg>
-      <pc:sldChg chg="del">
-        <pc:chgData name="Anatoliy Kigel" userId="7432c6c4687b0a9c" providerId="LiveId" clId="{7A91C555-A7C1-4A8D-86B6-B660AC4426BD}" dt="2023-05-17T17:22:31.938" v="76" actId="47"/>
-        <pc:sldMkLst>
-          <pc:docMk/>
-          <pc:sldMk cId="3989686462" sldId="585"/>
-        </pc:sldMkLst>
-      </pc:sldChg>
-      <pc:sldChg chg="modSp mod">
-        <pc:chgData name="Anatoliy Kigel" userId="7432c6c4687b0a9c" providerId="LiveId" clId="{7A91C555-A7C1-4A8D-86B6-B660AC4426BD}" dt="2023-05-17T17:23:17.504" v="77" actId="20577"/>
-        <pc:sldMkLst>
-          <pc:docMk/>
-          <pc:sldMk cId="4281525929" sldId="586"/>
-        </pc:sldMkLst>
-        <pc:spChg chg="mod">
-          <ac:chgData name="Anatoliy Kigel" userId="7432c6c4687b0a9c" providerId="LiveId" clId="{7A91C555-A7C1-4A8D-86B6-B660AC4426BD}" dt="2023-05-17T17:23:17.504" v="77" actId="20577"/>
-          <ac:spMkLst>
-            <pc:docMk/>
-            <pc:sldMk cId="4281525929" sldId="586"/>
-            <ac:spMk id="5" creationId="{00000000-0000-0000-0000-000000000000}"/>
-          </ac:spMkLst>
-        </pc:spChg>
-      </pc:sldChg>
-    </pc:docChg>
-  </pc:docChgLst>
-  <pc:docChgLst>
     <pc:chgData name="Anatoliy Kigel" userId="7432c6c4687b0a9c" providerId="LiveId" clId="{F50BB690-9DE7-43D8-A7C8-9782F5FEB677}"/>
     <pc:docChg chg="delSld modSld">
       <pc:chgData name="Anatoliy Kigel" userId="7432c6c4687b0a9c" providerId="LiveId" clId="{F50BB690-9DE7-43D8-A7C8-9782F5FEB677}" dt="2021-10-09T18:26:37.077" v="12" actId="20577"/>
@@ -1453,6 +1430,30 @@
           <pc:docMk/>
           <pc:sldMk cId="2071329461" sldId="577"/>
         </pc:sldMkLst>
+      </pc:sldChg>
+    </pc:docChg>
+  </pc:docChgLst>
+  <pc:docChgLst>
+    <pc:chgData name="Anatoliy Kigel" userId="7432c6c4687b0a9c" providerId="LiveId" clId="{B4710394-BEAA-4A88-ACCA-5534825ABB48}"/>
+    <pc:docChg chg="modSld">
+      <pc:chgData name="Anatoliy Kigel" userId="7432c6c4687b0a9c" providerId="LiveId" clId="{B4710394-BEAA-4A88-ACCA-5534825ABB48}" dt="2021-03-01T20:43:22.754" v="6" actId="1036"/>
+      <pc:docMkLst>
+        <pc:docMk/>
+      </pc:docMkLst>
+      <pc:sldChg chg="modSp mod">
+        <pc:chgData name="Anatoliy Kigel" userId="7432c6c4687b0a9c" providerId="LiveId" clId="{B4710394-BEAA-4A88-ACCA-5534825ABB48}" dt="2021-03-01T20:43:22.754" v="6" actId="1036"/>
+        <pc:sldMkLst>
+          <pc:docMk/>
+          <pc:sldMk cId="3747052252" sldId="447"/>
+        </pc:sldMkLst>
+        <pc:spChg chg="mod">
+          <ac:chgData name="Anatoliy Kigel" userId="7432c6c4687b0a9c" providerId="LiveId" clId="{B4710394-BEAA-4A88-ACCA-5534825ABB48}" dt="2021-03-01T20:43:22.754" v="6" actId="1036"/>
+          <ac:spMkLst>
+            <pc:docMk/>
+            <pc:sldMk cId="3747052252" sldId="447"/>
+            <ac:spMk id="3" creationId="{00000000-0000-0000-0000-000000000000}"/>
+          </ac:spMkLst>
+        </pc:spChg>
       </pc:sldChg>
     </pc:docChg>
   </pc:docChgLst>
@@ -1497,283 +1498,6 @@
     </pc:docChg>
   </pc:docChgLst>
   <pc:docChgLst>
-    <pc:chgData name="Anatoliy Kigel" userId="7432c6c4687b0a9c" providerId="LiveId" clId="{A5F173BA-ECA6-41ED-BC63-98D4429C2760}"/>
-    <pc:docChg chg="undo custSel addSld delSld modSld sldOrd">
-      <pc:chgData name="Anatoliy Kigel" userId="7432c6c4687b0a9c" providerId="LiveId" clId="{A5F173BA-ECA6-41ED-BC63-98D4429C2760}" dt="2022-09-08T17:21:08.867" v="175" actId="20577"/>
-      <pc:docMkLst>
-        <pc:docMk/>
-      </pc:docMkLst>
-      <pc:sldChg chg="addSp delSp modSp mod">
-        <pc:chgData name="Anatoliy Kigel" userId="7432c6c4687b0a9c" providerId="LiveId" clId="{A5F173BA-ECA6-41ED-BC63-98D4429C2760}" dt="2022-09-08T17:11:41.257" v="27" actId="1035"/>
-        <pc:sldMkLst>
-          <pc:docMk/>
-          <pc:sldMk cId="2636876839" sldId="364"/>
-        </pc:sldMkLst>
-        <pc:spChg chg="mod">
-          <ac:chgData name="Anatoliy Kigel" userId="7432c6c4687b0a9c" providerId="LiveId" clId="{A5F173BA-ECA6-41ED-BC63-98D4429C2760}" dt="2022-09-08T17:11:41.257" v="27" actId="1035"/>
-          <ac:spMkLst>
-            <pc:docMk/>
-            <pc:sldMk cId="2636876839" sldId="364"/>
-            <ac:spMk id="2" creationId="{00000000-0000-0000-0000-000000000000}"/>
-          </ac:spMkLst>
-        </pc:spChg>
-        <pc:spChg chg="mod">
-          <ac:chgData name="Anatoliy Kigel" userId="7432c6c4687b0a9c" providerId="LiveId" clId="{A5F173BA-ECA6-41ED-BC63-98D4429C2760}" dt="2022-09-08T17:11:39.223" v="22" actId="6549"/>
-          <ac:spMkLst>
-            <pc:docMk/>
-            <pc:sldMk cId="2636876839" sldId="364"/>
-            <ac:spMk id="8" creationId="{00000000-0000-0000-0000-000000000000}"/>
-          </ac:spMkLst>
-        </pc:spChg>
-        <pc:picChg chg="del">
-          <ac:chgData name="Anatoliy Kigel" userId="7432c6c4687b0a9c" providerId="LiveId" clId="{A5F173BA-ECA6-41ED-BC63-98D4429C2760}" dt="2022-09-08T17:11:16.666" v="8" actId="478"/>
-          <ac:picMkLst>
-            <pc:docMk/>
-            <pc:sldMk cId="2636876839" sldId="364"/>
-            <ac:picMk id="7" creationId="{00000000-0000-0000-0000-000000000000}"/>
-          </ac:picMkLst>
-        </pc:picChg>
-        <pc:picChg chg="add mod">
-          <ac:chgData name="Anatoliy Kigel" userId="7432c6c4687b0a9c" providerId="LiveId" clId="{A5F173BA-ECA6-41ED-BC63-98D4429C2760}" dt="2022-09-08T17:11:21.284" v="12" actId="1076"/>
-          <ac:picMkLst>
-            <pc:docMk/>
-            <pc:sldMk cId="2636876839" sldId="364"/>
-            <ac:picMk id="9" creationId="{17F9F754-7A51-40B1-EA33-F9CE4EFB873A}"/>
-          </ac:picMkLst>
-        </pc:picChg>
-      </pc:sldChg>
-      <pc:sldChg chg="delSp del">
-        <pc:chgData name="Anatoliy Kigel" userId="7432c6c4687b0a9c" providerId="LiveId" clId="{A5F173BA-ECA6-41ED-BC63-98D4429C2760}" dt="2022-09-08T17:11:44.012" v="28" actId="47"/>
-        <pc:sldMkLst>
-          <pc:docMk/>
-          <pc:sldMk cId="3004122313" sldId="385"/>
-        </pc:sldMkLst>
-        <pc:picChg chg="del">
-          <ac:chgData name="Anatoliy Kigel" userId="7432c6c4687b0a9c" providerId="LiveId" clId="{A5F173BA-ECA6-41ED-BC63-98D4429C2760}" dt="2022-09-08T17:11:13.306" v="7" actId="21"/>
-          <ac:picMkLst>
-            <pc:docMk/>
-            <pc:sldMk cId="3004122313" sldId="385"/>
-            <ac:picMk id="7" creationId="{00000000-0000-0000-0000-000000000000}"/>
-          </ac:picMkLst>
-        </pc:picChg>
-      </pc:sldChg>
-      <pc:sldChg chg="del">
-        <pc:chgData name="Anatoliy Kigel" userId="7432c6c4687b0a9c" providerId="LiveId" clId="{A5F173BA-ECA6-41ED-BC63-98D4429C2760}" dt="2022-09-08T17:16:29.316" v="65" actId="47"/>
-        <pc:sldMkLst>
-          <pc:docMk/>
-          <pc:sldMk cId="1996300760" sldId="408"/>
-        </pc:sldMkLst>
-      </pc:sldChg>
-      <pc:sldChg chg="del">
-        <pc:chgData name="Anatoliy Kigel" userId="7432c6c4687b0a9c" providerId="LiveId" clId="{A5F173BA-ECA6-41ED-BC63-98D4429C2760}" dt="2022-09-08T17:12:23.038" v="31" actId="47"/>
-        <pc:sldMkLst>
-          <pc:docMk/>
-          <pc:sldMk cId="509433131" sldId="413"/>
-        </pc:sldMkLst>
-      </pc:sldChg>
-      <pc:sldChg chg="add del">
-        <pc:chgData name="Anatoliy Kigel" userId="7432c6c4687b0a9c" providerId="LiveId" clId="{A5F173BA-ECA6-41ED-BC63-98D4429C2760}" dt="2022-09-08T17:12:03.101" v="30" actId="2696"/>
-        <pc:sldMkLst>
-          <pc:docMk/>
-          <pc:sldMk cId="1738985747" sldId="421"/>
-        </pc:sldMkLst>
-      </pc:sldChg>
-      <pc:sldChg chg="add del">
-        <pc:chgData name="Anatoliy Kigel" userId="7432c6c4687b0a9c" providerId="LiveId" clId="{A5F173BA-ECA6-41ED-BC63-98D4429C2760}" dt="2022-09-08T17:12:49.219" v="48"/>
-        <pc:sldMkLst>
-          <pc:docMk/>
-          <pc:sldMk cId="4147892703" sldId="421"/>
-        </pc:sldMkLst>
-      </pc:sldChg>
-      <pc:sldChg chg="add del">
-        <pc:chgData name="Anatoliy Kigel" userId="7432c6c4687b0a9c" providerId="LiveId" clId="{A5F173BA-ECA6-41ED-BC63-98D4429C2760}" dt="2022-09-08T17:19:57.480" v="168"/>
-        <pc:sldMkLst>
-          <pc:docMk/>
-          <pc:sldMk cId="130869874" sldId="422"/>
-        </pc:sldMkLst>
-      </pc:sldChg>
-      <pc:sldChg chg="addSp delSp modSp add del mod">
-        <pc:chgData name="Anatoliy Kigel" userId="7432c6c4687b0a9c" providerId="LiveId" clId="{A5F173BA-ECA6-41ED-BC63-98D4429C2760}" dt="2022-09-08T17:12:49.219" v="48"/>
-        <pc:sldMkLst>
-          <pc:docMk/>
-          <pc:sldMk cId="1333397083" sldId="422"/>
-        </pc:sldMkLst>
-        <pc:spChg chg="mod">
-          <ac:chgData name="Anatoliy Kigel" userId="7432c6c4687b0a9c" providerId="LiveId" clId="{A5F173BA-ECA6-41ED-BC63-98D4429C2760}" dt="2022-09-08T17:12:46.539" v="44" actId="1036"/>
-          <ac:spMkLst>
-            <pc:docMk/>
-            <pc:sldMk cId="1333397083" sldId="422"/>
-            <ac:spMk id="6" creationId="{00000000-0000-0000-0000-000000000000}"/>
-          </ac:spMkLst>
-        </pc:spChg>
-        <pc:spChg chg="mod">
-          <ac:chgData name="Anatoliy Kigel" userId="7432c6c4687b0a9c" providerId="LiveId" clId="{A5F173BA-ECA6-41ED-BC63-98D4429C2760}" dt="2022-09-08T17:12:46.539" v="44" actId="1036"/>
-          <ac:spMkLst>
-            <pc:docMk/>
-            <pc:sldMk cId="1333397083" sldId="422"/>
-            <ac:spMk id="10" creationId="{00000000-0000-0000-0000-000000000000}"/>
-          </ac:spMkLst>
-        </pc:spChg>
-        <pc:spChg chg="add del">
-          <ac:chgData name="Anatoliy Kigel" userId="7432c6c4687b0a9c" providerId="LiveId" clId="{A5F173BA-ECA6-41ED-BC63-98D4429C2760}" dt="2022-09-08T17:12:46.988" v="45" actId="478"/>
-          <ac:spMkLst>
-            <pc:docMk/>
-            <pc:sldMk cId="1333397083" sldId="422"/>
-            <ac:spMk id="12" creationId="{00000000-0000-0000-0000-000000000000}"/>
-          </ac:spMkLst>
-        </pc:spChg>
-      </pc:sldChg>
-      <pc:sldChg chg="del">
-        <pc:chgData name="Anatoliy Kigel" userId="7432c6c4687b0a9c" providerId="LiveId" clId="{A5F173BA-ECA6-41ED-BC63-98D4429C2760}" dt="2022-09-06T20:52:05.815" v="0" actId="47"/>
-        <pc:sldMkLst>
-          <pc:docMk/>
-          <pc:sldMk cId="861901176" sldId="426"/>
-        </pc:sldMkLst>
-      </pc:sldChg>
-      <pc:sldChg chg="del">
-        <pc:chgData name="Anatoliy Kigel" userId="7432c6c4687b0a9c" providerId="LiveId" clId="{A5F173BA-ECA6-41ED-BC63-98D4429C2760}" dt="2022-09-06T20:52:12.246" v="2" actId="47"/>
-        <pc:sldMkLst>
-          <pc:docMk/>
-          <pc:sldMk cId="3819536013" sldId="427"/>
-        </pc:sldMkLst>
-      </pc:sldChg>
-      <pc:sldChg chg="del">
-        <pc:chgData name="Anatoliy Kigel" userId="7432c6c4687b0a9c" providerId="LiveId" clId="{A5F173BA-ECA6-41ED-BC63-98D4429C2760}" dt="2022-09-08T17:15:13.332" v="49" actId="47"/>
-        <pc:sldMkLst>
-          <pc:docMk/>
-          <pc:sldMk cId="1102755832" sldId="431"/>
-        </pc:sldMkLst>
-      </pc:sldChg>
-      <pc:sldChg chg="modSp add del mod ord">
-        <pc:chgData name="Anatoliy Kigel" userId="7432c6c4687b0a9c" providerId="LiveId" clId="{A5F173BA-ECA6-41ED-BC63-98D4429C2760}" dt="2022-09-08T17:20:11.223" v="173" actId="6549"/>
-        <pc:sldMkLst>
-          <pc:docMk/>
-          <pc:sldMk cId="1761389608" sldId="432"/>
-        </pc:sldMkLst>
-        <pc:spChg chg="mod">
-          <ac:chgData name="Anatoliy Kigel" userId="7432c6c4687b0a9c" providerId="LiveId" clId="{A5F173BA-ECA6-41ED-BC63-98D4429C2760}" dt="2022-09-08T17:20:11.223" v="173" actId="6549"/>
-          <ac:spMkLst>
-            <pc:docMk/>
-            <pc:sldMk cId="1761389608" sldId="432"/>
-            <ac:spMk id="2" creationId="{00000000-0000-0000-0000-000000000000}"/>
-          </ac:spMkLst>
-        </pc:spChg>
-      </pc:sldChg>
-      <pc:sldChg chg="add del ord">
-        <pc:chgData name="Anatoliy Kigel" userId="7432c6c4687b0a9c" providerId="LiveId" clId="{A5F173BA-ECA6-41ED-BC63-98D4429C2760}" dt="2022-09-08T17:12:49.219" v="48"/>
-        <pc:sldMkLst>
-          <pc:docMk/>
-          <pc:sldMk cId="4236216229" sldId="432"/>
-        </pc:sldMkLst>
-      </pc:sldChg>
-      <pc:sldChg chg="del">
-        <pc:chgData name="Anatoliy Kigel" userId="7432c6c4687b0a9c" providerId="LiveId" clId="{A5F173BA-ECA6-41ED-BC63-98D4429C2760}" dt="2022-09-06T20:52:08.082" v="1" actId="47"/>
-        <pc:sldMkLst>
-          <pc:docMk/>
-          <pc:sldMk cId="3904143844" sldId="433"/>
-        </pc:sldMkLst>
-      </pc:sldChg>
-      <pc:sldChg chg="delSp modSp mod">
-        <pc:chgData name="Anatoliy Kigel" userId="7432c6c4687b0a9c" providerId="LiveId" clId="{A5F173BA-ECA6-41ED-BC63-98D4429C2760}" dt="2022-09-06T20:53:25.139" v="5" actId="14100"/>
-        <pc:sldMkLst>
-          <pc:docMk/>
-          <pc:sldMk cId="1072141460" sldId="434"/>
-        </pc:sldMkLst>
-        <pc:spChg chg="mod">
-          <ac:chgData name="Anatoliy Kigel" userId="7432c6c4687b0a9c" providerId="LiveId" clId="{A5F173BA-ECA6-41ED-BC63-98D4429C2760}" dt="2022-09-06T20:53:25.139" v="5" actId="14100"/>
-          <ac:spMkLst>
-            <pc:docMk/>
-            <pc:sldMk cId="1072141460" sldId="434"/>
-            <ac:spMk id="2" creationId="{00000000-0000-0000-0000-000000000000}"/>
-          </ac:spMkLst>
-        </pc:spChg>
-        <pc:spChg chg="del">
-          <ac:chgData name="Anatoliy Kigel" userId="7432c6c4687b0a9c" providerId="LiveId" clId="{A5F173BA-ECA6-41ED-BC63-98D4429C2760}" dt="2022-09-06T20:53:19.822" v="3" actId="478"/>
-          <ac:spMkLst>
-            <pc:docMk/>
-            <pc:sldMk cId="1072141460" sldId="434"/>
-            <ac:spMk id="3" creationId="{F253B2DA-6B2A-4BE0-BA3F-92AEE9284C05}"/>
-          </ac:spMkLst>
-        </pc:spChg>
-      </pc:sldChg>
-      <pc:sldChg chg="del">
-        <pc:chgData name="Anatoliy Kigel" userId="7432c6c4687b0a9c" providerId="LiveId" clId="{A5F173BA-ECA6-41ED-BC63-98D4429C2760}" dt="2022-09-08T17:11:44.790" v="29" actId="47"/>
-        <pc:sldMkLst>
-          <pc:docMk/>
-          <pc:sldMk cId="3371418139" sldId="467"/>
-        </pc:sldMkLst>
-      </pc:sldChg>
-      <pc:sldChg chg="modSp mod ord">
-        <pc:chgData name="Anatoliy Kigel" userId="7432c6c4687b0a9c" providerId="LiveId" clId="{A5F173BA-ECA6-41ED-BC63-98D4429C2760}" dt="2022-09-08T17:16:31.623" v="67" actId="20577"/>
-        <pc:sldMkLst>
-          <pc:docMk/>
-          <pc:sldMk cId="3045335102" sldId="575"/>
-        </pc:sldMkLst>
-        <pc:spChg chg="mod">
-          <ac:chgData name="Anatoliy Kigel" userId="7432c6c4687b0a9c" providerId="LiveId" clId="{A5F173BA-ECA6-41ED-BC63-98D4429C2760}" dt="2022-09-08T17:16:31.623" v="67" actId="20577"/>
-          <ac:spMkLst>
-            <pc:docMk/>
-            <pc:sldMk cId="3045335102" sldId="575"/>
-            <ac:spMk id="5" creationId="{00000000-0000-0000-0000-000000000000}"/>
-          </ac:spMkLst>
-        </pc:spChg>
-      </pc:sldChg>
-      <pc:sldChg chg="addSp delSp modSp mod">
-        <pc:chgData name="Anatoliy Kigel" userId="7432c6c4687b0a9c" providerId="LiveId" clId="{A5F173BA-ECA6-41ED-BC63-98D4429C2760}" dt="2022-09-08T17:18:39.478" v="76" actId="1036"/>
-        <pc:sldMkLst>
-          <pc:docMk/>
-          <pc:sldMk cId="1451308632" sldId="576"/>
-        </pc:sldMkLst>
-        <pc:picChg chg="del">
-          <ac:chgData name="Anatoliy Kigel" userId="7432c6c4687b0a9c" providerId="LiveId" clId="{A5F173BA-ECA6-41ED-BC63-98D4429C2760}" dt="2022-09-08T17:18:22.373" v="68" actId="478"/>
-          <ac:picMkLst>
-            <pc:docMk/>
-            <pc:sldMk cId="1451308632" sldId="576"/>
-            <ac:picMk id="2" creationId="{00000000-0000-0000-0000-000000000000}"/>
-          </ac:picMkLst>
-        </pc:picChg>
-        <pc:picChg chg="add mod modCrop">
-          <ac:chgData name="Anatoliy Kigel" userId="7432c6c4687b0a9c" providerId="LiveId" clId="{A5F173BA-ECA6-41ED-BC63-98D4429C2760}" dt="2022-09-08T17:18:39.478" v="76" actId="1036"/>
-          <ac:picMkLst>
-            <pc:docMk/>
-            <pc:sldMk cId="1451308632" sldId="576"/>
-            <ac:picMk id="7" creationId="{BA9B31C0-6F42-A836-E4A1-7D00162B84B5}"/>
-          </ac:picMkLst>
-        </pc:picChg>
-      </pc:sldChg>
-      <pc:sldChg chg="modSp add mod ord">
-        <pc:chgData name="Anatoliy Kigel" userId="7432c6c4687b0a9c" providerId="LiveId" clId="{A5F173BA-ECA6-41ED-BC63-98D4429C2760}" dt="2022-09-08T17:18:59.476" v="88"/>
-        <pc:sldMkLst>
-          <pc:docMk/>
-          <pc:sldMk cId="3989686462" sldId="585"/>
-        </pc:sldMkLst>
-        <pc:spChg chg="mod">
-          <ac:chgData name="Anatoliy Kigel" userId="7432c6c4687b0a9c" providerId="LiveId" clId="{A5F173BA-ECA6-41ED-BC63-98D4429C2760}" dt="2022-09-08T17:18:57.215" v="86" actId="20577"/>
-          <ac:spMkLst>
-            <pc:docMk/>
-            <pc:sldMk cId="3989686462" sldId="585"/>
-            <ac:spMk id="5" creationId="{00000000-0000-0000-0000-000000000000}"/>
-          </ac:spMkLst>
-        </pc:spChg>
-      </pc:sldChg>
-      <pc:sldChg chg="modSp add mod ord">
-        <pc:chgData name="Anatoliy Kigel" userId="7432c6c4687b0a9c" providerId="LiveId" clId="{A5F173BA-ECA6-41ED-BC63-98D4429C2760}" dt="2022-09-08T17:21:08.867" v="175" actId="20577"/>
-        <pc:sldMkLst>
-          <pc:docMk/>
-          <pc:sldMk cId="4281525929" sldId="586"/>
-        </pc:sldMkLst>
-        <pc:spChg chg="mod">
-          <ac:chgData name="Anatoliy Kigel" userId="7432c6c4687b0a9c" providerId="LiveId" clId="{A5F173BA-ECA6-41ED-BC63-98D4429C2760}" dt="2022-09-08T17:21:08.867" v="175" actId="20577"/>
-          <ac:spMkLst>
-            <pc:docMk/>
-            <pc:sldMk cId="4281525929" sldId="586"/>
-            <ac:spMk id="5" creationId="{00000000-0000-0000-0000-000000000000}"/>
-          </ac:spMkLst>
-        </pc:spChg>
-      </pc:sldChg>
-    </pc:docChg>
-  </pc:docChgLst>
-  <pc:docChgLst>
     <pc:chgData name="Anatoliy Kigel" userId="7432c6c4687b0a9c" providerId="LiveId" clId="{022C24D0-0C30-4AC4-ABBB-A1DAFD6AB4B8}"/>
     <pc:docChg chg="addSld delSld modSld">
       <pc:chgData name="Anatoliy Kigel" userId="7432c6c4687b0a9c" providerId="LiveId" clId="{022C24D0-0C30-4AC4-ABBB-A1DAFD6AB4B8}" dt="2021-02-23T08:21:43.104" v="4"/>
@@ -2116,6 +1840,439 @@
           <pc:docMk/>
           <pc:sldMk cId="600051548" sldId="586"/>
         </pc:sldMkLst>
+      </pc:sldChg>
+    </pc:docChg>
+  </pc:docChgLst>
+  <pc:docChgLst>
+    <pc:chgData name="Anatoliy Kigel" userId="7432c6c4687b0a9c" providerId="LiveId" clId="{A5F173BA-ECA6-41ED-BC63-98D4429C2760}"/>
+    <pc:docChg chg="undo custSel addSld delSld modSld sldOrd">
+      <pc:chgData name="Anatoliy Kigel" userId="7432c6c4687b0a9c" providerId="LiveId" clId="{A5F173BA-ECA6-41ED-BC63-98D4429C2760}" dt="2022-09-08T17:21:08.867" v="175" actId="20577"/>
+      <pc:docMkLst>
+        <pc:docMk/>
+      </pc:docMkLst>
+      <pc:sldChg chg="addSp delSp modSp mod">
+        <pc:chgData name="Anatoliy Kigel" userId="7432c6c4687b0a9c" providerId="LiveId" clId="{A5F173BA-ECA6-41ED-BC63-98D4429C2760}" dt="2022-09-08T17:11:41.257" v="27" actId="1035"/>
+        <pc:sldMkLst>
+          <pc:docMk/>
+          <pc:sldMk cId="2636876839" sldId="364"/>
+        </pc:sldMkLst>
+        <pc:spChg chg="mod">
+          <ac:chgData name="Anatoliy Kigel" userId="7432c6c4687b0a9c" providerId="LiveId" clId="{A5F173BA-ECA6-41ED-BC63-98D4429C2760}" dt="2022-09-08T17:11:41.257" v="27" actId="1035"/>
+          <ac:spMkLst>
+            <pc:docMk/>
+            <pc:sldMk cId="2636876839" sldId="364"/>
+            <ac:spMk id="2" creationId="{00000000-0000-0000-0000-000000000000}"/>
+          </ac:spMkLst>
+        </pc:spChg>
+        <pc:spChg chg="mod">
+          <ac:chgData name="Anatoliy Kigel" userId="7432c6c4687b0a9c" providerId="LiveId" clId="{A5F173BA-ECA6-41ED-BC63-98D4429C2760}" dt="2022-09-08T17:11:39.223" v="22" actId="6549"/>
+          <ac:spMkLst>
+            <pc:docMk/>
+            <pc:sldMk cId="2636876839" sldId="364"/>
+            <ac:spMk id="8" creationId="{00000000-0000-0000-0000-000000000000}"/>
+          </ac:spMkLst>
+        </pc:spChg>
+        <pc:picChg chg="del">
+          <ac:chgData name="Anatoliy Kigel" userId="7432c6c4687b0a9c" providerId="LiveId" clId="{A5F173BA-ECA6-41ED-BC63-98D4429C2760}" dt="2022-09-08T17:11:16.666" v="8" actId="478"/>
+          <ac:picMkLst>
+            <pc:docMk/>
+            <pc:sldMk cId="2636876839" sldId="364"/>
+            <ac:picMk id="7" creationId="{00000000-0000-0000-0000-000000000000}"/>
+          </ac:picMkLst>
+        </pc:picChg>
+        <pc:picChg chg="add mod">
+          <ac:chgData name="Anatoliy Kigel" userId="7432c6c4687b0a9c" providerId="LiveId" clId="{A5F173BA-ECA6-41ED-BC63-98D4429C2760}" dt="2022-09-08T17:11:21.284" v="12" actId="1076"/>
+          <ac:picMkLst>
+            <pc:docMk/>
+            <pc:sldMk cId="2636876839" sldId="364"/>
+            <ac:picMk id="9" creationId="{17F9F754-7A51-40B1-EA33-F9CE4EFB873A}"/>
+          </ac:picMkLst>
+        </pc:picChg>
+      </pc:sldChg>
+      <pc:sldChg chg="delSp del">
+        <pc:chgData name="Anatoliy Kigel" userId="7432c6c4687b0a9c" providerId="LiveId" clId="{A5F173BA-ECA6-41ED-BC63-98D4429C2760}" dt="2022-09-08T17:11:44.012" v="28" actId="47"/>
+        <pc:sldMkLst>
+          <pc:docMk/>
+          <pc:sldMk cId="3004122313" sldId="385"/>
+        </pc:sldMkLst>
+        <pc:picChg chg="del">
+          <ac:chgData name="Anatoliy Kigel" userId="7432c6c4687b0a9c" providerId="LiveId" clId="{A5F173BA-ECA6-41ED-BC63-98D4429C2760}" dt="2022-09-08T17:11:13.306" v="7" actId="21"/>
+          <ac:picMkLst>
+            <pc:docMk/>
+            <pc:sldMk cId="3004122313" sldId="385"/>
+            <ac:picMk id="7" creationId="{00000000-0000-0000-0000-000000000000}"/>
+          </ac:picMkLst>
+        </pc:picChg>
+      </pc:sldChg>
+      <pc:sldChg chg="del">
+        <pc:chgData name="Anatoliy Kigel" userId="7432c6c4687b0a9c" providerId="LiveId" clId="{A5F173BA-ECA6-41ED-BC63-98D4429C2760}" dt="2022-09-08T17:16:29.316" v="65" actId="47"/>
+        <pc:sldMkLst>
+          <pc:docMk/>
+          <pc:sldMk cId="1996300760" sldId="408"/>
+        </pc:sldMkLst>
+      </pc:sldChg>
+      <pc:sldChg chg="del">
+        <pc:chgData name="Anatoliy Kigel" userId="7432c6c4687b0a9c" providerId="LiveId" clId="{A5F173BA-ECA6-41ED-BC63-98D4429C2760}" dt="2022-09-08T17:12:23.038" v="31" actId="47"/>
+        <pc:sldMkLst>
+          <pc:docMk/>
+          <pc:sldMk cId="509433131" sldId="413"/>
+        </pc:sldMkLst>
+      </pc:sldChg>
+      <pc:sldChg chg="add del">
+        <pc:chgData name="Anatoliy Kigel" userId="7432c6c4687b0a9c" providerId="LiveId" clId="{A5F173BA-ECA6-41ED-BC63-98D4429C2760}" dt="2022-09-08T17:12:03.101" v="30" actId="2696"/>
+        <pc:sldMkLst>
+          <pc:docMk/>
+          <pc:sldMk cId="1738985747" sldId="421"/>
+        </pc:sldMkLst>
+      </pc:sldChg>
+      <pc:sldChg chg="add del">
+        <pc:chgData name="Anatoliy Kigel" userId="7432c6c4687b0a9c" providerId="LiveId" clId="{A5F173BA-ECA6-41ED-BC63-98D4429C2760}" dt="2022-09-08T17:12:49.219" v="48"/>
+        <pc:sldMkLst>
+          <pc:docMk/>
+          <pc:sldMk cId="4147892703" sldId="421"/>
+        </pc:sldMkLst>
+      </pc:sldChg>
+      <pc:sldChg chg="add del">
+        <pc:chgData name="Anatoliy Kigel" userId="7432c6c4687b0a9c" providerId="LiveId" clId="{A5F173BA-ECA6-41ED-BC63-98D4429C2760}" dt="2022-09-08T17:19:57.480" v="168"/>
+        <pc:sldMkLst>
+          <pc:docMk/>
+          <pc:sldMk cId="130869874" sldId="422"/>
+        </pc:sldMkLst>
+      </pc:sldChg>
+      <pc:sldChg chg="addSp delSp modSp add del mod">
+        <pc:chgData name="Anatoliy Kigel" userId="7432c6c4687b0a9c" providerId="LiveId" clId="{A5F173BA-ECA6-41ED-BC63-98D4429C2760}" dt="2022-09-08T17:12:49.219" v="48"/>
+        <pc:sldMkLst>
+          <pc:docMk/>
+          <pc:sldMk cId="1333397083" sldId="422"/>
+        </pc:sldMkLst>
+        <pc:spChg chg="mod">
+          <ac:chgData name="Anatoliy Kigel" userId="7432c6c4687b0a9c" providerId="LiveId" clId="{A5F173BA-ECA6-41ED-BC63-98D4429C2760}" dt="2022-09-08T17:12:46.539" v="44" actId="1036"/>
+          <ac:spMkLst>
+            <pc:docMk/>
+            <pc:sldMk cId="1333397083" sldId="422"/>
+            <ac:spMk id="6" creationId="{00000000-0000-0000-0000-000000000000}"/>
+          </ac:spMkLst>
+        </pc:spChg>
+        <pc:spChg chg="mod">
+          <ac:chgData name="Anatoliy Kigel" userId="7432c6c4687b0a9c" providerId="LiveId" clId="{A5F173BA-ECA6-41ED-BC63-98D4429C2760}" dt="2022-09-08T17:12:46.539" v="44" actId="1036"/>
+          <ac:spMkLst>
+            <pc:docMk/>
+            <pc:sldMk cId="1333397083" sldId="422"/>
+            <ac:spMk id="10" creationId="{00000000-0000-0000-0000-000000000000}"/>
+          </ac:spMkLst>
+        </pc:spChg>
+        <pc:spChg chg="add del">
+          <ac:chgData name="Anatoliy Kigel" userId="7432c6c4687b0a9c" providerId="LiveId" clId="{A5F173BA-ECA6-41ED-BC63-98D4429C2760}" dt="2022-09-08T17:12:46.988" v="45" actId="478"/>
+          <ac:spMkLst>
+            <pc:docMk/>
+            <pc:sldMk cId="1333397083" sldId="422"/>
+            <ac:spMk id="12" creationId="{00000000-0000-0000-0000-000000000000}"/>
+          </ac:spMkLst>
+        </pc:spChg>
+      </pc:sldChg>
+      <pc:sldChg chg="del">
+        <pc:chgData name="Anatoliy Kigel" userId="7432c6c4687b0a9c" providerId="LiveId" clId="{A5F173BA-ECA6-41ED-BC63-98D4429C2760}" dt="2022-09-06T20:52:05.815" v="0" actId="47"/>
+        <pc:sldMkLst>
+          <pc:docMk/>
+          <pc:sldMk cId="861901176" sldId="426"/>
+        </pc:sldMkLst>
+      </pc:sldChg>
+      <pc:sldChg chg="del">
+        <pc:chgData name="Anatoliy Kigel" userId="7432c6c4687b0a9c" providerId="LiveId" clId="{A5F173BA-ECA6-41ED-BC63-98D4429C2760}" dt="2022-09-06T20:52:12.246" v="2" actId="47"/>
+        <pc:sldMkLst>
+          <pc:docMk/>
+          <pc:sldMk cId="3819536013" sldId="427"/>
+        </pc:sldMkLst>
+      </pc:sldChg>
+      <pc:sldChg chg="del">
+        <pc:chgData name="Anatoliy Kigel" userId="7432c6c4687b0a9c" providerId="LiveId" clId="{A5F173BA-ECA6-41ED-BC63-98D4429C2760}" dt="2022-09-08T17:15:13.332" v="49" actId="47"/>
+        <pc:sldMkLst>
+          <pc:docMk/>
+          <pc:sldMk cId="1102755832" sldId="431"/>
+        </pc:sldMkLst>
+      </pc:sldChg>
+      <pc:sldChg chg="modSp add del mod ord">
+        <pc:chgData name="Anatoliy Kigel" userId="7432c6c4687b0a9c" providerId="LiveId" clId="{A5F173BA-ECA6-41ED-BC63-98D4429C2760}" dt="2022-09-08T17:20:11.223" v="173" actId="6549"/>
+        <pc:sldMkLst>
+          <pc:docMk/>
+          <pc:sldMk cId="1761389608" sldId="432"/>
+        </pc:sldMkLst>
+        <pc:spChg chg="mod">
+          <ac:chgData name="Anatoliy Kigel" userId="7432c6c4687b0a9c" providerId="LiveId" clId="{A5F173BA-ECA6-41ED-BC63-98D4429C2760}" dt="2022-09-08T17:20:11.223" v="173" actId="6549"/>
+          <ac:spMkLst>
+            <pc:docMk/>
+            <pc:sldMk cId="1761389608" sldId="432"/>
+            <ac:spMk id="2" creationId="{00000000-0000-0000-0000-000000000000}"/>
+          </ac:spMkLst>
+        </pc:spChg>
+      </pc:sldChg>
+      <pc:sldChg chg="add del ord">
+        <pc:chgData name="Anatoliy Kigel" userId="7432c6c4687b0a9c" providerId="LiveId" clId="{A5F173BA-ECA6-41ED-BC63-98D4429C2760}" dt="2022-09-08T17:12:49.219" v="48"/>
+        <pc:sldMkLst>
+          <pc:docMk/>
+          <pc:sldMk cId="4236216229" sldId="432"/>
+        </pc:sldMkLst>
+      </pc:sldChg>
+      <pc:sldChg chg="del">
+        <pc:chgData name="Anatoliy Kigel" userId="7432c6c4687b0a9c" providerId="LiveId" clId="{A5F173BA-ECA6-41ED-BC63-98D4429C2760}" dt="2022-09-06T20:52:08.082" v="1" actId="47"/>
+        <pc:sldMkLst>
+          <pc:docMk/>
+          <pc:sldMk cId="3904143844" sldId="433"/>
+        </pc:sldMkLst>
+      </pc:sldChg>
+      <pc:sldChg chg="delSp modSp mod">
+        <pc:chgData name="Anatoliy Kigel" userId="7432c6c4687b0a9c" providerId="LiveId" clId="{A5F173BA-ECA6-41ED-BC63-98D4429C2760}" dt="2022-09-06T20:53:25.139" v="5" actId="14100"/>
+        <pc:sldMkLst>
+          <pc:docMk/>
+          <pc:sldMk cId="1072141460" sldId="434"/>
+        </pc:sldMkLst>
+        <pc:spChg chg="mod">
+          <ac:chgData name="Anatoliy Kigel" userId="7432c6c4687b0a9c" providerId="LiveId" clId="{A5F173BA-ECA6-41ED-BC63-98D4429C2760}" dt="2022-09-06T20:53:25.139" v="5" actId="14100"/>
+          <ac:spMkLst>
+            <pc:docMk/>
+            <pc:sldMk cId="1072141460" sldId="434"/>
+            <ac:spMk id="2" creationId="{00000000-0000-0000-0000-000000000000}"/>
+          </ac:spMkLst>
+        </pc:spChg>
+        <pc:spChg chg="del">
+          <ac:chgData name="Anatoliy Kigel" userId="7432c6c4687b0a9c" providerId="LiveId" clId="{A5F173BA-ECA6-41ED-BC63-98D4429C2760}" dt="2022-09-06T20:53:19.822" v="3" actId="478"/>
+          <ac:spMkLst>
+            <pc:docMk/>
+            <pc:sldMk cId="1072141460" sldId="434"/>
+            <ac:spMk id="3" creationId="{F253B2DA-6B2A-4BE0-BA3F-92AEE9284C05}"/>
+          </ac:spMkLst>
+        </pc:spChg>
+      </pc:sldChg>
+      <pc:sldChg chg="del">
+        <pc:chgData name="Anatoliy Kigel" userId="7432c6c4687b0a9c" providerId="LiveId" clId="{A5F173BA-ECA6-41ED-BC63-98D4429C2760}" dt="2022-09-08T17:11:44.790" v="29" actId="47"/>
+        <pc:sldMkLst>
+          <pc:docMk/>
+          <pc:sldMk cId="3371418139" sldId="467"/>
+        </pc:sldMkLst>
+      </pc:sldChg>
+      <pc:sldChg chg="modSp mod ord">
+        <pc:chgData name="Anatoliy Kigel" userId="7432c6c4687b0a9c" providerId="LiveId" clId="{A5F173BA-ECA6-41ED-BC63-98D4429C2760}" dt="2022-09-08T17:16:31.623" v="67" actId="20577"/>
+        <pc:sldMkLst>
+          <pc:docMk/>
+          <pc:sldMk cId="3045335102" sldId="575"/>
+        </pc:sldMkLst>
+        <pc:spChg chg="mod">
+          <ac:chgData name="Anatoliy Kigel" userId="7432c6c4687b0a9c" providerId="LiveId" clId="{A5F173BA-ECA6-41ED-BC63-98D4429C2760}" dt="2022-09-08T17:16:31.623" v="67" actId="20577"/>
+          <ac:spMkLst>
+            <pc:docMk/>
+            <pc:sldMk cId="3045335102" sldId="575"/>
+            <ac:spMk id="5" creationId="{00000000-0000-0000-0000-000000000000}"/>
+          </ac:spMkLst>
+        </pc:spChg>
+      </pc:sldChg>
+      <pc:sldChg chg="addSp delSp modSp mod">
+        <pc:chgData name="Anatoliy Kigel" userId="7432c6c4687b0a9c" providerId="LiveId" clId="{A5F173BA-ECA6-41ED-BC63-98D4429C2760}" dt="2022-09-08T17:18:39.478" v="76" actId="1036"/>
+        <pc:sldMkLst>
+          <pc:docMk/>
+          <pc:sldMk cId="1451308632" sldId="576"/>
+        </pc:sldMkLst>
+        <pc:picChg chg="del">
+          <ac:chgData name="Anatoliy Kigel" userId="7432c6c4687b0a9c" providerId="LiveId" clId="{A5F173BA-ECA6-41ED-BC63-98D4429C2760}" dt="2022-09-08T17:18:22.373" v="68" actId="478"/>
+          <ac:picMkLst>
+            <pc:docMk/>
+            <pc:sldMk cId="1451308632" sldId="576"/>
+            <ac:picMk id="2" creationId="{00000000-0000-0000-0000-000000000000}"/>
+          </ac:picMkLst>
+        </pc:picChg>
+        <pc:picChg chg="add mod modCrop">
+          <ac:chgData name="Anatoliy Kigel" userId="7432c6c4687b0a9c" providerId="LiveId" clId="{A5F173BA-ECA6-41ED-BC63-98D4429C2760}" dt="2022-09-08T17:18:39.478" v="76" actId="1036"/>
+          <ac:picMkLst>
+            <pc:docMk/>
+            <pc:sldMk cId="1451308632" sldId="576"/>
+            <ac:picMk id="7" creationId="{BA9B31C0-6F42-A836-E4A1-7D00162B84B5}"/>
+          </ac:picMkLst>
+        </pc:picChg>
+      </pc:sldChg>
+      <pc:sldChg chg="modSp add mod ord">
+        <pc:chgData name="Anatoliy Kigel" userId="7432c6c4687b0a9c" providerId="LiveId" clId="{A5F173BA-ECA6-41ED-BC63-98D4429C2760}" dt="2022-09-08T17:18:59.476" v="88"/>
+        <pc:sldMkLst>
+          <pc:docMk/>
+          <pc:sldMk cId="3989686462" sldId="585"/>
+        </pc:sldMkLst>
+        <pc:spChg chg="mod">
+          <ac:chgData name="Anatoliy Kigel" userId="7432c6c4687b0a9c" providerId="LiveId" clId="{A5F173BA-ECA6-41ED-BC63-98D4429C2760}" dt="2022-09-08T17:18:57.215" v="86" actId="20577"/>
+          <ac:spMkLst>
+            <pc:docMk/>
+            <pc:sldMk cId="3989686462" sldId="585"/>
+            <ac:spMk id="5" creationId="{00000000-0000-0000-0000-000000000000}"/>
+          </ac:spMkLst>
+        </pc:spChg>
+      </pc:sldChg>
+      <pc:sldChg chg="modSp add mod ord">
+        <pc:chgData name="Anatoliy Kigel" userId="7432c6c4687b0a9c" providerId="LiveId" clId="{A5F173BA-ECA6-41ED-BC63-98D4429C2760}" dt="2022-09-08T17:21:08.867" v="175" actId="20577"/>
+        <pc:sldMkLst>
+          <pc:docMk/>
+          <pc:sldMk cId="4281525929" sldId="586"/>
+        </pc:sldMkLst>
+        <pc:spChg chg="mod">
+          <ac:chgData name="Anatoliy Kigel" userId="7432c6c4687b0a9c" providerId="LiveId" clId="{A5F173BA-ECA6-41ED-BC63-98D4429C2760}" dt="2022-09-08T17:21:08.867" v="175" actId="20577"/>
+          <ac:spMkLst>
+            <pc:docMk/>
+            <pc:sldMk cId="4281525929" sldId="586"/>
+            <ac:spMk id="5" creationId="{00000000-0000-0000-0000-000000000000}"/>
+          </ac:spMkLst>
+        </pc:spChg>
+      </pc:sldChg>
+    </pc:docChg>
+  </pc:docChgLst>
+  <pc:docChgLst>
+    <pc:chgData name="Anatoliy Kigel" userId="7432c6c4687b0a9c" providerId="LiveId" clId="{5BF962B0-9EC3-4C1B-B156-F49CC0DFD81C}"/>
+    <pc:docChg chg="custSel modSld">
+      <pc:chgData name="Anatoliy Kigel" userId="7432c6c4687b0a9c" providerId="LiveId" clId="{5BF962B0-9EC3-4C1B-B156-F49CC0DFD81C}" dt="2023-05-17T19:26:04.285" v="29" actId="1036"/>
+      <pc:docMkLst>
+        <pc:docMk/>
+      </pc:docMkLst>
+      <pc:sldChg chg="delSp modSp mod">
+        <pc:chgData name="Anatoliy Kigel" userId="7432c6c4687b0a9c" providerId="LiveId" clId="{5BF962B0-9EC3-4C1B-B156-F49CC0DFD81C}" dt="2023-05-17T19:25:56.350" v="25" actId="1036"/>
+        <pc:sldMkLst>
+          <pc:docMk/>
+          <pc:sldMk cId="2169155448" sldId="379"/>
+        </pc:sldMkLst>
+        <pc:spChg chg="mod">
+          <ac:chgData name="Anatoliy Kigel" userId="7432c6c4687b0a9c" providerId="LiveId" clId="{5BF962B0-9EC3-4C1B-B156-F49CC0DFD81C}" dt="2023-05-17T19:25:56.350" v="25" actId="1036"/>
+          <ac:spMkLst>
+            <pc:docMk/>
+            <pc:sldMk cId="2169155448" sldId="379"/>
+            <ac:spMk id="3" creationId="{00000000-0000-0000-0000-000000000000}"/>
+          </ac:spMkLst>
+        </pc:spChg>
+        <pc:spChg chg="mod">
+          <ac:chgData name="Anatoliy Kigel" userId="7432c6c4687b0a9c" providerId="LiveId" clId="{5BF962B0-9EC3-4C1B-B156-F49CC0DFD81C}" dt="2023-05-17T19:25:52.995" v="23" actId="1036"/>
+          <ac:spMkLst>
+            <pc:docMk/>
+            <pc:sldMk cId="2169155448" sldId="379"/>
+            <ac:spMk id="5" creationId="{00000000-0000-0000-0000-000000000000}"/>
+          </ac:spMkLst>
+        </pc:spChg>
+        <pc:spChg chg="del">
+          <ac:chgData name="Anatoliy Kigel" userId="7432c6c4687b0a9c" providerId="LiveId" clId="{5BF962B0-9EC3-4C1B-B156-F49CC0DFD81C}" dt="2023-05-17T19:25:48.916" v="20" actId="478"/>
+          <ac:spMkLst>
+            <pc:docMk/>
+            <pc:sldMk cId="2169155448" sldId="379"/>
+            <ac:spMk id="8" creationId="{00000000-0000-0000-0000-000000000000}"/>
+          </ac:spMkLst>
+        </pc:spChg>
+        <pc:picChg chg="mod">
+          <ac:chgData name="Anatoliy Kigel" userId="7432c6c4687b0a9c" providerId="LiveId" clId="{5BF962B0-9EC3-4C1B-B156-F49CC0DFD81C}" dt="2023-05-17T19:25:52.995" v="23" actId="1036"/>
+          <ac:picMkLst>
+            <pc:docMk/>
+            <pc:sldMk cId="2169155448" sldId="379"/>
+            <ac:picMk id="2" creationId="{00000000-0000-0000-0000-000000000000}"/>
+          </ac:picMkLst>
+        </pc:picChg>
+      </pc:sldChg>
+      <pc:sldChg chg="delSp modSp mod">
+        <pc:chgData name="Anatoliy Kigel" userId="7432c6c4687b0a9c" providerId="LiveId" clId="{5BF962B0-9EC3-4C1B-B156-F49CC0DFD81C}" dt="2023-05-17T19:25:28.115" v="11" actId="1036"/>
+        <pc:sldMkLst>
+          <pc:docMk/>
+          <pc:sldMk cId="2597500872" sldId="424"/>
+        </pc:sldMkLst>
+        <pc:spChg chg="mod">
+          <ac:chgData name="Anatoliy Kigel" userId="7432c6c4687b0a9c" providerId="LiveId" clId="{5BF962B0-9EC3-4C1B-B156-F49CC0DFD81C}" dt="2023-05-17T19:25:20.360" v="7" actId="1036"/>
+          <ac:spMkLst>
+            <pc:docMk/>
+            <pc:sldMk cId="2597500872" sldId="424"/>
+            <ac:spMk id="3" creationId="{00000000-0000-0000-0000-000000000000}"/>
+          </ac:spMkLst>
+        </pc:spChg>
+        <pc:spChg chg="del">
+          <ac:chgData name="Anatoliy Kigel" userId="7432c6c4687b0a9c" providerId="LiveId" clId="{5BF962B0-9EC3-4C1B-B156-F49CC0DFD81C}" dt="2023-05-17T19:25:18.498" v="0" actId="478"/>
+          <ac:spMkLst>
+            <pc:docMk/>
+            <pc:sldMk cId="2597500872" sldId="424"/>
+            <ac:spMk id="15" creationId="{00000000-0000-0000-0000-000000000000}"/>
+          </ac:spMkLst>
+        </pc:spChg>
+        <pc:spChg chg="del">
+          <ac:chgData name="Anatoliy Kigel" userId="7432c6c4687b0a9c" providerId="LiveId" clId="{5BF962B0-9EC3-4C1B-B156-F49CC0DFD81C}" dt="2023-05-17T19:25:18.498" v="0" actId="478"/>
+          <ac:spMkLst>
+            <pc:docMk/>
+            <pc:sldMk cId="2597500872" sldId="424"/>
+            <ac:spMk id="17" creationId="{00000000-0000-0000-0000-000000000000}"/>
+          </ac:spMkLst>
+        </pc:spChg>
+        <pc:picChg chg="mod">
+          <ac:chgData name="Anatoliy Kigel" userId="7432c6c4687b0a9c" providerId="LiveId" clId="{5BF962B0-9EC3-4C1B-B156-F49CC0DFD81C}" dt="2023-05-17T19:25:28.115" v="11" actId="1036"/>
+          <ac:picMkLst>
+            <pc:docMk/>
+            <pc:sldMk cId="2597500872" sldId="424"/>
+            <ac:picMk id="4" creationId="{00000000-0000-0000-0000-000000000000}"/>
+          </ac:picMkLst>
+        </pc:picChg>
+      </pc:sldChg>
+      <pc:sldChg chg="delSp mod">
+        <pc:chgData name="Anatoliy Kigel" userId="7432c6c4687b0a9c" providerId="LiveId" clId="{5BF962B0-9EC3-4C1B-B156-F49CC0DFD81C}" dt="2023-05-17T19:25:40.804" v="19" actId="478"/>
+        <pc:sldMkLst>
+          <pc:docMk/>
+          <pc:sldMk cId="929468486" sldId="428"/>
+        </pc:sldMkLst>
+        <pc:spChg chg="del">
+          <ac:chgData name="Anatoliy Kigel" userId="7432c6c4687b0a9c" providerId="LiveId" clId="{5BF962B0-9EC3-4C1B-B156-F49CC0DFD81C}" dt="2023-05-17T19:25:40.804" v="19" actId="478"/>
+          <ac:spMkLst>
+            <pc:docMk/>
+            <pc:sldMk cId="929468486" sldId="428"/>
+            <ac:spMk id="15" creationId="{00000000-0000-0000-0000-000000000000}"/>
+          </ac:spMkLst>
+        </pc:spChg>
+      </pc:sldChg>
+      <pc:sldChg chg="delSp modSp mod">
+        <pc:chgData name="Anatoliy Kigel" userId="7432c6c4687b0a9c" providerId="LiveId" clId="{5BF962B0-9EC3-4C1B-B156-F49CC0DFD81C}" dt="2023-05-17T19:25:35.642" v="18" actId="1036"/>
+        <pc:sldMkLst>
+          <pc:docMk/>
+          <pc:sldMk cId="2396747633" sldId="430"/>
+        </pc:sldMkLst>
+        <pc:spChg chg="mod">
+          <ac:chgData name="Anatoliy Kigel" userId="7432c6c4687b0a9c" providerId="LiveId" clId="{5BF962B0-9EC3-4C1B-B156-F49CC0DFD81C}" dt="2023-05-17T19:25:35.130" v="17" actId="1035"/>
+          <ac:spMkLst>
+            <pc:docMk/>
+            <pc:sldMk cId="2396747633" sldId="430"/>
+            <ac:spMk id="3" creationId="{00000000-0000-0000-0000-000000000000}"/>
+          </ac:spMkLst>
+        </pc:spChg>
+        <pc:spChg chg="del mod">
+          <ac:chgData name="Anatoliy Kigel" userId="7432c6c4687b0a9c" providerId="LiveId" clId="{5BF962B0-9EC3-4C1B-B156-F49CC0DFD81C}" dt="2023-05-17T19:25:33.295" v="13" actId="478"/>
+          <ac:spMkLst>
+            <pc:docMk/>
+            <pc:sldMk cId="2396747633" sldId="430"/>
+            <ac:spMk id="15" creationId="{00000000-0000-0000-0000-000000000000}"/>
+          </ac:spMkLst>
+        </pc:spChg>
+        <pc:picChg chg="mod">
+          <ac:chgData name="Anatoliy Kigel" userId="7432c6c4687b0a9c" providerId="LiveId" clId="{5BF962B0-9EC3-4C1B-B156-F49CC0DFD81C}" dt="2023-05-17T19:25:35.642" v="18" actId="1036"/>
+          <ac:picMkLst>
+            <pc:docMk/>
+            <pc:sldMk cId="2396747633" sldId="430"/>
+            <ac:picMk id="5" creationId="{00000000-0000-0000-0000-000000000000}"/>
+          </ac:picMkLst>
+        </pc:picChg>
+      </pc:sldChg>
+      <pc:sldChg chg="modSp mod">
+        <pc:chgData name="Anatoliy Kigel" userId="7432c6c4687b0a9c" providerId="LiveId" clId="{5BF962B0-9EC3-4C1B-B156-F49CC0DFD81C}" dt="2023-05-17T19:26:04.285" v="29" actId="1036"/>
+        <pc:sldMkLst>
+          <pc:docMk/>
+          <pc:sldMk cId="3747052252" sldId="447"/>
+        </pc:sldMkLst>
+        <pc:spChg chg="mod">
+          <ac:chgData name="Anatoliy Kigel" userId="7432c6c4687b0a9c" providerId="LiveId" clId="{5BF962B0-9EC3-4C1B-B156-F49CC0DFD81C}" dt="2023-05-17T19:26:04.285" v="29" actId="1036"/>
+          <ac:spMkLst>
+            <pc:docMk/>
+            <pc:sldMk cId="3747052252" sldId="447"/>
+            <ac:spMk id="5" creationId="{00000000-0000-0000-0000-000000000000}"/>
+          </ac:spMkLst>
+        </pc:spChg>
+        <pc:picChg chg="mod">
+          <ac:chgData name="Anatoliy Kigel" userId="7432c6c4687b0a9c" providerId="LiveId" clId="{5BF962B0-9EC3-4C1B-B156-F49CC0DFD81C}" dt="2023-05-17T19:26:02.402" v="28" actId="1036"/>
+          <ac:picMkLst>
+            <pc:docMk/>
+            <pc:sldMk cId="3747052252" sldId="447"/>
+            <ac:picMk id="1026" creationId="{F1148C48-EC4E-91BF-EDFF-AD4D16119484}"/>
+          </ac:picMkLst>
+        </pc:picChg>
       </pc:sldChg>
     </pc:docChg>
   </pc:docChgLst>
@@ -6272,7 +6429,7 @@
         </p:nvSpPr>
         <p:spPr>
           <a:xfrm>
-            <a:off x="0" y="260648"/>
+            <a:off x="0" y="404664"/>
             <a:ext cx="12192000" cy="648072"/>
           </a:xfrm>
         </p:spPr>
@@ -6306,7 +6463,7 @@
         </p:nvSpPr>
         <p:spPr>
           <a:xfrm>
-            <a:off x="7248128" y="1484784"/>
+            <a:off x="7248128" y="1700808"/>
             <a:ext cx="4680520" cy="4154984"/>
           </a:xfrm>
           <a:prstGeom prst="rect">
@@ -6344,47 +6501,6 @@
               <a:rPr lang="ru-RU" sz="2400" dirty="0"/>
               <a:t>Функция принимает 2 элемента и должна вернуть 0 если они равны, отрицательное число если второй элемент больше или положительное если первый элемент больше.</a:t>
             </a:r>
-          </a:p>
-        </p:txBody>
-      </p:sp>
-      <p:sp>
-        <p:nvSpPr>
-          <p:cNvPr id="8" name="TextBox 7"/>
-          <p:cNvSpPr txBox="1"/>
-          <p:nvPr/>
-        </p:nvSpPr>
-        <p:spPr>
-          <a:xfrm>
-            <a:off x="0" y="6093296"/>
-            <a:ext cx="12192000" cy="461665"/>
-          </a:xfrm>
-          <a:prstGeom prst="rect">
-            <a:avLst/>
-          </a:prstGeom>
-          <a:noFill/>
-        </p:spPr>
-        <p:txBody>
-          <a:bodyPr wrap="square" rtlCol="0">
-            <a:spAutoFit/>
-          </a:bodyPr>
-          <a:lstStyle/>
-          <a:p>
-            <a:pPr algn="ctr"/>
-            <a:r>
-              <a:rPr lang="ru-RU" sz="2400" b="1" dirty="0"/>
-              <a:t>Подробнее:</a:t>
-            </a:r>
-            <a:r>
-              <a:rPr lang="en-US" sz="2400" b="1" dirty="0"/>
-              <a:t> </a:t>
-            </a:r>
-            <a:r>
-              <a:rPr lang="en-US" sz="2400" b="1" dirty="0">
-                <a:hlinkClick r:id="rId2"/>
-              </a:rPr>
-              <a:t>https://learn.javascript.ru/array-methods</a:t>
-            </a:r>
-            <a:endParaRPr lang="en-US" sz="2400" b="1" dirty="0"/>
           </a:p>
         </p:txBody>
       </p:sp>
@@ -6397,14 +6513,14 @@
           <p:nvPr/>
         </p:nvPicPr>
         <p:blipFill>
-          <a:blip r:embed="rId3"/>
+          <a:blip r:embed="rId2"/>
           <a:stretch>
             <a:fillRect/>
           </a:stretch>
         </p:blipFill>
         <p:spPr>
           <a:xfrm>
-            <a:off x="335360" y="1129121"/>
+            <a:off x="335360" y="1345145"/>
             <a:ext cx="6681037" cy="4748151"/>
           </a:xfrm>
           <a:prstGeom prst="rect">
@@ -7180,7 +7296,7 @@
         </p:nvSpPr>
         <p:spPr>
           <a:xfrm>
-            <a:off x="0" y="620688"/>
+            <a:off x="0" y="643335"/>
             <a:ext cx="12192000" cy="769441"/>
           </a:xfrm>
           <a:prstGeom prst="rect">
@@ -7232,7 +7348,7 @@
         </p:blipFill>
         <p:spPr bwMode="auto">
           <a:xfrm>
-            <a:off x="3071664" y="1390129"/>
+            <a:off x="3071664" y="1574106"/>
             <a:ext cx="7314121" cy="4375174"/>
           </a:xfrm>
           <a:prstGeom prst="rect">
@@ -7825,47 +7941,6 @@
       </p:sp>
       <p:sp>
         <p:nvSpPr>
-          <p:cNvPr id="15" name="TextBox 14"/>
-          <p:cNvSpPr txBox="1"/>
-          <p:nvPr/>
-        </p:nvSpPr>
-        <p:spPr>
-          <a:xfrm>
-            <a:off x="0" y="5775647"/>
-            <a:ext cx="12192000" cy="461665"/>
-          </a:xfrm>
-          <a:prstGeom prst="rect">
-            <a:avLst/>
-          </a:prstGeom>
-          <a:noFill/>
-        </p:spPr>
-        <p:txBody>
-          <a:bodyPr wrap="square" rtlCol="0">
-            <a:spAutoFit/>
-          </a:bodyPr>
-          <a:lstStyle/>
-          <a:p>
-            <a:pPr algn="ctr"/>
-            <a:r>
-              <a:rPr lang="ru-RU" sz="2400" b="1" dirty="0"/>
-              <a:t>Подробнее:</a:t>
-            </a:r>
-            <a:r>
-              <a:rPr lang="en-US" sz="2400" b="1" dirty="0"/>
-              <a:t> </a:t>
-            </a:r>
-            <a:r>
-              <a:rPr lang="en-US" sz="2400" b="1" dirty="0">
-                <a:hlinkClick r:id="rId2"/>
-              </a:rPr>
-              <a:t>https://learn.javascript.ru/function-basics</a:t>
-            </a:r>
-            <a:endParaRPr lang="ru-RU" sz="2400" b="1" dirty="0"/>
-          </a:p>
-        </p:txBody>
-      </p:sp>
-      <p:sp>
-        <p:nvSpPr>
           <p:cNvPr id="16" name="Заголовок 6"/>
           <p:cNvSpPr>
             <a:spLocks noGrp="1"/>
@@ -7908,54 +7983,13 @@
       </p:sp>
       <p:sp>
         <p:nvSpPr>
-          <p:cNvPr id="17" name="TextBox 16"/>
-          <p:cNvSpPr txBox="1"/>
-          <p:nvPr/>
-        </p:nvSpPr>
-        <p:spPr>
-          <a:xfrm>
-            <a:off x="0" y="6207695"/>
-            <a:ext cx="12192000" cy="461665"/>
-          </a:xfrm>
-          <a:prstGeom prst="rect">
-            <a:avLst/>
-          </a:prstGeom>
-          <a:noFill/>
-        </p:spPr>
-        <p:txBody>
-          <a:bodyPr wrap="square" rtlCol="0">
-            <a:spAutoFit/>
-          </a:bodyPr>
-          <a:lstStyle/>
-          <a:p>
-            <a:pPr algn="ctr"/>
-            <a:r>
-              <a:rPr lang="ru-RU" sz="2400" b="1" dirty="0"/>
-              <a:t>Подробнее:</a:t>
-            </a:r>
-            <a:r>
-              <a:rPr lang="en-US" sz="2400" b="1" dirty="0"/>
-              <a:t> </a:t>
-            </a:r>
-            <a:r>
-              <a:rPr lang="en-US" sz="2400" b="1" dirty="0">
-                <a:hlinkClick r:id="rId3"/>
-              </a:rPr>
-              <a:t>https://learn.javascript.ru/arrow-functions-basics</a:t>
-            </a:r>
-            <a:endParaRPr lang="ru-RU" sz="2400" b="1" dirty="0"/>
-          </a:p>
-        </p:txBody>
-      </p:sp>
-      <p:sp>
-        <p:nvSpPr>
           <p:cNvPr id="3" name="TextBox 2"/>
           <p:cNvSpPr txBox="1"/>
           <p:nvPr/>
         </p:nvSpPr>
         <p:spPr>
           <a:xfrm>
-            <a:off x="6744072" y="1064925"/>
+            <a:off x="6744072" y="1520006"/>
             <a:ext cx="4104456" cy="4247317"/>
           </a:xfrm>
           <a:prstGeom prst="rect">
@@ -8045,14 +8079,14 @@
           <p:nvPr/>
         </p:nvPicPr>
         <p:blipFill>
-          <a:blip r:embed="rId4"/>
+          <a:blip r:embed="rId2"/>
           <a:stretch>
             <a:fillRect/>
           </a:stretch>
         </p:blipFill>
         <p:spPr>
           <a:xfrm>
-            <a:off x="839416" y="1104103"/>
+            <a:off x="839416" y="1415168"/>
             <a:ext cx="5683027" cy="4534112"/>
           </a:xfrm>
           <a:prstGeom prst="rect">
@@ -8172,47 +8206,6 @@
       </p:sp>
       <p:sp>
         <p:nvSpPr>
-          <p:cNvPr id="15" name="TextBox 14"/>
-          <p:cNvSpPr txBox="1"/>
-          <p:nvPr/>
-        </p:nvSpPr>
-        <p:spPr>
-          <a:xfrm>
-            <a:off x="0" y="6135687"/>
-            <a:ext cx="12192000" cy="461665"/>
-          </a:xfrm>
-          <a:prstGeom prst="rect">
-            <a:avLst/>
-          </a:prstGeom>
-          <a:noFill/>
-        </p:spPr>
-        <p:txBody>
-          <a:bodyPr wrap="square" rtlCol="0">
-            <a:spAutoFit/>
-          </a:bodyPr>
-          <a:lstStyle/>
-          <a:p>
-            <a:pPr algn="ctr"/>
-            <a:r>
-              <a:rPr lang="ru-RU" sz="2400" b="1" dirty="0"/>
-              <a:t>Подробнее:</a:t>
-            </a:r>
-            <a:r>
-              <a:rPr lang="en-US" sz="2400" b="1" dirty="0"/>
-              <a:t> </a:t>
-            </a:r>
-            <a:r>
-              <a:rPr lang="en-US" sz="2400" b="1" dirty="0">
-                <a:hlinkClick r:id="rId2"/>
-              </a:rPr>
-              <a:t>https://learn.javascript.ru/rest-parameters-spread-operator</a:t>
-            </a:r>
-            <a:endParaRPr lang="ru-RU" sz="2400" b="1" dirty="0"/>
-          </a:p>
-        </p:txBody>
-      </p:sp>
-      <p:sp>
-        <p:nvSpPr>
           <p:cNvPr id="16" name="Заголовок 6"/>
           <p:cNvSpPr>
             <a:spLocks noGrp="1"/>
@@ -8271,7 +8264,7 @@
         </p:nvSpPr>
         <p:spPr>
           <a:xfrm>
-            <a:off x="2610136" y="4365104"/>
+            <a:off x="2610136" y="4509120"/>
             <a:ext cx="7374295" cy="1754326"/>
           </a:xfrm>
           <a:prstGeom prst="rect">
@@ -8354,14 +8347,14 @@
           <p:nvPr/>
         </p:nvPicPr>
         <p:blipFill>
-          <a:blip r:embed="rId3"/>
+          <a:blip r:embed="rId2"/>
           <a:stretch>
             <a:fillRect/>
           </a:stretch>
         </p:blipFill>
         <p:spPr>
           <a:xfrm>
-            <a:off x="2610136" y="1052736"/>
+            <a:off x="2610136" y="1124744"/>
             <a:ext cx="7158271" cy="3096344"/>
           </a:xfrm>
           <a:prstGeom prst="rect">
@@ -8568,47 +8561,6 @@
       </p:sp>
       <p:sp>
         <p:nvSpPr>
-          <p:cNvPr id="15" name="TextBox 14"/>
-          <p:cNvSpPr txBox="1"/>
-          <p:nvPr/>
-        </p:nvSpPr>
-        <p:spPr>
-          <a:xfrm>
-            <a:off x="0" y="5991671"/>
-            <a:ext cx="12192000" cy="461665"/>
-          </a:xfrm>
-          <a:prstGeom prst="rect">
-            <a:avLst/>
-          </a:prstGeom>
-          <a:noFill/>
-        </p:spPr>
-        <p:txBody>
-          <a:bodyPr wrap="square" rtlCol="0">
-            <a:spAutoFit/>
-          </a:bodyPr>
-          <a:lstStyle/>
-          <a:p>
-            <a:pPr algn="ctr"/>
-            <a:r>
-              <a:rPr lang="ru-RU" sz="2400" b="1" dirty="0"/>
-              <a:t>Подробнее:</a:t>
-            </a:r>
-            <a:r>
-              <a:rPr lang="en-US" sz="2400" b="1" dirty="0"/>
-              <a:t> </a:t>
-            </a:r>
-            <a:r>
-              <a:rPr lang="en-US" sz="2400" b="1" dirty="0">
-                <a:hlinkClick r:id="rId2"/>
-              </a:rPr>
-              <a:t>https://learn.javascript.ru/settimeout-setinterval</a:t>
-            </a:r>
-            <a:endParaRPr lang="ru-RU" sz="2400" b="1" dirty="0"/>
-          </a:p>
-        </p:txBody>
-      </p:sp>
-      <p:sp>
-        <p:nvSpPr>
           <p:cNvPr id="16" name="Заголовок 6"/>
           <p:cNvSpPr>
             <a:spLocks noGrp="1"/>
@@ -8650,7 +8602,7 @@
           <p:nvPr/>
         </p:nvPicPr>
         <p:blipFill>
-          <a:blip r:embed="rId3"/>
+          <a:blip r:embed="rId2"/>
           <a:stretch>
             <a:fillRect/>
           </a:stretch>
